--- a/Final-Mapping.pptx
+++ b/Final-Mapping.pptx
@@ -6,32 +6,41 @@
   </p:sldMasterIdLst>
   <p:sldIdLst>
     <p:sldId id="261" r:id="rId2"/>
-    <p:sldId id="257" r:id="rId3"/>
-    <p:sldId id="258" r:id="rId4"/>
-    <p:sldId id="259" r:id="rId5"/>
-    <p:sldId id="260" r:id="rId6"/>
-    <p:sldId id="262" r:id="rId7"/>
-    <p:sldId id="263" r:id="rId8"/>
-    <p:sldId id="264" r:id="rId9"/>
-    <p:sldId id="265" r:id="rId10"/>
-    <p:sldId id="266" r:id="rId11"/>
-    <p:sldId id="267" r:id="rId12"/>
-    <p:sldId id="270" r:id="rId13"/>
-    <p:sldId id="271" r:id="rId14"/>
-    <p:sldId id="272" r:id="rId15"/>
-    <p:sldId id="273" r:id="rId16"/>
-    <p:sldId id="274" r:id="rId17"/>
-    <p:sldId id="275" r:id="rId18"/>
-    <p:sldId id="276" r:id="rId19"/>
-    <p:sldId id="277" r:id="rId20"/>
-    <p:sldId id="278" r:id="rId21"/>
-    <p:sldId id="279" r:id="rId22"/>
-    <p:sldId id="280" r:id="rId23"/>
-    <p:sldId id="283" r:id="rId24"/>
-    <p:sldId id="281" r:id="rId25"/>
-    <p:sldId id="282" r:id="rId26"/>
-    <p:sldId id="285" r:id="rId27"/>
-    <p:sldId id="286" r:id="rId28"/>
+    <p:sldId id="258" r:id="rId3"/>
+    <p:sldId id="259" r:id="rId4"/>
+    <p:sldId id="260" r:id="rId5"/>
+    <p:sldId id="262" r:id="rId6"/>
+    <p:sldId id="263" r:id="rId7"/>
+    <p:sldId id="264" r:id="rId8"/>
+    <p:sldId id="265" r:id="rId9"/>
+    <p:sldId id="266" r:id="rId10"/>
+    <p:sldId id="267" r:id="rId11"/>
+    <p:sldId id="270" r:id="rId12"/>
+    <p:sldId id="271" r:id="rId13"/>
+    <p:sldId id="272" r:id="rId14"/>
+    <p:sldId id="273" r:id="rId15"/>
+    <p:sldId id="274" r:id="rId16"/>
+    <p:sldId id="275" r:id="rId17"/>
+    <p:sldId id="276" r:id="rId18"/>
+    <p:sldId id="277" r:id="rId19"/>
+    <p:sldId id="278" r:id="rId20"/>
+    <p:sldId id="279" r:id="rId21"/>
+    <p:sldId id="280" r:id="rId22"/>
+    <p:sldId id="283" r:id="rId23"/>
+    <p:sldId id="281" r:id="rId24"/>
+    <p:sldId id="282" r:id="rId25"/>
+    <p:sldId id="285" r:id="rId26"/>
+    <p:sldId id="286" r:id="rId27"/>
+    <p:sldId id="288" r:id="rId28"/>
+    <p:sldId id="287" r:id="rId29"/>
+    <p:sldId id="289" r:id="rId30"/>
+    <p:sldId id="291" r:id="rId31"/>
+    <p:sldId id="290" r:id="rId32"/>
+    <p:sldId id="292" r:id="rId33"/>
+    <p:sldId id="293" r:id="rId34"/>
+    <p:sldId id="294" r:id="rId35"/>
+    <p:sldId id="295" r:id="rId36"/>
+    <p:sldId id="296" r:id="rId37"/>
   </p:sldIdLst>
   <p:sldSz cx="12192000" cy="6858000"/>
   <p:notesSz cx="6858000" cy="9144000"/>
@@ -3432,10 +3441,10 @@
       </p:grpSpPr>
       <p:pic>
         <p:nvPicPr>
-          <p:cNvPr id="2" name="Picture 1">
-            <a:extLst>
-              <a:ext uri="{FF2B5EF4-FFF2-40B4-BE49-F238E27FC236}">
-                <a16:creationId xmlns:a16="http://schemas.microsoft.com/office/drawing/2014/main" id="{077A0EBC-9BCD-3944-A8AD-2FACF7FAC1D0}"/>
+          <p:cNvPr id="4" name="Picture 3">
+            <a:extLst>
+              <a:ext uri="{FF2B5EF4-FFF2-40B4-BE49-F238E27FC236}">
+                <a16:creationId xmlns:a16="http://schemas.microsoft.com/office/drawing/2014/main" id="{093B9D5D-995F-9041-BE3D-17FE8D1EF1BB}"/>
               </a:ext>
             </a:extLst>
           </p:cNvPr>
@@ -3444,16 +3453,152 @@
           </p:cNvPicPr>
           <p:nvPr/>
         </p:nvPicPr>
+        <p:blipFill rotWithShape="1">
+          <a:blip r:embed="rId2"/>
+          <a:srcRect b="33732"/>
+          <a:stretch/>
+        </p:blipFill>
+        <p:spPr>
+          <a:xfrm>
+            <a:off x="895301" y="774884"/>
+            <a:ext cx="5374011" cy="5214959"/>
+          </a:xfrm>
+          <a:prstGeom prst="rect">
+            <a:avLst/>
+          </a:prstGeom>
+        </p:spPr>
+      </p:pic>
+      <p:pic>
+        <p:nvPicPr>
+          <p:cNvPr id="5" name="Picture 4">
+            <a:extLst>
+              <a:ext uri="{FF2B5EF4-FFF2-40B4-BE49-F238E27FC236}">
+                <a16:creationId xmlns:a16="http://schemas.microsoft.com/office/drawing/2014/main" id="{ADFF58AE-770D-C641-A543-DEEEB7C515F3}"/>
+              </a:ext>
+            </a:extLst>
+          </p:cNvPr>
+          <p:cNvPicPr>
+            <a:picLocks noChangeAspect="1"/>
+          </p:cNvPicPr>
+          <p:nvPr/>
+        </p:nvPicPr>
+        <p:blipFill rotWithShape="1">
+          <a:blip r:embed="rId3"/>
+          <a:srcRect l="2022"/>
+          <a:stretch/>
+        </p:blipFill>
+        <p:spPr>
+          <a:xfrm>
+            <a:off x="1425271" y="1237546"/>
+            <a:ext cx="2670303" cy="2995058"/>
+          </a:xfrm>
+          <a:prstGeom prst="rect">
+            <a:avLst/>
+          </a:prstGeom>
+        </p:spPr>
+      </p:pic>
+      <p:pic>
+        <p:nvPicPr>
+          <p:cNvPr id="6" name="Picture 5">
+            <a:extLst>
+              <a:ext uri="{FF2B5EF4-FFF2-40B4-BE49-F238E27FC236}">
+                <a16:creationId xmlns:a16="http://schemas.microsoft.com/office/drawing/2014/main" id="{FB39E080-DBC6-F044-AE36-12FAAF9B8C36}"/>
+              </a:ext>
+            </a:extLst>
+          </p:cNvPr>
+          <p:cNvPicPr>
+            <a:picLocks noChangeAspect="1"/>
+          </p:cNvPicPr>
+          <p:nvPr/>
+        </p:nvPicPr>
+        <p:blipFill rotWithShape="1">
+          <a:blip r:embed="rId4"/>
+          <a:srcRect l="2806" r="-1" b="8147"/>
+          <a:stretch/>
+        </p:blipFill>
+        <p:spPr>
+          <a:xfrm>
+            <a:off x="4039575" y="1245497"/>
+            <a:ext cx="1251448" cy="309108"/>
+          </a:xfrm>
+          <a:prstGeom prst="rect">
+            <a:avLst/>
+          </a:prstGeom>
+        </p:spPr>
+      </p:pic>
+      <p:sp>
+        <p:nvSpPr>
+          <p:cNvPr id="9" name="Right Arrow 8">
+            <a:extLst>
+              <a:ext uri="{FF2B5EF4-FFF2-40B4-BE49-F238E27FC236}">
+                <a16:creationId xmlns:a16="http://schemas.microsoft.com/office/drawing/2014/main" id="{8EB49E20-D060-0847-A9BF-BB3C2930F723}"/>
+              </a:ext>
+            </a:extLst>
+          </p:cNvPr>
+          <p:cNvSpPr/>
+          <p:nvPr/>
+        </p:nvSpPr>
+        <p:spPr>
+          <a:xfrm>
+            <a:off x="6615853" y="3281764"/>
+            <a:ext cx="658639" cy="396237"/>
+          </a:xfrm>
+          <a:prstGeom prst="rightArrow">
+            <a:avLst>
+              <a:gd name="adj1" fmla="val 50000"/>
+              <a:gd name="adj2" fmla="val 51999"/>
+            </a:avLst>
+          </a:prstGeom>
+        </p:spPr>
+        <p:style>
+          <a:lnRef idx="2">
+            <a:schemeClr val="dk1">
+              <a:shade val="50000"/>
+            </a:schemeClr>
+          </a:lnRef>
+          <a:fillRef idx="1">
+            <a:schemeClr val="dk1"/>
+          </a:fillRef>
+          <a:effectRef idx="0">
+            <a:schemeClr val="dk1"/>
+          </a:effectRef>
+          <a:fontRef idx="minor">
+            <a:schemeClr val="lt1"/>
+          </a:fontRef>
+        </p:style>
+        <p:txBody>
+          <a:bodyPr rtlCol="0" anchor="ctr"/>
+          <a:lstStyle/>
+          <a:p>
+            <a:pPr algn="ctr"/>
+            <a:endParaRPr lang="en-US"/>
+          </a:p>
+        </p:txBody>
+      </p:sp>
+      <p:pic>
+        <p:nvPicPr>
+          <p:cNvPr id="13" name="Picture 12">
+            <a:extLst>
+              <a:ext uri="{FF2B5EF4-FFF2-40B4-BE49-F238E27FC236}">
+                <a16:creationId xmlns:a16="http://schemas.microsoft.com/office/drawing/2014/main" id="{E9FF5A07-369A-914C-A056-34813CE1BE98}"/>
+              </a:ext>
+            </a:extLst>
+          </p:cNvPr>
+          <p:cNvPicPr>
+            <a:picLocks noChangeAspect="1"/>
+          </p:cNvPicPr>
+          <p:nvPr/>
+        </p:nvPicPr>
         <p:blipFill>
-          <a:blip r:embed="rId2"/>
+          <a:blip r:embed="rId5"/>
           <a:stretch>
             <a:fillRect/>
           </a:stretch>
         </p:blipFill>
         <p:spPr>
           <a:xfrm>
-            <a:off x="1430070" y="1468029"/>
-            <a:ext cx="9331859" cy="4588164"/>
+            <a:off x="7651015" y="1237546"/>
+            <a:ext cx="3784833" cy="4382908"/>
           </a:xfrm>
           <a:prstGeom prst="rect">
             <a:avLst/>
@@ -3462,10 +3607,10 @@
       </p:pic>
       <p:sp>
         <p:nvSpPr>
-          <p:cNvPr id="3" name="Oval 2">
-            <a:extLst>
-              <a:ext uri="{FF2B5EF4-FFF2-40B4-BE49-F238E27FC236}">
-                <a16:creationId xmlns:a16="http://schemas.microsoft.com/office/drawing/2014/main" id="{79A923D5-F0DA-454C-939D-75431BEA09DB}"/>
+          <p:cNvPr id="14" name="Oval 13">
+            <a:extLst>
+              <a:ext uri="{FF2B5EF4-FFF2-40B4-BE49-F238E27FC236}">
+                <a16:creationId xmlns:a16="http://schemas.microsoft.com/office/drawing/2014/main" id="{3D0E9A55-ED2C-5047-9D17-985A52D40048}"/>
               </a:ext>
             </a:extLst>
           </p:cNvPr>
@@ -3474,8 +3619,8 @@
         </p:nvSpPr>
         <p:spPr>
           <a:xfrm>
-            <a:off x="8350861" y="2710552"/>
-            <a:ext cx="1516708" cy="757231"/>
+            <a:off x="8240192" y="1893235"/>
+            <a:ext cx="1003200" cy="241218"/>
           </a:xfrm>
           <a:prstGeom prst="ellipse">
             <a:avLst/>
@@ -3512,202 +3657,10 @@
           </a:p>
         </p:txBody>
       </p:sp>
-      <p:sp>
-        <p:nvSpPr>
-          <p:cNvPr id="4" name="Oval 3">
-            <a:extLst>
-              <a:ext uri="{FF2B5EF4-FFF2-40B4-BE49-F238E27FC236}">
-                <a16:creationId xmlns:a16="http://schemas.microsoft.com/office/drawing/2014/main" id="{D2595D89-DDBF-534B-8E29-BBF42DEE6D51}"/>
-              </a:ext>
-            </a:extLst>
-          </p:cNvPr>
-          <p:cNvSpPr/>
-          <p:nvPr/>
-        </p:nvSpPr>
-        <p:spPr>
-          <a:xfrm>
-            <a:off x="7348998" y="3887345"/>
-            <a:ext cx="1516708" cy="818984"/>
-          </a:xfrm>
-          <a:prstGeom prst="ellipse">
-            <a:avLst/>
-          </a:prstGeom>
-          <a:noFill/>
-          <a:ln w="38100">
-            <a:solidFill>
-              <a:srgbClr val="FF0000"/>
-            </a:solidFill>
-          </a:ln>
-        </p:spPr>
-        <p:style>
-          <a:lnRef idx="2">
-            <a:schemeClr val="accent1">
-              <a:shade val="50000"/>
-            </a:schemeClr>
-          </a:lnRef>
-          <a:fillRef idx="1">
-            <a:schemeClr val="accent1"/>
-          </a:fillRef>
-          <a:effectRef idx="0">
-            <a:schemeClr val="accent1"/>
-          </a:effectRef>
-          <a:fontRef idx="minor">
-            <a:schemeClr val="lt1"/>
-          </a:fontRef>
-        </p:style>
-        <p:txBody>
-          <a:bodyPr rtlCol="0" anchor="ctr"/>
-          <a:lstStyle/>
-          <a:p>
-            <a:pPr algn="ctr"/>
-            <a:endParaRPr lang="en-US"/>
-          </a:p>
-        </p:txBody>
-      </p:sp>
-      <p:sp>
-        <p:nvSpPr>
-          <p:cNvPr id="5" name="Oval 4">
-            <a:extLst>
-              <a:ext uri="{FF2B5EF4-FFF2-40B4-BE49-F238E27FC236}">
-                <a16:creationId xmlns:a16="http://schemas.microsoft.com/office/drawing/2014/main" id="{CEE1D885-3C43-4B43-A8BA-5FF92207CBC2}"/>
-              </a:ext>
-            </a:extLst>
-          </p:cNvPr>
-          <p:cNvSpPr/>
-          <p:nvPr/>
-        </p:nvSpPr>
-        <p:spPr>
-          <a:xfrm>
-            <a:off x="6394841" y="5237209"/>
-            <a:ext cx="1516707" cy="757231"/>
-          </a:xfrm>
-          <a:prstGeom prst="ellipse">
-            <a:avLst/>
-          </a:prstGeom>
-          <a:noFill/>
-          <a:ln w="38100">
-            <a:solidFill>
-              <a:srgbClr val="FF0000"/>
-            </a:solidFill>
-          </a:ln>
-        </p:spPr>
-        <p:style>
-          <a:lnRef idx="2">
-            <a:schemeClr val="accent1">
-              <a:shade val="50000"/>
-            </a:schemeClr>
-          </a:lnRef>
-          <a:fillRef idx="1">
-            <a:schemeClr val="accent1"/>
-          </a:fillRef>
-          <a:effectRef idx="0">
-            <a:schemeClr val="accent1"/>
-          </a:effectRef>
-          <a:fontRef idx="minor">
-            <a:schemeClr val="lt1"/>
-          </a:fontRef>
-        </p:style>
-        <p:txBody>
-          <a:bodyPr rtlCol="0" anchor="ctr"/>
-          <a:lstStyle/>
-          <a:p>
-            <a:pPr algn="ctr"/>
-            <a:endParaRPr lang="en-US"/>
-          </a:p>
-        </p:txBody>
-      </p:sp>
-      <p:sp>
-        <p:nvSpPr>
-          <p:cNvPr id="6" name="Oval 5">
-            <a:extLst>
-              <a:ext uri="{FF2B5EF4-FFF2-40B4-BE49-F238E27FC236}">
-                <a16:creationId xmlns:a16="http://schemas.microsoft.com/office/drawing/2014/main" id="{88212993-2DEA-454C-A99B-915879D78CB0}"/>
-              </a:ext>
-            </a:extLst>
-          </p:cNvPr>
-          <p:cNvSpPr/>
-          <p:nvPr/>
-        </p:nvSpPr>
-        <p:spPr>
-          <a:xfrm>
-            <a:off x="8797460" y="4655833"/>
-            <a:ext cx="1516707" cy="757231"/>
-          </a:xfrm>
-          <a:prstGeom prst="ellipse">
-            <a:avLst/>
-          </a:prstGeom>
-          <a:noFill/>
-          <a:ln w="38100">
-            <a:solidFill>
-              <a:srgbClr val="FF0000"/>
-            </a:solidFill>
-          </a:ln>
-        </p:spPr>
-        <p:style>
-          <a:lnRef idx="2">
-            <a:schemeClr val="accent1">
-              <a:shade val="50000"/>
-            </a:schemeClr>
-          </a:lnRef>
-          <a:fillRef idx="1">
-            <a:schemeClr val="accent1"/>
-          </a:fillRef>
-          <a:effectRef idx="0">
-            <a:schemeClr val="accent1"/>
-          </a:effectRef>
-          <a:fontRef idx="minor">
-            <a:schemeClr val="lt1"/>
-          </a:fontRef>
-        </p:style>
-        <p:txBody>
-          <a:bodyPr rtlCol="0" anchor="ctr"/>
-          <a:lstStyle/>
-          <a:p>
-            <a:pPr algn="ctr"/>
-            <a:endParaRPr lang="en-US"/>
-          </a:p>
-        </p:txBody>
-      </p:sp>
-      <p:sp>
-        <p:nvSpPr>
-          <p:cNvPr id="7" name="TextBox 6">
-            <a:extLst>
-              <a:ext uri="{FF2B5EF4-FFF2-40B4-BE49-F238E27FC236}">
-                <a16:creationId xmlns:a16="http://schemas.microsoft.com/office/drawing/2014/main" id="{6BCA8592-3FEC-154C-896A-E04ED53DE285}"/>
-              </a:ext>
-            </a:extLst>
-          </p:cNvPr>
-          <p:cNvSpPr txBox="1"/>
-          <p:nvPr/>
-        </p:nvSpPr>
-        <p:spPr>
-          <a:xfrm>
-            <a:off x="1324975" y="396951"/>
-            <a:ext cx="9542047" cy="954107"/>
-          </a:xfrm>
-          <a:prstGeom prst="rect">
-            <a:avLst/>
-          </a:prstGeom>
-          <a:noFill/>
-        </p:spPr>
-        <p:txBody>
-          <a:bodyPr wrap="square" rtlCol="0">
-            <a:spAutoFit/>
-          </a:bodyPr>
-          <a:lstStyle/>
-          <a:p>
-            <a:pPr algn="ctr"/>
-            <a:r>
-              <a:rPr lang="en-US" sz="2800" dirty="0"/>
-              <a:t>Join FreightRates, PortCarrier, Dest_Port_Locations, Orig_Port_Locations</a:t>
-            </a:r>
-          </a:p>
-        </p:txBody>
-      </p:sp>
     </p:spTree>
     <p:extLst>
       <p:ext uri="{BB962C8B-B14F-4D97-AF65-F5344CB8AC3E}">
-        <p14:creationId xmlns:p14="http://schemas.microsoft.com/office/powerpoint/2010/main" val="2673413034"/>
+        <p14:creationId xmlns:p14="http://schemas.microsoft.com/office/powerpoint/2010/main" val="1864980573"/>
       </p:ext>
     </p:extLst>
   </p:cSld>
@@ -3739,7 +3692,7 @@
           <p:cNvPr id="4" name="Picture 3">
             <a:extLst>
               <a:ext uri="{FF2B5EF4-FFF2-40B4-BE49-F238E27FC236}">
-                <a16:creationId xmlns:a16="http://schemas.microsoft.com/office/drawing/2014/main" id="{093B9D5D-995F-9041-BE3D-17FE8D1EF1BB}"/>
+                <a16:creationId xmlns:a16="http://schemas.microsoft.com/office/drawing/2014/main" id="{825E1CE0-4B83-5B48-9F93-D6A06770FBBE}"/>
               </a:ext>
             </a:extLst>
           </p:cNvPr>
@@ -3748,15 +3701,16 @@
           </p:cNvPicPr>
           <p:nvPr/>
         </p:nvPicPr>
-        <p:blipFill rotWithShape="1">
+        <p:blipFill>
           <a:blip r:embed="rId2"/>
-          <a:srcRect b="33732"/>
-          <a:stretch/>
+          <a:stretch>
+            <a:fillRect/>
+          </a:stretch>
         </p:blipFill>
         <p:spPr>
           <a:xfrm>
-            <a:off x="895301" y="774884"/>
-            <a:ext cx="5374011" cy="5214959"/>
+            <a:off x="1470321" y="1050327"/>
+            <a:ext cx="4211171" cy="4876616"/>
           </a:xfrm>
           <a:prstGeom prst="rect">
             <a:avLst/>
@@ -3768,7 +3722,7 @@
           <p:cNvPr id="5" name="Picture 4">
             <a:extLst>
               <a:ext uri="{FF2B5EF4-FFF2-40B4-BE49-F238E27FC236}">
-                <a16:creationId xmlns:a16="http://schemas.microsoft.com/office/drawing/2014/main" id="{ADFF58AE-770D-C641-A543-DEEEB7C515F3}"/>
+                <a16:creationId xmlns:a16="http://schemas.microsoft.com/office/drawing/2014/main" id="{CB619C46-EDF5-6042-A2BF-DF268D183969}"/>
               </a:ext>
             </a:extLst>
           </p:cNvPr>
@@ -3777,56 +3731,28 @@
           </p:cNvPicPr>
           <p:nvPr/>
         </p:nvPicPr>
-        <p:blipFill rotWithShape="1">
+        <p:blipFill>
           <a:blip r:embed="rId3"/>
-          <a:srcRect l="2022"/>
-          <a:stretch/>
+          <a:stretch>
+            <a:fillRect/>
+          </a:stretch>
         </p:blipFill>
         <p:spPr>
           <a:xfrm>
-            <a:off x="1425271" y="1237546"/>
-            <a:ext cx="2670303" cy="2995058"/>
+            <a:off x="6567483" y="1050327"/>
+            <a:ext cx="4211171" cy="4898099"/>
           </a:xfrm>
           <a:prstGeom prst="rect">
             <a:avLst/>
           </a:prstGeom>
         </p:spPr>
       </p:pic>
-      <p:pic>
-        <p:nvPicPr>
-          <p:cNvPr id="6" name="Picture 5">
-            <a:extLst>
-              <a:ext uri="{FF2B5EF4-FFF2-40B4-BE49-F238E27FC236}">
-                <a16:creationId xmlns:a16="http://schemas.microsoft.com/office/drawing/2014/main" id="{FB39E080-DBC6-F044-AE36-12FAAF9B8C36}"/>
-              </a:ext>
-            </a:extLst>
-          </p:cNvPr>
-          <p:cNvPicPr>
-            <a:picLocks noChangeAspect="1"/>
-          </p:cNvPicPr>
-          <p:nvPr/>
-        </p:nvPicPr>
-        <p:blipFill rotWithShape="1">
-          <a:blip r:embed="rId4"/>
-          <a:srcRect l="2806" r="-1" b="8147"/>
-          <a:stretch/>
-        </p:blipFill>
-        <p:spPr>
-          <a:xfrm>
-            <a:off x="4039575" y="1245497"/>
-            <a:ext cx="1251448" cy="309108"/>
-          </a:xfrm>
-          <a:prstGeom prst="rect">
-            <a:avLst/>
-          </a:prstGeom>
-        </p:spPr>
-      </p:pic>
-      <p:sp>
-        <p:nvSpPr>
-          <p:cNvPr id="9" name="Right Arrow 8">
-            <a:extLst>
-              <a:ext uri="{FF2B5EF4-FFF2-40B4-BE49-F238E27FC236}">
-                <a16:creationId xmlns:a16="http://schemas.microsoft.com/office/drawing/2014/main" id="{8EB49E20-D060-0847-A9BF-BB3C2930F723}"/>
+      <p:sp>
+        <p:nvSpPr>
+          <p:cNvPr id="6" name="Right Arrow 5">
+            <a:extLst>
+              <a:ext uri="{FF2B5EF4-FFF2-40B4-BE49-F238E27FC236}">
+                <a16:creationId xmlns:a16="http://schemas.microsoft.com/office/drawing/2014/main" id="{652E1C74-CFDE-7941-B2A6-0DBEC89D3699}"/>
               </a:ext>
             </a:extLst>
           </p:cNvPr>
@@ -3835,7 +3761,7 @@
         </p:nvSpPr>
         <p:spPr>
           <a:xfrm>
-            <a:off x="6615853" y="3281764"/>
+            <a:off x="5795168" y="3290516"/>
             <a:ext cx="658639" cy="396237"/>
           </a:xfrm>
           <a:prstGeom prst="rightArrow">
@@ -3870,42 +3796,12 @@
           </a:p>
         </p:txBody>
       </p:sp>
-      <p:pic>
-        <p:nvPicPr>
-          <p:cNvPr id="13" name="Picture 12">
-            <a:extLst>
-              <a:ext uri="{FF2B5EF4-FFF2-40B4-BE49-F238E27FC236}">
-                <a16:creationId xmlns:a16="http://schemas.microsoft.com/office/drawing/2014/main" id="{E9FF5A07-369A-914C-A056-34813CE1BE98}"/>
-              </a:ext>
-            </a:extLst>
-          </p:cNvPr>
-          <p:cNvPicPr>
-            <a:picLocks noChangeAspect="1"/>
-          </p:cNvPicPr>
-          <p:nvPr/>
-        </p:nvPicPr>
-        <p:blipFill>
-          <a:blip r:embed="rId5"/>
-          <a:stretch>
-            <a:fillRect/>
-          </a:stretch>
-        </p:blipFill>
-        <p:spPr>
-          <a:xfrm>
-            <a:off x="7651015" y="1237546"/>
-            <a:ext cx="3784833" cy="4382908"/>
-          </a:xfrm>
-          <a:prstGeom prst="rect">
-            <a:avLst/>
-          </a:prstGeom>
-        </p:spPr>
-      </p:pic>
-      <p:sp>
-        <p:nvSpPr>
-          <p:cNvPr id="14" name="Oval 13">
-            <a:extLst>
-              <a:ext uri="{FF2B5EF4-FFF2-40B4-BE49-F238E27FC236}">
-                <a16:creationId xmlns:a16="http://schemas.microsoft.com/office/drawing/2014/main" id="{3D0E9A55-ED2C-5047-9D17-985A52D40048}"/>
+      <p:sp>
+        <p:nvSpPr>
+          <p:cNvPr id="7" name="Oval 6">
+            <a:extLst>
+              <a:ext uri="{FF2B5EF4-FFF2-40B4-BE49-F238E27FC236}">
+                <a16:creationId xmlns:a16="http://schemas.microsoft.com/office/drawing/2014/main" id="{5E0BFE49-68EB-8746-A7A3-9A51302DD424}"/>
               </a:ext>
             </a:extLst>
           </p:cNvPr>
@@ -3914,8 +3810,8 @@
         </p:nvSpPr>
         <p:spPr>
           <a:xfrm>
-            <a:off x="8240192" y="1893235"/>
-            <a:ext cx="1003200" cy="241218"/>
+            <a:off x="2097156" y="1441173"/>
+            <a:ext cx="536713" cy="188845"/>
           </a:xfrm>
           <a:prstGeom prst="ellipse">
             <a:avLst/>
@@ -3952,10 +3848,114 @@
           </a:p>
         </p:txBody>
       </p:sp>
+      <p:sp>
+        <p:nvSpPr>
+          <p:cNvPr id="8" name="Oval 7">
+            <a:extLst>
+              <a:ext uri="{FF2B5EF4-FFF2-40B4-BE49-F238E27FC236}">
+                <a16:creationId xmlns:a16="http://schemas.microsoft.com/office/drawing/2014/main" id="{9E0F67A3-5F20-5046-B07C-EE9C25F03BD5}"/>
+              </a:ext>
+            </a:extLst>
+          </p:cNvPr>
+          <p:cNvSpPr/>
+          <p:nvPr/>
+        </p:nvSpPr>
+        <p:spPr>
+          <a:xfrm>
+            <a:off x="7196585" y="1441173"/>
+            <a:ext cx="536713" cy="188845"/>
+          </a:xfrm>
+          <a:prstGeom prst="ellipse">
+            <a:avLst/>
+          </a:prstGeom>
+          <a:noFill/>
+          <a:ln w="38100">
+            <a:solidFill>
+              <a:srgbClr val="FF0000"/>
+            </a:solidFill>
+          </a:ln>
+        </p:spPr>
+        <p:style>
+          <a:lnRef idx="2">
+            <a:schemeClr val="accent1">
+              <a:shade val="50000"/>
+            </a:schemeClr>
+          </a:lnRef>
+          <a:fillRef idx="1">
+            <a:schemeClr val="accent1"/>
+          </a:fillRef>
+          <a:effectRef idx="0">
+            <a:schemeClr val="accent1"/>
+          </a:effectRef>
+          <a:fontRef idx="minor">
+            <a:schemeClr val="lt1"/>
+          </a:fontRef>
+        </p:style>
+        <p:txBody>
+          <a:bodyPr rtlCol="0" anchor="ctr"/>
+          <a:lstStyle/>
+          <a:p>
+            <a:pPr algn="ctr"/>
+            <a:endParaRPr lang="en-US"/>
+          </a:p>
+        </p:txBody>
+      </p:sp>
+      <p:sp>
+        <p:nvSpPr>
+          <p:cNvPr id="9" name="Oval 8">
+            <a:extLst>
+              <a:ext uri="{FF2B5EF4-FFF2-40B4-BE49-F238E27FC236}">
+                <a16:creationId xmlns:a16="http://schemas.microsoft.com/office/drawing/2014/main" id="{9763250E-4997-8B49-9503-FE5B40125BF1}"/>
+              </a:ext>
+            </a:extLst>
+          </p:cNvPr>
+          <p:cNvSpPr/>
+          <p:nvPr/>
+        </p:nvSpPr>
+        <p:spPr>
+          <a:xfrm>
+            <a:off x="9528967" y="1772477"/>
+            <a:ext cx="377687" cy="255106"/>
+          </a:xfrm>
+          <a:prstGeom prst="ellipse">
+            <a:avLst/>
+          </a:prstGeom>
+          <a:noFill/>
+          <a:ln w="38100">
+            <a:solidFill>
+              <a:srgbClr val="FF0000"/>
+            </a:solidFill>
+          </a:ln>
+        </p:spPr>
+        <p:style>
+          <a:lnRef idx="2">
+            <a:schemeClr val="accent1">
+              <a:shade val="50000"/>
+            </a:schemeClr>
+          </a:lnRef>
+          <a:fillRef idx="1">
+            <a:schemeClr val="accent1"/>
+          </a:fillRef>
+          <a:effectRef idx="0">
+            <a:schemeClr val="accent1"/>
+          </a:effectRef>
+          <a:fontRef idx="minor">
+            <a:schemeClr val="lt1"/>
+          </a:fontRef>
+        </p:style>
+        <p:txBody>
+          <a:bodyPr rtlCol="0" anchor="ctr"/>
+          <a:lstStyle/>
+          <a:p>
+            <a:pPr algn="ctr"/>
+            <a:endParaRPr lang="en-US"/>
+          </a:p>
+        </p:txBody>
+      </p:sp>
     </p:spTree>
     <p:extLst>
       <p:ext uri="{BB962C8B-B14F-4D97-AF65-F5344CB8AC3E}">
-        <p14:creationId xmlns:p14="http://schemas.microsoft.com/office/powerpoint/2010/main" val="1864980573"/>
+        <p14:creationId xmlns:p14="http://schemas.microsoft.com/office/powerpoint/2010/main" val="4422308"/>
       </p:ext>
     </p:extLst>
   </p:cSld>
@@ -3984,10 +3984,10 @@
       </p:grpSpPr>
       <p:pic>
         <p:nvPicPr>
-          <p:cNvPr id="4" name="Picture 3">
-            <a:extLst>
-              <a:ext uri="{FF2B5EF4-FFF2-40B4-BE49-F238E27FC236}">
-                <a16:creationId xmlns:a16="http://schemas.microsoft.com/office/drawing/2014/main" id="{825E1CE0-4B83-5B48-9F93-D6A06770FBBE}"/>
+          <p:cNvPr id="2" name="Picture 1">
+            <a:extLst>
+              <a:ext uri="{FF2B5EF4-FFF2-40B4-BE49-F238E27FC236}">
+                <a16:creationId xmlns:a16="http://schemas.microsoft.com/office/drawing/2014/main" id="{4A5C00F5-2A66-AD44-A17A-46FB418EF9BE}"/>
               </a:ext>
             </a:extLst>
           </p:cNvPr>
@@ -4004,50 +4004,20 @@
         </p:blipFill>
         <p:spPr>
           <a:xfrm>
-            <a:off x="1470321" y="1050327"/>
-            <a:ext cx="4211171" cy="4876616"/>
+            <a:off x="935111" y="880003"/>
+            <a:ext cx="4189344" cy="5097992"/>
           </a:xfrm>
           <a:prstGeom prst="rect">
             <a:avLst/>
           </a:prstGeom>
         </p:spPr>
       </p:pic>
-      <p:pic>
-        <p:nvPicPr>
-          <p:cNvPr id="5" name="Picture 4">
-            <a:extLst>
-              <a:ext uri="{FF2B5EF4-FFF2-40B4-BE49-F238E27FC236}">
-                <a16:creationId xmlns:a16="http://schemas.microsoft.com/office/drawing/2014/main" id="{CB619C46-EDF5-6042-A2BF-DF268D183969}"/>
-              </a:ext>
-            </a:extLst>
-          </p:cNvPr>
-          <p:cNvPicPr>
-            <a:picLocks noChangeAspect="1"/>
-          </p:cNvPicPr>
-          <p:nvPr/>
-        </p:nvPicPr>
-        <p:blipFill>
-          <a:blip r:embed="rId3"/>
-          <a:stretch>
-            <a:fillRect/>
-          </a:stretch>
-        </p:blipFill>
-        <p:spPr>
-          <a:xfrm>
-            <a:off x="6567483" y="1050327"/>
-            <a:ext cx="4211171" cy="4898099"/>
-          </a:xfrm>
-          <a:prstGeom prst="rect">
-            <a:avLst/>
-          </a:prstGeom>
-        </p:spPr>
-      </p:pic>
-      <p:sp>
-        <p:nvSpPr>
-          <p:cNvPr id="6" name="Right Arrow 5">
-            <a:extLst>
-              <a:ext uri="{FF2B5EF4-FFF2-40B4-BE49-F238E27FC236}">
-                <a16:creationId xmlns:a16="http://schemas.microsoft.com/office/drawing/2014/main" id="{652E1C74-CFDE-7941-B2A6-0DBEC89D3699}"/>
+      <p:sp>
+        <p:nvSpPr>
+          <p:cNvPr id="3" name="Oval 2">
+            <a:extLst>
+              <a:ext uri="{FF2B5EF4-FFF2-40B4-BE49-F238E27FC236}">
+                <a16:creationId xmlns:a16="http://schemas.microsoft.com/office/drawing/2014/main" id="{E364C23F-893B-B54A-ACA8-A8BB3ABD87FF}"/>
               </a:ext>
             </a:extLst>
           </p:cNvPr>
@@ -4056,7 +4026,111 @@
         </p:nvSpPr>
         <p:spPr>
           <a:xfrm>
-            <a:off x="5795168" y="3290516"/>
+            <a:off x="1586777" y="1585120"/>
+            <a:ext cx="1003200" cy="241218"/>
+          </a:xfrm>
+          <a:prstGeom prst="ellipse">
+            <a:avLst/>
+          </a:prstGeom>
+          <a:noFill/>
+          <a:ln w="38100">
+            <a:solidFill>
+              <a:srgbClr val="FF0000"/>
+            </a:solidFill>
+          </a:ln>
+        </p:spPr>
+        <p:style>
+          <a:lnRef idx="2">
+            <a:schemeClr val="accent1">
+              <a:shade val="50000"/>
+            </a:schemeClr>
+          </a:lnRef>
+          <a:fillRef idx="1">
+            <a:schemeClr val="accent1"/>
+          </a:fillRef>
+          <a:effectRef idx="0">
+            <a:schemeClr val="accent1"/>
+          </a:effectRef>
+          <a:fontRef idx="minor">
+            <a:schemeClr val="lt1"/>
+          </a:fontRef>
+        </p:style>
+        <p:txBody>
+          <a:bodyPr rtlCol="0" anchor="ctr"/>
+          <a:lstStyle/>
+          <a:p>
+            <a:pPr algn="ctr"/>
+            <a:endParaRPr lang="en-US"/>
+          </a:p>
+        </p:txBody>
+      </p:sp>
+      <p:sp>
+        <p:nvSpPr>
+          <p:cNvPr id="4" name="Oval 3">
+            <a:extLst>
+              <a:ext uri="{FF2B5EF4-FFF2-40B4-BE49-F238E27FC236}">
+                <a16:creationId xmlns:a16="http://schemas.microsoft.com/office/drawing/2014/main" id="{3826919A-5E3B-0B46-A91E-C16221D295D7}"/>
+              </a:ext>
+            </a:extLst>
+          </p:cNvPr>
+          <p:cNvSpPr/>
+          <p:nvPr/>
+        </p:nvSpPr>
+        <p:spPr>
+          <a:xfrm>
+            <a:off x="4247153" y="2040833"/>
+            <a:ext cx="377687" cy="255106"/>
+          </a:xfrm>
+          <a:prstGeom prst="ellipse">
+            <a:avLst/>
+          </a:prstGeom>
+          <a:noFill/>
+          <a:ln w="38100">
+            <a:solidFill>
+              <a:srgbClr val="FF0000"/>
+            </a:solidFill>
+          </a:ln>
+        </p:spPr>
+        <p:style>
+          <a:lnRef idx="2">
+            <a:schemeClr val="accent1">
+              <a:shade val="50000"/>
+            </a:schemeClr>
+          </a:lnRef>
+          <a:fillRef idx="1">
+            <a:schemeClr val="accent1"/>
+          </a:fillRef>
+          <a:effectRef idx="0">
+            <a:schemeClr val="accent1"/>
+          </a:effectRef>
+          <a:fontRef idx="minor">
+            <a:schemeClr val="lt1"/>
+          </a:fontRef>
+        </p:style>
+        <p:txBody>
+          <a:bodyPr rtlCol="0" anchor="ctr"/>
+          <a:lstStyle/>
+          <a:p>
+            <a:pPr algn="ctr"/>
+            <a:endParaRPr lang="en-US"/>
+          </a:p>
+        </p:txBody>
+      </p:sp>
+      <p:sp>
+        <p:nvSpPr>
+          <p:cNvPr id="5" name="Right Arrow 4">
+            <a:extLst>
+              <a:ext uri="{FF2B5EF4-FFF2-40B4-BE49-F238E27FC236}">
+                <a16:creationId xmlns:a16="http://schemas.microsoft.com/office/drawing/2014/main" id="{5C11959F-5865-F74B-8C13-62B423F58025}"/>
+              </a:ext>
+            </a:extLst>
+          </p:cNvPr>
+          <p:cNvSpPr/>
+          <p:nvPr/>
+        </p:nvSpPr>
+        <p:spPr>
+          <a:xfrm>
+            <a:off x="5293163" y="3032762"/>
             <a:ext cx="658639" cy="396237"/>
           </a:xfrm>
           <a:prstGeom prst="rightArrow">
@@ -4093,164 +4167,73 @@
       </p:sp>
       <p:sp>
         <p:nvSpPr>
-          <p:cNvPr id="7" name="Oval 6">
-            <a:extLst>
-              <a:ext uri="{FF2B5EF4-FFF2-40B4-BE49-F238E27FC236}">
-                <a16:creationId xmlns:a16="http://schemas.microsoft.com/office/drawing/2014/main" id="{5E0BFE49-68EB-8746-A7A3-9A51302DD424}"/>
-              </a:ext>
-            </a:extLst>
-          </p:cNvPr>
-          <p:cNvSpPr/>
-          <p:nvPr/>
-        </p:nvSpPr>
-        <p:spPr>
-          <a:xfrm>
-            <a:off x="2097156" y="1441173"/>
-            <a:ext cx="536713" cy="188845"/>
-          </a:xfrm>
-          <a:prstGeom prst="ellipse">
+          <p:cNvPr id="6" name="TextBox 5">
+            <a:extLst>
+              <a:ext uri="{FF2B5EF4-FFF2-40B4-BE49-F238E27FC236}">
+                <a16:creationId xmlns:a16="http://schemas.microsoft.com/office/drawing/2014/main" id="{65A461C8-A2B3-DD43-AA0B-116DD42C7010}"/>
+              </a:ext>
+            </a:extLst>
+          </p:cNvPr>
+          <p:cNvSpPr txBox="1"/>
+          <p:nvPr/>
+        </p:nvSpPr>
+        <p:spPr>
+          <a:xfrm>
+            <a:off x="6541768" y="968606"/>
+            <a:ext cx="4808548" cy="646331"/>
+          </a:xfrm>
+          <a:prstGeom prst="rect">
             <a:avLst/>
           </a:prstGeom>
           <a:noFill/>
-          <a:ln w="38100">
-            <a:solidFill>
-              <a:srgbClr val="FF0000"/>
-            </a:solidFill>
-          </a:ln>
-        </p:spPr>
-        <p:style>
-          <a:lnRef idx="2">
-            <a:schemeClr val="accent1">
-              <a:shade val="50000"/>
-            </a:schemeClr>
-          </a:lnRef>
-          <a:fillRef idx="1">
-            <a:schemeClr val="accent1"/>
-          </a:fillRef>
-          <a:effectRef idx="0">
-            <a:schemeClr val="accent1"/>
-          </a:effectRef>
-          <a:fontRef idx="minor">
-            <a:schemeClr val="lt1"/>
-          </a:fontRef>
-        </p:style>
-        <p:txBody>
-          <a:bodyPr rtlCol="0" anchor="ctr"/>
+        </p:spPr>
+        <p:txBody>
+          <a:bodyPr wrap="square" rtlCol="0">
+            <a:spAutoFit/>
+          </a:bodyPr>
           <a:lstStyle/>
           <a:p>
             <a:pPr algn="ctr"/>
-            <a:endParaRPr lang="en-US"/>
-          </a:p>
-        </p:txBody>
-      </p:sp>
-      <p:sp>
-        <p:nvSpPr>
-          <p:cNvPr id="8" name="Oval 7">
-            <a:extLst>
-              <a:ext uri="{FF2B5EF4-FFF2-40B4-BE49-F238E27FC236}">
-                <a16:creationId xmlns:a16="http://schemas.microsoft.com/office/drawing/2014/main" id="{9E0F67A3-5F20-5046-B07C-EE9C25F03BD5}"/>
-              </a:ext>
-            </a:extLst>
-          </p:cNvPr>
-          <p:cNvSpPr/>
-          <p:nvPr/>
-        </p:nvSpPr>
-        <p:spPr>
-          <a:xfrm>
-            <a:off x="7196585" y="1441173"/>
-            <a:ext cx="536713" cy="188845"/>
-          </a:xfrm>
-          <a:prstGeom prst="ellipse">
-            <a:avLst/>
-          </a:prstGeom>
-          <a:noFill/>
-          <a:ln w="38100">
-            <a:solidFill>
-              <a:srgbClr val="FF0000"/>
-            </a:solidFill>
-          </a:ln>
-        </p:spPr>
-        <p:style>
-          <a:lnRef idx="2">
-            <a:schemeClr val="accent1">
-              <a:shade val="50000"/>
-            </a:schemeClr>
-          </a:lnRef>
-          <a:fillRef idx="1">
-            <a:schemeClr val="accent1"/>
-          </a:fillRef>
-          <a:effectRef idx="0">
-            <a:schemeClr val="accent1"/>
-          </a:effectRef>
-          <a:fontRef idx="minor">
-            <a:schemeClr val="lt1"/>
-          </a:fontRef>
-        </p:style>
-        <p:txBody>
-          <a:bodyPr rtlCol="0" anchor="ctr"/>
-          <a:lstStyle/>
-          <a:p>
-            <a:pPr algn="ctr"/>
-            <a:endParaRPr lang="en-US"/>
-          </a:p>
-        </p:txBody>
-      </p:sp>
-      <p:sp>
-        <p:nvSpPr>
-          <p:cNvPr id="9" name="Oval 8">
-            <a:extLst>
-              <a:ext uri="{FF2B5EF4-FFF2-40B4-BE49-F238E27FC236}">
-                <a16:creationId xmlns:a16="http://schemas.microsoft.com/office/drawing/2014/main" id="{9763250E-4997-8B49-9503-FE5B40125BF1}"/>
-              </a:ext>
-            </a:extLst>
-          </p:cNvPr>
-          <p:cNvSpPr/>
-          <p:nvPr/>
-        </p:nvSpPr>
-        <p:spPr>
-          <a:xfrm>
-            <a:off x="9528967" y="1772477"/>
-            <a:ext cx="377687" cy="255106"/>
-          </a:xfrm>
-          <a:prstGeom prst="ellipse">
-            <a:avLst/>
-          </a:prstGeom>
-          <a:noFill/>
-          <a:ln w="38100">
-            <a:solidFill>
-              <a:srgbClr val="FF0000"/>
-            </a:solidFill>
-          </a:ln>
-        </p:spPr>
-        <p:style>
-          <a:lnRef idx="2">
-            <a:schemeClr val="accent1">
-              <a:shade val="50000"/>
-            </a:schemeClr>
-          </a:lnRef>
-          <a:fillRef idx="1">
-            <a:schemeClr val="accent1"/>
-          </a:fillRef>
-          <a:effectRef idx="0">
-            <a:schemeClr val="accent1"/>
-          </a:effectRef>
-          <a:fontRef idx="minor">
-            <a:schemeClr val="lt1"/>
-          </a:fontRef>
-        </p:style>
-        <p:txBody>
-          <a:bodyPr rtlCol="0" anchor="ctr"/>
-          <a:lstStyle/>
-          <a:p>
-            <a:pPr algn="ctr"/>
-            <a:endParaRPr lang="en-US"/>
-          </a:p>
-        </p:txBody>
-      </p:sp>
+            <a:r>
+              <a:rPr lang="en-US" dirty="0"/>
+              <a:t>Add Tables to Map: FreightRates, PortCarrier, Dest_Port_Locations, and Orig_Port_Locations</a:t>
+            </a:r>
+          </a:p>
+        </p:txBody>
+      </p:sp>
+      <p:pic>
+        <p:nvPicPr>
+          <p:cNvPr id="7" name="Picture 6">
+            <a:extLst>
+              <a:ext uri="{FF2B5EF4-FFF2-40B4-BE49-F238E27FC236}">
+                <a16:creationId xmlns:a16="http://schemas.microsoft.com/office/drawing/2014/main" id="{A3536459-93E1-5345-8E14-5AB049087F8E}"/>
+              </a:ext>
+            </a:extLst>
+          </p:cNvPr>
+          <p:cNvPicPr>
+            <a:picLocks noChangeAspect="1"/>
+          </p:cNvPicPr>
+          <p:nvPr/>
+        </p:nvPicPr>
+        <p:blipFill rotWithShape="1">
+          <a:blip r:embed="rId3"/>
+          <a:srcRect b="2011"/>
+          <a:stretch/>
+        </p:blipFill>
+        <p:spPr>
+          <a:xfrm>
+            <a:off x="6120510" y="1668543"/>
+            <a:ext cx="5651065" cy="3450110"/>
+          </a:xfrm>
+          <a:prstGeom prst="rect">
+            <a:avLst/>
+          </a:prstGeom>
+        </p:spPr>
+      </p:pic>
     </p:spTree>
     <p:extLst>
       <p:ext uri="{BB962C8B-B14F-4D97-AF65-F5344CB8AC3E}">
-        <p14:creationId xmlns:p14="http://schemas.microsoft.com/office/powerpoint/2010/main" val="4422308"/>
+        <p14:creationId xmlns:p14="http://schemas.microsoft.com/office/powerpoint/2010/main" val="1517535843"/>
       </p:ext>
     </p:extLst>
   </p:cSld>
@@ -4282,7 +4265,7 @@
           <p:cNvPr id="2" name="Picture 1">
             <a:extLst>
               <a:ext uri="{FF2B5EF4-FFF2-40B4-BE49-F238E27FC236}">
-                <a16:creationId xmlns:a16="http://schemas.microsoft.com/office/drawing/2014/main" id="{4A5C00F5-2A66-AD44-A17A-46FB418EF9BE}"/>
+                <a16:creationId xmlns:a16="http://schemas.microsoft.com/office/drawing/2014/main" id="{DCB725A1-0200-6A4B-BD32-A40A38E24858}"/>
               </a:ext>
             </a:extLst>
           </p:cNvPr>
@@ -4299,8 +4282,8 @@
         </p:blipFill>
         <p:spPr>
           <a:xfrm>
-            <a:off x="935111" y="880003"/>
-            <a:ext cx="4189344" cy="5097992"/>
+            <a:off x="972654" y="821619"/>
+            <a:ext cx="4295085" cy="5214762"/>
           </a:xfrm>
           <a:prstGeom prst="rect">
             <a:avLst/>
@@ -4309,10 +4292,10 @@
       </p:pic>
       <p:sp>
         <p:nvSpPr>
-          <p:cNvPr id="3" name="Oval 2">
-            <a:extLst>
-              <a:ext uri="{FF2B5EF4-FFF2-40B4-BE49-F238E27FC236}">
-                <a16:creationId xmlns:a16="http://schemas.microsoft.com/office/drawing/2014/main" id="{E364C23F-893B-B54A-ACA8-A8BB3ABD87FF}"/>
+          <p:cNvPr id="3" name="Right Arrow 2">
+            <a:extLst>
+              <a:ext uri="{FF2B5EF4-FFF2-40B4-BE49-F238E27FC236}">
+                <a16:creationId xmlns:a16="http://schemas.microsoft.com/office/drawing/2014/main" id="{2FB8807C-1D6D-9243-B4B2-887DB8C5614A}"/>
               </a:ext>
             </a:extLst>
           </p:cNvPr>
@@ -4321,8 +4304,57 @@
         </p:nvSpPr>
         <p:spPr>
           <a:xfrm>
-            <a:off x="1586777" y="1585120"/>
-            <a:ext cx="1003200" cy="241218"/>
+            <a:off x="5541641" y="3032763"/>
+            <a:ext cx="658639" cy="396237"/>
+          </a:xfrm>
+          <a:prstGeom prst="rightArrow">
+            <a:avLst>
+              <a:gd name="adj1" fmla="val 50000"/>
+              <a:gd name="adj2" fmla="val 51999"/>
+            </a:avLst>
+          </a:prstGeom>
+        </p:spPr>
+        <p:style>
+          <a:lnRef idx="2">
+            <a:schemeClr val="dk1">
+              <a:shade val="50000"/>
+            </a:schemeClr>
+          </a:lnRef>
+          <a:fillRef idx="1">
+            <a:schemeClr val="dk1"/>
+          </a:fillRef>
+          <a:effectRef idx="0">
+            <a:schemeClr val="dk1"/>
+          </a:effectRef>
+          <a:fontRef idx="minor">
+            <a:schemeClr val="lt1"/>
+          </a:fontRef>
+        </p:style>
+        <p:txBody>
+          <a:bodyPr rtlCol="0" anchor="ctr"/>
+          <a:lstStyle/>
+          <a:p>
+            <a:pPr algn="ctr"/>
+            <a:endParaRPr lang="en-US"/>
+          </a:p>
+        </p:txBody>
+      </p:sp>
+      <p:sp>
+        <p:nvSpPr>
+          <p:cNvPr id="4" name="Oval 3">
+            <a:extLst>
+              <a:ext uri="{FF2B5EF4-FFF2-40B4-BE49-F238E27FC236}">
+                <a16:creationId xmlns:a16="http://schemas.microsoft.com/office/drawing/2014/main" id="{430C614D-F46C-3547-8A03-0C3268C7AF73}"/>
+              </a:ext>
+            </a:extLst>
+          </p:cNvPr>
+          <p:cNvSpPr/>
+          <p:nvPr/>
+        </p:nvSpPr>
+        <p:spPr>
+          <a:xfrm>
+            <a:off x="1596716" y="1172818"/>
+            <a:ext cx="907945" cy="216198"/>
           </a:xfrm>
           <a:prstGeom prst="ellipse">
             <a:avLst/>
@@ -4359,12 +4391,42 @@
           </a:p>
         </p:txBody>
       </p:sp>
-      <p:sp>
-        <p:nvSpPr>
-          <p:cNvPr id="4" name="Oval 3">
-            <a:extLst>
-              <a:ext uri="{FF2B5EF4-FFF2-40B4-BE49-F238E27FC236}">
-                <a16:creationId xmlns:a16="http://schemas.microsoft.com/office/drawing/2014/main" id="{3826919A-5E3B-0B46-A91E-C16221D295D7}"/>
+      <p:pic>
+        <p:nvPicPr>
+          <p:cNvPr id="5" name="Picture 4">
+            <a:extLst>
+              <a:ext uri="{FF2B5EF4-FFF2-40B4-BE49-F238E27FC236}">
+                <a16:creationId xmlns:a16="http://schemas.microsoft.com/office/drawing/2014/main" id="{6E8CBAE7-5D86-6C4E-9FA2-49E2BD5DFF10}"/>
+              </a:ext>
+            </a:extLst>
+          </p:cNvPr>
+          <p:cNvPicPr>
+            <a:picLocks noChangeAspect="1"/>
+          </p:cNvPicPr>
+          <p:nvPr/>
+        </p:nvPicPr>
+        <p:blipFill>
+          <a:blip r:embed="rId3"/>
+          <a:stretch>
+            <a:fillRect/>
+          </a:stretch>
+        </p:blipFill>
+        <p:spPr>
+          <a:xfrm>
+            <a:off x="6474182" y="821619"/>
+            <a:ext cx="4295085" cy="5230069"/>
+          </a:xfrm>
+          <a:prstGeom prst="rect">
+            <a:avLst/>
+          </a:prstGeom>
+        </p:spPr>
+      </p:pic>
+      <p:sp>
+        <p:nvSpPr>
+          <p:cNvPr id="6" name="Oval 5">
+            <a:extLst>
+              <a:ext uri="{FF2B5EF4-FFF2-40B4-BE49-F238E27FC236}">
+                <a16:creationId xmlns:a16="http://schemas.microsoft.com/office/drawing/2014/main" id="{F12D26B0-9F2A-E942-A626-B6F6FD69902A}"/>
               </a:ext>
             </a:extLst>
           </p:cNvPr>
@@ -4373,7 +4435,7 @@
         </p:nvSpPr>
         <p:spPr>
           <a:xfrm>
-            <a:off x="4247153" y="2040833"/>
+            <a:off x="10184950" y="1752599"/>
             <a:ext cx="377687" cy="255106"/>
           </a:xfrm>
           <a:prstGeom prst="ellipse">
@@ -4411,124 +4473,10 @@
           </a:p>
         </p:txBody>
       </p:sp>
-      <p:sp>
-        <p:nvSpPr>
-          <p:cNvPr id="5" name="Right Arrow 4">
-            <a:extLst>
-              <a:ext uri="{FF2B5EF4-FFF2-40B4-BE49-F238E27FC236}">
-                <a16:creationId xmlns:a16="http://schemas.microsoft.com/office/drawing/2014/main" id="{5C11959F-5865-F74B-8C13-62B423F58025}"/>
-              </a:ext>
-            </a:extLst>
-          </p:cNvPr>
-          <p:cNvSpPr/>
-          <p:nvPr/>
-        </p:nvSpPr>
-        <p:spPr>
-          <a:xfrm>
-            <a:off x="5293163" y="3032762"/>
-            <a:ext cx="658639" cy="396237"/>
-          </a:xfrm>
-          <a:prstGeom prst="rightArrow">
-            <a:avLst>
-              <a:gd name="adj1" fmla="val 50000"/>
-              <a:gd name="adj2" fmla="val 51999"/>
-            </a:avLst>
-          </a:prstGeom>
-        </p:spPr>
-        <p:style>
-          <a:lnRef idx="2">
-            <a:schemeClr val="dk1">
-              <a:shade val="50000"/>
-            </a:schemeClr>
-          </a:lnRef>
-          <a:fillRef idx="1">
-            <a:schemeClr val="dk1"/>
-          </a:fillRef>
-          <a:effectRef idx="0">
-            <a:schemeClr val="dk1"/>
-          </a:effectRef>
-          <a:fontRef idx="minor">
-            <a:schemeClr val="lt1"/>
-          </a:fontRef>
-        </p:style>
-        <p:txBody>
-          <a:bodyPr rtlCol="0" anchor="ctr"/>
-          <a:lstStyle/>
-          <a:p>
-            <a:pPr algn="ctr"/>
-            <a:endParaRPr lang="en-US"/>
-          </a:p>
-        </p:txBody>
-      </p:sp>
-      <p:sp>
-        <p:nvSpPr>
-          <p:cNvPr id="6" name="TextBox 5">
-            <a:extLst>
-              <a:ext uri="{FF2B5EF4-FFF2-40B4-BE49-F238E27FC236}">
-                <a16:creationId xmlns:a16="http://schemas.microsoft.com/office/drawing/2014/main" id="{65A461C8-A2B3-DD43-AA0B-116DD42C7010}"/>
-              </a:ext>
-            </a:extLst>
-          </p:cNvPr>
-          <p:cNvSpPr txBox="1"/>
-          <p:nvPr/>
-        </p:nvSpPr>
-        <p:spPr>
-          <a:xfrm>
-            <a:off x="6541768" y="968606"/>
-            <a:ext cx="4808548" cy="646331"/>
-          </a:xfrm>
-          <a:prstGeom prst="rect">
-            <a:avLst/>
-          </a:prstGeom>
-          <a:noFill/>
-        </p:spPr>
-        <p:txBody>
-          <a:bodyPr wrap="square" rtlCol="0">
-            <a:spAutoFit/>
-          </a:bodyPr>
-          <a:lstStyle/>
-          <a:p>
-            <a:pPr algn="ctr"/>
-            <a:r>
-              <a:rPr lang="en-US" dirty="0"/>
-              <a:t>Add Tables to Map: FreightRates, PortCarrier, Dest_Port_Locations, and Orig_Port_Locations</a:t>
-            </a:r>
-          </a:p>
-        </p:txBody>
-      </p:sp>
-      <p:pic>
-        <p:nvPicPr>
-          <p:cNvPr id="7" name="Picture 6">
-            <a:extLst>
-              <a:ext uri="{FF2B5EF4-FFF2-40B4-BE49-F238E27FC236}">
-                <a16:creationId xmlns:a16="http://schemas.microsoft.com/office/drawing/2014/main" id="{A3536459-93E1-5345-8E14-5AB049087F8E}"/>
-              </a:ext>
-            </a:extLst>
-          </p:cNvPr>
-          <p:cNvPicPr>
-            <a:picLocks noChangeAspect="1"/>
-          </p:cNvPicPr>
-          <p:nvPr/>
-        </p:nvPicPr>
-        <p:blipFill rotWithShape="1">
-          <a:blip r:embed="rId3"/>
-          <a:srcRect b="2011"/>
-          <a:stretch/>
-        </p:blipFill>
-        <p:spPr>
-          <a:xfrm>
-            <a:off x="6120510" y="1668543"/>
-            <a:ext cx="5651065" cy="3450110"/>
-          </a:xfrm>
-          <a:prstGeom prst="rect">
-            <a:avLst/>
-          </a:prstGeom>
-        </p:spPr>
-      </p:pic>
     </p:spTree>
     <p:extLst>
       <p:ext uri="{BB962C8B-B14F-4D97-AF65-F5344CB8AC3E}">
-        <p14:creationId xmlns:p14="http://schemas.microsoft.com/office/powerpoint/2010/main" val="1517535843"/>
+        <p14:creationId xmlns:p14="http://schemas.microsoft.com/office/powerpoint/2010/main" val="2085283071"/>
       </p:ext>
     </p:extLst>
   </p:cSld>
@@ -4557,10 +4505,10 @@
       </p:grpSpPr>
       <p:pic>
         <p:nvPicPr>
-          <p:cNvPr id="2" name="Picture 1">
-            <a:extLst>
-              <a:ext uri="{FF2B5EF4-FFF2-40B4-BE49-F238E27FC236}">
-                <a16:creationId xmlns:a16="http://schemas.microsoft.com/office/drawing/2014/main" id="{DCB725A1-0200-6A4B-BD32-A40A38E24858}"/>
+          <p:cNvPr id="6" name="Picture 5">
+            <a:extLst>
+              <a:ext uri="{FF2B5EF4-FFF2-40B4-BE49-F238E27FC236}">
+                <a16:creationId xmlns:a16="http://schemas.microsoft.com/office/drawing/2014/main" id="{56DC2995-D076-A24B-8BA8-444197BE3D75}"/>
               </a:ext>
             </a:extLst>
           </p:cNvPr>
@@ -4577,8 +4525,8 @@
         </p:blipFill>
         <p:spPr>
           <a:xfrm>
-            <a:off x="972654" y="821619"/>
-            <a:ext cx="4295085" cy="5214762"/>
+            <a:off x="2992755" y="909878"/>
+            <a:ext cx="6422798" cy="5038243"/>
           </a:xfrm>
           <a:prstGeom prst="rect">
             <a:avLst/>
@@ -4587,10 +4535,10 @@
       </p:pic>
       <p:sp>
         <p:nvSpPr>
-          <p:cNvPr id="3" name="Right Arrow 2">
-            <a:extLst>
-              <a:ext uri="{FF2B5EF4-FFF2-40B4-BE49-F238E27FC236}">
-                <a16:creationId xmlns:a16="http://schemas.microsoft.com/office/drawing/2014/main" id="{2FB8807C-1D6D-9243-B4B2-887DB8C5614A}"/>
+          <p:cNvPr id="7" name="Oval 6">
+            <a:extLst>
+              <a:ext uri="{FF2B5EF4-FFF2-40B4-BE49-F238E27FC236}">
+                <a16:creationId xmlns:a16="http://schemas.microsoft.com/office/drawing/2014/main" id="{DA5AD58F-F2BE-144D-815D-C8B9574B5B90}"/>
               </a:ext>
             </a:extLst>
           </p:cNvPr>
@@ -4599,57 +4547,8 @@
         </p:nvSpPr>
         <p:spPr>
           <a:xfrm>
-            <a:off x="5541641" y="3032763"/>
-            <a:ext cx="658639" cy="396237"/>
-          </a:xfrm>
-          <a:prstGeom prst="rightArrow">
-            <a:avLst>
-              <a:gd name="adj1" fmla="val 50000"/>
-              <a:gd name="adj2" fmla="val 51999"/>
-            </a:avLst>
-          </a:prstGeom>
-        </p:spPr>
-        <p:style>
-          <a:lnRef idx="2">
-            <a:schemeClr val="dk1">
-              <a:shade val="50000"/>
-            </a:schemeClr>
-          </a:lnRef>
-          <a:fillRef idx="1">
-            <a:schemeClr val="dk1"/>
-          </a:fillRef>
-          <a:effectRef idx="0">
-            <a:schemeClr val="dk1"/>
-          </a:effectRef>
-          <a:fontRef idx="minor">
-            <a:schemeClr val="lt1"/>
-          </a:fontRef>
-        </p:style>
-        <p:txBody>
-          <a:bodyPr rtlCol="0" anchor="ctr"/>
-          <a:lstStyle/>
-          <a:p>
-            <a:pPr algn="ctr"/>
-            <a:endParaRPr lang="en-US"/>
-          </a:p>
-        </p:txBody>
-      </p:sp>
-      <p:sp>
-        <p:nvSpPr>
-          <p:cNvPr id="4" name="Oval 3">
-            <a:extLst>
-              <a:ext uri="{FF2B5EF4-FFF2-40B4-BE49-F238E27FC236}">
-                <a16:creationId xmlns:a16="http://schemas.microsoft.com/office/drawing/2014/main" id="{430C614D-F46C-3547-8A03-0C3268C7AF73}"/>
-              </a:ext>
-            </a:extLst>
-          </p:cNvPr>
-          <p:cNvSpPr/>
-          <p:nvPr/>
-        </p:nvSpPr>
-        <p:spPr>
-          <a:xfrm>
-            <a:off x="1596716" y="1172818"/>
-            <a:ext cx="907945" cy="216198"/>
+            <a:off x="3603057" y="1564479"/>
+            <a:ext cx="967580" cy="228600"/>
           </a:xfrm>
           <a:prstGeom prst="ellipse">
             <a:avLst/>
@@ -4686,92 +4585,10 @@
           </a:p>
         </p:txBody>
       </p:sp>
-      <p:pic>
-        <p:nvPicPr>
-          <p:cNvPr id="5" name="Picture 4">
-            <a:extLst>
-              <a:ext uri="{FF2B5EF4-FFF2-40B4-BE49-F238E27FC236}">
-                <a16:creationId xmlns:a16="http://schemas.microsoft.com/office/drawing/2014/main" id="{6E8CBAE7-5D86-6C4E-9FA2-49E2BD5DFF10}"/>
-              </a:ext>
-            </a:extLst>
-          </p:cNvPr>
-          <p:cNvPicPr>
-            <a:picLocks noChangeAspect="1"/>
-          </p:cNvPicPr>
-          <p:nvPr/>
-        </p:nvPicPr>
-        <p:blipFill>
-          <a:blip r:embed="rId3"/>
-          <a:stretch>
-            <a:fillRect/>
-          </a:stretch>
-        </p:blipFill>
-        <p:spPr>
-          <a:xfrm>
-            <a:off x="6474182" y="821619"/>
-            <a:ext cx="4295085" cy="5230069"/>
-          </a:xfrm>
-          <a:prstGeom prst="rect">
-            <a:avLst/>
-          </a:prstGeom>
-        </p:spPr>
-      </p:pic>
-      <p:sp>
-        <p:nvSpPr>
-          <p:cNvPr id="6" name="Oval 5">
-            <a:extLst>
-              <a:ext uri="{FF2B5EF4-FFF2-40B4-BE49-F238E27FC236}">
-                <a16:creationId xmlns:a16="http://schemas.microsoft.com/office/drawing/2014/main" id="{F12D26B0-9F2A-E942-A626-B6F6FD69902A}"/>
-              </a:ext>
-            </a:extLst>
-          </p:cNvPr>
-          <p:cNvSpPr/>
-          <p:nvPr/>
-        </p:nvSpPr>
-        <p:spPr>
-          <a:xfrm>
-            <a:off x="10184950" y="1752599"/>
-            <a:ext cx="377687" cy="255106"/>
-          </a:xfrm>
-          <a:prstGeom prst="ellipse">
-            <a:avLst/>
-          </a:prstGeom>
-          <a:noFill/>
-          <a:ln w="38100">
-            <a:solidFill>
-              <a:srgbClr val="FF0000"/>
-            </a:solidFill>
-          </a:ln>
-        </p:spPr>
-        <p:style>
-          <a:lnRef idx="2">
-            <a:schemeClr val="accent1">
-              <a:shade val="50000"/>
-            </a:schemeClr>
-          </a:lnRef>
-          <a:fillRef idx="1">
-            <a:schemeClr val="accent1"/>
-          </a:fillRef>
-          <a:effectRef idx="0">
-            <a:schemeClr val="accent1"/>
-          </a:effectRef>
-          <a:fontRef idx="minor">
-            <a:schemeClr val="lt1"/>
-          </a:fontRef>
-        </p:style>
-        <p:txBody>
-          <a:bodyPr rtlCol="0" anchor="ctr"/>
-          <a:lstStyle/>
-          <a:p>
-            <a:pPr algn="ctr"/>
-            <a:endParaRPr lang="en-US"/>
-          </a:p>
-        </p:txBody>
-      </p:sp>
     </p:spTree>
     <p:extLst>
       <p:ext uri="{BB962C8B-B14F-4D97-AF65-F5344CB8AC3E}">
-        <p14:creationId xmlns:p14="http://schemas.microsoft.com/office/powerpoint/2010/main" val="2085283071"/>
+        <p14:creationId xmlns:p14="http://schemas.microsoft.com/office/powerpoint/2010/main" val="2760156803"/>
       </p:ext>
     </p:extLst>
   </p:cSld>
@@ -4800,10 +4617,10 @@
       </p:grpSpPr>
       <p:pic>
         <p:nvPicPr>
-          <p:cNvPr id="6" name="Picture 5">
-            <a:extLst>
-              <a:ext uri="{FF2B5EF4-FFF2-40B4-BE49-F238E27FC236}">
-                <a16:creationId xmlns:a16="http://schemas.microsoft.com/office/drawing/2014/main" id="{56DC2995-D076-A24B-8BA8-444197BE3D75}"/>
+          <p:cNvPr id="5" name="Picture 4">
+            <a:extLst>
+              <a:ext uri="{FF2B5EF4-FFF2-40B4-BE49-F238E27FC236}">
+                <a16:creationId xmlns:a16="http://schemas.microsoft.com/office/drawing/2014/main" id="{3A2C52DE-2432-524B-BBF0-BA8C0E4113CF}"/>
               </a:ext>
             </a:extLst>
           </p:cNvPr>
@@ -4820,7 +4637,7 @@
         </p:blipFill>
         <p:spPr>
           <a:xfrm>
-            <a:off x="2992755" y="909878"/>
+            <a:off x="2884601" y="909878"/>
             <a:ext cx="6422798" cy="5038243"/>
           </a:xfrm>
           <a:prstGeom prst="rect">
@@ -4833,7 +4650,7 @@
           <p:cNvPr id="7" name="Oval 6">
             <a:extLst>
               <a:ext uri="{FF2B5EF4-FFF2-40B4-BE49-F238E27FC236}">
-                <a16:creationId xmlns:a16="http://schemas.microsoft.com/office/drawing/2014/main" id="{DA5AD58F-F2BE-144D-815D-C8B9574B5B90}"/>
+                <a16:creationId xmlns:a16="http://schemas.microsoft.com/office/drawing/2014/main" id="{88AF6748-6A6D-334C-BFBB-59C5B9EA93E9}"/>
               </a:ext>
             </a:extLst>
           </p:cNvPr>
@@ -4842,8 +4659,8 @@
         </p:nvSpPr>
         <p:spPr>
           <a:xfrm>
-            <a:off x="3603057" y="1564479"/>
-            <a:ext cx="967580" cy="228600"/>
+            <a:off x="3508167" y="1245531"/>
+            <a:ext cx="848310" cy="238539"/>
           </a:xfrm>
           <a:prstGeom prst="ellipse">
             <a:avLst/>
@@ -4883,7 +4700,7 @@
     </p:spTree>
     <p:extLst>
       <p:ext uri="{BB962C8B-B14F-4D97-AF65-F5344CB8AC3E}">
-        <p14:creationId xmlns:p14="http://schemas.microsoft.com/office/powerpoint/2010/main" val="2760156803"/>
+        <p14:creationId xmlns:p14="http://schemas.microsoft.com/office/powerpoint/2010/main" val="1044866733"/>
       </p:ext>
     </p:extLst>
   </p:cSld>
@@ -4915,7 +4732,7 @@
           <p:cNvPr id="5" name="Picture 4">
             <a:extLst>
               <a:ext uri="{FF2B5EF4-FFF2-40B4-BE49-F238E27FC236}">
-                <a16:creationId xmlns:a16="http://schemas.microsoft.com/office/drawing/2014/main" id="{3A2C52DE-2432-524B-BBF0-BA8C0E4113CF}"/>
+                <a16:creationId xmlns:a16="http://schemas.microsoft.com/office/drawing/2014/main" id="{E9A1A356-F781-674A-AD8F-E16C85C4D844}"/>
               </a:ext>
             </a:extLst>
           </p:cNvPr>
@@ -4932,8 +4749,8 @@
         </p:blipFill>
         <p:spPr>
           <a:xfrm>
-            <a:off x="2884601" y="909878"/>
-            <a:ext cx="6422798" cy="5038243"/>
+            <a:off x="3024072" y="1004745"/>
+            <a:ext cx="6466711" cy="5038243"/>
           </a:xfrm>
           <a:prstGeom prst="rect">
             <a:avLst/>
@@ -4942,10 +4759,10 @@
       </p:pic>
       <p:sp>
         <p:nvSpPr>
-          <p:cNvPr id="7" name="Oval 6">
-            <a:extLst>
-              <a:ext uri="{FF2B5EF4-FFF2-40B4-BE49-F238E27FC236}">
-                <a16:creationId xmlns:a16="http://schemas.microsoft.com/office/drawing/2014/main" id="{88AF6748-6A6D-334C-BFBB-59C5B9EA93E9}"/>
+          <p:cNvPr id="6" name="Oval 5">
+            <a:extLst>
+              <a:ext uri="{FF2B5EF4-FFF2-40B4-BE49-F238E27FC236}">
+                <a16:creationId xmlns:a16="http://schemas.microsoft.com/office/drawing/2014/main" id="{A9736F69-9E92-244C-B71B-A0F775517605}"/>
               </a:ext>
             </a:extLst>
           </p:cNvPr>
@@ -4954,7 +4771,7 @@
         </p:nvSpPr>
         <p:spPr>
           <a:xfrm>
-            <a:off x="3508167" y="1245531"/>
+            <a:off x="3604420" y="1341783"/>
             <a:ext cx="848310" cy="238539"/>
           </a:xfrm>
           <a:prstGeom prst="ellipse">
@@ -4992,10 +4809,150 @@
           </a:p>
         </p:txBody>
       </p:sp>
+      <p:sp>
+        <p:nvSpPr>
+          <p:cNvPr id="7" name="Oval 6">
+            <a:extLst>
+              <a:ext uri="{FF2B5EF4-FFF2-40B4-BE49-F238E27FC236}">
+                <a16:creationId xmlns:a16="http://schemas.microsoft.com/office/drawing/2014/main" id="{F7C6394E-7923-5C49-987D-76F4A5C458B5}"/>
+              </a:ext>
+            </a:extLst>
+          </p:cNvPr>
+          <p:cNvSpPr/>
+          <p:nvPr/>
+        </p:nvSpPr>
+        <p:spPr>
+          <a:xfrm>
+            <a:off x="3515794" y="3081130"/>
+            <a:ext cx="261076" cy="238539"/>
+          </a:xfrm>
+          <a:prstGeom prst="ellipse">
+            <a:avLst/>
+          </a:prstGeom>
+          <a:noFill/>
+          <a:ln w="38100">
+            <a:solidFill>
+              <a:srgbClr val="FF0000"/>
+            </a:solidFill>
+          </a:ln>
+        </p:spPr>
+        <p:style>
+          <a:lnRef idx="2">
+            <a:schemeClr val="accent1">
+              <a:shade val="50000"/>
+            </a:schemeClr>
+          </a:lnRef>
+          <a:fillRef idx="1">
+            <a:schemeClr val="accent1"/>
+          </a:fillRef>
+          <a:effectRef idx="0">
+            <a:schemeClr val="accent1"/>
+          </a:effectRef>
+          <a:fontRef idx="minor">
+            <a:schemeClr val="lt1"/>
+          </a:fontRef>
+        </p:style>
+        <p:txBody>
+          <a:bodyPr rtlCol="0" anchor="ctr"/>
+          <a:lstStyle/>
+          <a:p>
+            <a:pPr algn="ctr"/>
+            <a:endParaRPr lang="en-US"/>
+          </a:p>
+        </p:txBody>
+      </p:sp>
+      <p:pic>
+        <p:nvPicPr>
+          <p:cNvPr id="10" name="Graphic 9" descr="Cursor with solid fill">
+            <a:extLst>
+              <a:ext uri="{FF2B5EF4-FFF2-40B4-BE49-F238E27FC236}">
+                <a16:creationId xmlns:a16="http://schemas.microsoft.com/office/drawing/2014/main" id="{8084A705-051C-EB45-A493-73313EA61788}"/>
+              </a:ext>
+            </a:extLst>
+          </p:cNvPr>
+          <p:cNvPicPr>
+            <a:picLocks noChangeAspect="1"/>
+          </p:cNvPicPr>
+          <p:nvPr/>
+        </p:nvPicPr>
+        <p:blipFill>
+          <a:blip r:embed="rId3">
+            <a:extLst>
+              <a:ext uri="{96DAC541-7B7A-43D3-8B79-37D633B846F1}">
+                <asvg:svgBlip xmlns:asvg="http://schemas.microsoft.com/office/drawing/2016/SVG/main" r:embed="rId4"/>
+              </a:ext>
+            </a:extLst>
+          </a:blip>
+          <a:stretch>
+            <a:fillRect/>
+          </a:stretch>
+        </p:blipFill>
+        <p:spPr>
+          <a:xfrm>
+            <a:off x="4650260" y="3540211"/>
+            <a:ext cx="465438" cy="465438"/>
+          </a:xfrm>
+          <a:prstGeom prst="rect">
+            <a:avLst/>
+          </a:prstGeom>
+        </p:spPr>
+      </p:pic>
+      <p:sp>
+        <p:nvSpPr>
+          <p:cNvPr id="11" name="Oval 10">
+            <a:extLst>
+              <a:ext uri="{FF2B5EF4-FFF2-40B4-BE49-F238E27FC236}">
+                <a16:creationId xmlns:a16="http://schemas.microsoft.com/office/drawing/2014/main" id="{DC0C11EB-62FC-B845-BD6B-0B61853FC597}"/>
+              </a:ext>
+            </a:extLst>
+          </p:cNvPr>
+          <p:cNvSpPr/>
+          <p:nvPr/>
+        </p:nvSpPr>
+        <p:spPr>
+          <a:xfrm>
+            <a:off x="7019004" y="5647039"/>
+            <a:ext cx="790466" cy="276058"/>
+          </a:xfrm>
+          <a:prstGeom prst="ellipse">
+            <a:avLst/>
+          </a:prstGeom>
+          <a:noFill/>
+          <a:ln w="38100">
+            <a:solidFill>
+              <a:srgbClr val="FF0000"/>
+            </a:solidFill>
+          </a:ln>
+        </p:spPr>
+        <p:style>
+          <a:lnRef idx="2">
+            <a:schemeClr val="accent1">
+              <a:shade val="50000"/>
+            </a:schemeClr>
+          </a:lnRef>
+          <a:fillRef idx="1">
+            <a:schemeClr val="accent1"/>
+          </a:fillRef>
+          <a:effectRef idx="0">
+            <a:schemeClr val="accent1"/>
+          </a:effectRef>
+          <a:fontRef idx="minor">
+            <a:schemeClr val="lt1"/>
+          </a:fontRef>
+        </p:style>
+        <p:txBody>
+          <a:bodyPr rtlCol="0" anchor="ctr"/>
+          <a:lstStyle/>
+          <a:p>
+            <a:pPr algn="ctr"/>
+            <a:endParaRPr lang="en-US"/>
+          </a:p>
+        </p:txBody>
+      </p:sp>
     </p:spTree>
     <p:extLst>
       <p:ext uri="{BB962C8B-B14F-4D97-AF65-F5344CB8AC3E}">
-        <p14:creationId xmlns:p14="http://schemas.microsoft.com/office/powerpoint/2010/main" val="1044866733"/>
+        <p14:creationId xmlns:p14="http://schemas.microsoft.com/office/powerpoint/2010/main" val="3706075871"/>
       </p:ext>
     </p:extLst>
   </p:cSld>
@@ -5024,10 +4981,10 @@
       </p:grpSpPr>
       <p:pic>
         <p:nvPicPr>
-          <p:cNvPr id="5" name="Picture 4">
-            <a:extLst>
-              <a:ext uri="{FF2B5EF4-FFF2-40B4-BE49-F238E27FC236}">
-                <a16:creationId xmlns:a16="http://schemas.microsoft.com/office/drawing/2014/main" id="{E9A1A356-F781-674A-AD8F-E16C85C4D844}"/>
+          <p:cNvPr id="10" name="Picture 9">
+            <a:extLst>
+              <a:ext uri="{FF2B5EF4-FFF2-40B4-BE49-F238E27FC236}">
+                <a16:creationId xmlns:a16="http://schemas.microsoft.com/office/drawing/2014/main" id="{01DABD1C-61E1-C542-87B7-23549D04AEA1}"/>
               </a:ext>
             </a:extLst>
           </p:cNvPr>
@@ -5044,8 +5001,8 @@
         </p:blipFill>
         <p:spPr>
           <a:xfrm>
-            <a:off x="3024072" y="1004745"/>
-            <a:ext cx="6466711" cy="5038243"/>
+            <a:off x="4199343" y="790155"/>
+            <a:ext cx="4332432" cy="5277689"/>
           </a:xfrm>
           <a:prstGeom prst="rect">
             <a:avLst/>
@@ -5054,10 +5011,10 @@
       </p:pic>
       <p:sp>
         <p:nvSpPr>
-          <p:cNvPr id="6" name="Oval 5">
-            <a:extLst>
-              <a:ext uri="{FF2B5EF4-FFF2-40B4-BE49-F238E27FC236}">
-                <a16:creationId xmlns:a16="http://schemas.microsoft.com/office/drawing/2014/main" id="{A9736F69-9E92-244C-B71B-A0F775517605}"/>
+          <p:cNvPr id="11" name="Oval 10">
+            <a:extLst>
+              <a:ext uri="{FF2B5EF4-FFF2-40B4-BE49-F238E27FC236}">
+                <a16:creationId xmlns:a16="http://schemas.microsoft.com/office/drawing/2014/main" id="{A1B88986-092F-7140-B522-FFB090B121D1}"/>
               </a:ext>
             </a:extLst>
           </p:cNvPr>
@@ -5066,8 +5023,8 @@
         </p:nvSpPr>
         <p:spPr>
           <a:xfrm>
-            <a:off x="3604420" y="1341783"/>
-            <a:ext cx="848310" cy="238539"/>
+            <a:off x="4807363" y="1161767"/>
+            <a:ext cx="944217" cy="240887"/>
           </a:xfrm>
           <a:prstGeom prst="ellipse">
             <a:avLst/>
@@ -5104,12 +5061,48 @@
           </a:p>
         </p:txBody>
       </p:sp>
-      <p:sp>
-        <p:nvSpPr>
-          <p:cNvPr id="7" name="Oval 6">
-            <a:extLst>
-              <a:ext uri="{FF2B5EF4-FFF2-40B4-BE49-F238E27FC236}">
-                <a16:creationId xmlns:a16="http://schemas.microsoft.com/office/drawing/2014/main" id="{F7C6394E-7923-5C49-987D-76F4A5C458B5}"/>
+      <p:pic>
+        <p:nvPicPr>
+          <p:cNvPr id="12" name="Graphic 11" descr="Cursor with solid fill">
+            <a:extLst>
+              <a:ext uri="{FF2B5EF4-FFF2-40B4-BE49-F238E27FC236}">
+                <a16:creationId xmlns:a16="http://schemas.microsoft.com/office/drawing/2014/main" id="{0C0D14F6-2014-D54F-9A28-A5908F5D64C4}"/>
+              </a:ext>
+            </a:extLst>
+          </p:cNvPr>
+          <p:cNvPicPr>
+            <a:picLocks noChangeAspect="1"/>
+          </p:cNvPicPr>
+          <p:nvPr/>
+        </p:nvPicPr>
+        <p:blipFill>
+          <a:blip r:embed="rId3">
+            <a:extLst>
+              <a:ext uri="{96DAC541-7B7A-43D3-8B79-37D633B846F1}">
+                <asvg:svgBlip xmlns:asvg="http://schemas.microsoft.com/office/drawing/2016/SVG/main" r:embed="rId4"/>
+              </a:ext>
+            </a:extLst>
+          </a:blip>
+          <a:stretch>
+            <a:fillRect/>
+          </a:stretch>
+        </p:blipFill>
+        <p:spPr>
+          <a:xfrm>
+            <a:off x="6038249" y="2358691"/>
+            <a:ext cx="465438" cy="465438"/>
+          </a:xfrm>
+          <a:prstGeom prst="rect">
+            <a:avLst/>
+          </a:prstGeom>
+        </p:spPr>
+      </p:pic>
+      <p:sp>
+        <p:nvSpPr>
+          <p:cNvPr id="13" name="Oval 12">
+            <a:extLst>
+              <a:ext uri="{FF2B5EF4-FFF2-40B4-BE49-F238E27FC236}">
+                <a16:creationId xmlns:a16="http://schemas.microsoft.com/office/drawing/2014/main" id="{14CC6EE1-B7D6-494B-9F88-403DD8F9BE60}"/>
               </a:ext>
             </a:extLst>
           </p:cNvPr>
@@ -5118,7 +5111,7 @@
         </p:nvSpPr>
         <p:spPr>
           <a:xfrm>
-            <a:off x="3515794" y="3081130"/>
+            <a:off x="6673577" y="1432471"/>
             <a:ext cx="261076" cy="238539"/>
           </a:xfrm>
           <a:prstGeom prst="ellipse">
@@ -5156,98 +5149,10 @@
           </a:p>
         </p:txBody>
       </p:sp>
-      <p:pic>
-        <p:nvPicPr>
-          <p:cNvPr id="10" name="Graphic 9" descr="Cursor with solid fill">
-            <a:extLst>
-              <a:ext uri="{FF2B5EF4-FFF2-40B4-BE49-F238E27FC236}">
-                <a16:creationId xmlns:a16="http://schemas.microsoft.com/office/drawing/2014/main" id="{8084A705-051C-EB45-A493-73313EA61788}"/>
-              </a:ext>
-            </a:extLst>
-          </p:cNvPr>
-          <p:cNvPicPr>
-            <a:picLocks noChangeAspect="1"/>
-          </p:cNvPicPr>
-          <p:nvPr/>
-        </p:nvPicPr>
-        <p:blipFill>
-          <a:blip r:embed="rId3">
-            <a:extLst>
-              <a:ext uri="{96DAC541-7B7A-43D3-8B79-37D633B846F1}">
-                <asvg:svgBlip xmlns:asvg="http://schemas.microsoft.com/office/drawing/2016/SVG/main" r:embed="rId4"/>
-              </a:ext>
-            </a:extLst>
-          </a:blip>
-          <a:stretch>
-            <a:fillRect/>
-          </a:stretch>
-        </p:blipFill>
-        <p:spPr>
-          <a:xfrm>
-            <a:off x="4650260" y="3540211"/>
-            <a:ext cx="465438" cy="465438"/>
-          </a:xfrm>
-          <a:prstGeom prst="rect">
-            <a:avLst/>
-          </a:prstGeom>
-        </p:spPr>
-      </p:pic>
-      <p:sp>
-        <p:nvSpPr>
-          <p:cNvPr id="11" name="Oval 10">
-            <a:extLst>
-              <a:ext uri="{FF2B5EF4-FFF2-40B4-BE49-F238E27FC236}">
-                <a16:creationId xmlns:a16="http://schemas.microsoft.com/office/drawing/2014/main" id="{DC0C11EB-62FC-B845-BD6B-0B61853FC597}"/>
-              </a:ext>
-            </a:extLst>
-          </p:cNvPr>
-          <p:cNvSpPr/>
-          <p:nvPr/>
-        </p:nvSpPr>
-        <p:spPr>
-          <a:xfrm>
-            <a:off x="7019004" y="5647039"/>
-            <a:ext cx="790466" cy="276058"/>
-          </a:xfrm>
-          <a:prstGeom prst="ellipse">
-            <a:avLst/>
-          </a:prstGeom>
-          <a:noFill/>
-          <a:ln w="38100">
-            <a:solidFill>
-              <a:srgbClr val="FF0000"/>
-            </a:solidFill>
-          </a:ln>
-        </p:spPr>
-        <p:style>
-          <a:lnRef idx="2">
-            <a:schemeClr val="accent1">
-              <a:shade val="50000"/>
-            </a:schemeClr>
-          </a:lnRef>
-          <a:fillRef idx="1">
-            <a:schemeClr val="accent1"/>
-          </a:fillRef>
-          <a:effectRef idx="0">
-            <a:schemeClr val="accent1"/>
-          </a:effectRef>
-          <a:fontRef idx="minor">
-            <a:schemeClr val="lt1"/>
-          </a:fontRef>
-        </p:style>
-        <p:txBody>
-          <a:bodyPr rtlCol="0" anchor="ctr"/>
-          <a:lstStyle/>
-          <a:p>
-            <a:pPr algn="ctr"/>
-            <a:endParaRPr lang="en-US"/>
-          </a:p>
-        </p:txBody>
-      </p:sp>
     </p:spTree>
     <p:extLst>
       <p:ext uri="{BB962C8B-B14F-4D97-AF65-F5344CB8AC3E}">
-        <p14:creationId xmlns:p14="http://schemas.microsoft.com/office/powerpoint/2010/main" val="3706075871"/>
+        <p14:creationId xmlns:p14="http://schemas.microsoft.com/office/powerpoint/2010/main" val="1825619085"/>
       </p:ext>
     </p:extLst>
   </p:cSld>
@@ -5274,180 +5179,66 @@
           <a:chExt cx="0" cy="0"/>
         </a:xfrm>
       </p:grpSpPr>
-      <p:pic>
-        <p:nvPicPr>
-          <p:cNvPr id="10" name="Picture 9">
-            <a:extLst>
-              <a:ext uri="{FF2B5EF4-FFF2-40B4-BE49-F238E27FC236}">
-                <a16:creationId xmlns:a16="http://schemas.microsoft.com/office/drawing/2014/main" id="{01DABD1C-61E1-C542-87B7-23549D04AEA1}"/>
-              </a:ext>
-            </a:extLst>
-          </p:cNvPr>
-          <p:cNvPicPr>
-            <a:picLocks noChangeAspect="1"/>
-          </p:cNvPicPr>
-          <p:nvPr/>
-        </p:nvPicPr>
-        <p:blipFill>
-          <a:blip r:embed="rId2"/>
-          <a:stretch>
-            <a:fillRect/>
-          </a:stretch>
-        </p:blipFill>
-        <p:spPr>
-          <a:xfrm>
-            <a:off x="4199343" y="790155"/>
-            <a:ext cx="4332432" cy="5277689"/>
-          </a:xfrm>
-          <a:prstGeom prst="rect">
-            <a:avLst/>
-          </a:prstGeom>
-        </p:spPr>
-      </p:pic>
-      <p:sp>
-        <p:nvSpPr>
-          <p:cNvPr id="11" name="Oval 10">
-            <a:extLst>
-              <a:ext uri="{FF2B5EF4-FFF2-40B4-BE49-F238E27FC236}">
-                <a16:creationId xmlns:a16="http://schemas.microsoft.com/office/drawing/2014/main" id="{A1B88986-092F-7140-B522-FFB090B121D1}"/>
-              </a:ext>
-            </a:extLst>
-          </p:cNvPr>
-          <p:cNvSpPr/>
-          <p:nvPr/>
-        </p:nvSpPr>
-        <p:spPr>
-          <a:xfrm>
-            <a:off x="4807363" y="1161767"/>
-            <a:ext cx="944217" cy="240887"/>
-          </a:xfrm>
-          <a:prstGeom prst="ellipse">
-            <a:avLst/>
-          </a:prstGeom>
-          <a:noFill/>
-          <a:ln w="38100">
-            <a:solidFill>
-              <a:srgbClr val="FF0000"/>
-            </a:solidFill>
-          </a:ln>
-        </p:spPr>
-        <p:style>
-          <a:lnRef idx="2">
-            <a:schemeClr val="accent1">
-              <a:shade val="50000"/>
-            </a:schemeClr>
-          </a:lnRef>
-          <a:fillRef idx="1">
-            <a:schemeClr val="accent1"/>
-          </a:fillRef>
-          <a:effectRef idx="0">
-            <a:schemeClr val="accent1"/>
-          </a:effectRef>
-          <a:fontRef idx="minor">
-            <a:schemeClr val="lt1"/>
-          </a:fontRef>
-        </p:style>
-        <p:txBody>
-          <a:bodyPr rtlCol="0" anchor="ctr"/>
-          <a:lstStyle/>
-          <a:p>
-            <a:pPr algn="ctr"/>
-            <a:endParaRPr lang="en-US"/>
-          </a:p>
-        </p:txBody>
-      </p:sp>
-      <p:pic>
-        <p:nvPicPr>
-          <p:cNvPr id="12" name="Graphic 11" descr="Cursor with solid fill">
-            <a:extLst>
-              <a:ext uri="{FF2B5EF4-FFF2-40B4-BE49-F238E27FC236}">
-                <a16:creationId xmlns:a16="http://schemas.microsoft.com/office/drawing/2014/main" id="{0C0D14F6-2014-D54F-9A28-A5908F5D64C4}"/>
-              </a:ext>
-            </a:extLst>
-          </p:cNvPr>
-          <p:cNvPicPr>
-            <a:picLocks noChangeAspect="1"/>
-          </p:cNvPicPr>
-          <p:nvPr/>
-        </p:nvPicPr>
-        <p:blipFill>
-          <a:blip r:embed="rId3">
-            <a:extLst>
-              <a:ext uri="{96DAC541-7B7A-43D3-8B79-37D633B846F1}">
-                <asvg:svgBlip xmlns:asvg="http://schemas.microsoft.com/office/drawing/2016/SVG/main" r:embed="rId4"/>
-              </a:ext>
-            </a:extLst>
-          </a:blip>
-          <a:stretch>
-            <a:fillRect/>
-          </a:stretch>
-        </p:blipFill>
-        <p:spPr>
-          <a:xfrm>
-            <a:off x="6038249" y="2358691"/>
-            <a:ext cx="465438" cy="465438"/>
-          </a:xfrm>
-          <a:prstGeom prst="rect">
-            <a:avLst/>
-          </a:prstGeom>
-        </p:spPr>
-      </p:pic>
-      <p:sp>
-        <p:nvSpPr>
-          <p:cNvPr id="13" name="Oval 12">
-            <a:extLst>
-              <a:ext uri="{FF2B5EF4-FFF2-40B4-BE49-F238E27FC236}">
-                <a16:creationId xmlns:a16="http://schemas.microsoft.com/office/drawing/2014/main" id="{14CC6EE1-B7D6-494B-9F88-403DD8F9BE60}"/>
-              </a:ext>
-            </a:extLst>
-          </p:cNvPr>
-          <p:cNvSpPr/>
-          <p:nvPr/>
-        </p:nvSpPr>
-        <p:spPr>
-          <a:xfrm>
-            <a:off x="6673577" y="1432471"/>
-            <a:ext cx="261076" cy="238539"/>
-          </a:xfrm>
-          <a:prstGeom prst="ellipse">
-            <a:avLst/>
-          </a:prstGeom>
-          <a:noFill/>
-          <a:ln w="38100">
-            <a:solidFill>
-              <a:srgbClr val="FF0000"/>
-            </a:solidFill>
-          </a:ln>
-        </p:spPr>
-        <p:style>
-          <a:lnRef idx="2">
-            <a:schemeClr val="accent1">
-              <a:shade val="50000"/>
-            </a:schemeClr>
-          </a:lnRef>
-          <a:fillRef idx="1">
-            <a:schemeClr val="accent1"/>
-          </a:fillRef>
-          <a:effectRef idx="0">
-            <a:schemeClr val="accent1"/>
-          </a:effectRef>
-          <a:fontRef idx="minor">
-            <a:schemeClr val="lt1"/>
-          </a:fontRef>
-        </p:style>
-        <p:txBody>
-          <a:bodyPr rtlCol="0" anchor="ctr"/>
-          <a:lstStyle/>
-          <a:p>
-            <a:pPr algn="ctr"/>
-            <a:endParaRPr lang="en-US"/>
+      <p:sp>
+        <p:nvSpPr>
+          <p:cNvPr id="2" name="Title 1">
+            <a:extLst>
+              <a:ext uri="{FF2B5EF4-FFF2-40B4-BE49-F238E27FC236}">
+                <a16:creationId xmlns:a16="http://schemas.microsoft.com/office/drawing/2014/main" id="{44A401C3-8BED-1F4C-BCDF-E7D98E88F0AA}"/>
+              </a:ext>
+            </a:extLst>
+          </p:cNvPr>
+          <p:cNvSpPr>
+            <a:spLocks noGrp="1"/>
+          </p:cNvSpPr>
+          <p:nvPr>
+            <p:ph type="title"/>
+          </p:nvPr>
+        </p:nvSpPr>
+        <p:spPr/>
+        <p:txBody>
+          <a:bodyPr/>
+          <a:lstStyle/>
+          <a:p>
+            <a:r>
+              <a:rPr lang="en-US" dirty="0"/>
+              <a:t>Repeat Steps For Rest of Columns</a:t>
+            </a:r>
+          </a:p>
+        </p:txBody>
+      </p:sp>
+      <p:sp>
+        <p:nvSpPr>
+          <p:cNvPr id="3" name="Text Placeholder 2">
+            <a:extLst>
+              <a:ext uri="{FF2B5EF4-FFF2-40B4-BE49-F238E27FC236}">
+                <a16:creationId xmlns:a16="http://schemas.microsoft.com/office/drawing/2014/main" id="{06231B4B-0C3E-E64F-81F9-377FD0B72ED3}"/>
+              </a:ext>
+            </a:extLst>
+          </p:cNvPr>
+          <p:cNvSpPr>
+            <a:spLocks noGrp="1"/>
+          </p:cNvSpPr>
+          <p:nvPr>
+            <p:ph type="body" idx="1"/>
+          </p:nvPr>
+        </p:nvSpPr>
+        <p:spPr/>
+        <p:txBody>
+          <a:bodyPr/>
+          <a:lstStyle/>
+          <a:p>
+            <a:r>
+              <a:rPr lang="en-US" dirty="0"/>
+              <a:t>Mode_DSC, Carrier_Type, Carrier, Service_Level, Dest_Port, Dest_Port_City, Dest_Port_State_Name, Dest_Port_State, Dest_Port_Longitude, Dest_Port_Latitude, Orig_Port, Orig_Port_City, Orig_Port_State_Name, Orig_Port_State, Orig_Port_Longitude, Orig_Port_Latitude</a:t>
+            </a:r>
           </a:p>
         </p:txBody>
       </p:sp>
     </p:spTree>
     <p:extLst>
       <p:ext uri="{BB962C8B-B14F-4D97-AF65-F5344CB8AC3E}">
-        <p14:creationId xmlns:p14="http://schemas.microsoft.com/office/powerpoint/2010/main" val="1825619085"/>
+        <p14:creationId xmlns:p14="http://schemas.microsoft.com/office/powerpoint/2010/main" val="1203815046"/>
       </p:ext>
     </p:extLst>
   </p:cSld>
@@ -5474,66 +5265,223 @@
           <a:chExt cx="0" cy="0"/>
         </a:xfrm>
       </p:grpSpPr>
-      <p:sp>
-        <p:nvSpPr>
-          <p:cNvPr id="2" name="Title 1">
-            <a:extLst>
-              <a:ext uri="{FF2B5EF4-FFF2-40B4-BE49-F238E27FC236}">
-                <a16:creationId xmlns:a16="http://schemas.microsoft.com/office/drawing/2014/main" id="{44A401C3-8BED-1F4C-BCDF-E7D98E88F0AA}"/>
-              </a:ext>
-            </a:extLst>
-          </p:cNvPr>
-          <p:cNvSpPr>
-            <a:spLocks noGrp="1"/>
-          </p:cNvSpPr>
-          <p:nvPr>
-            <p:ph type="title"/>
-          </p:nvPr>
-        </p:nvSpPr>
-        <p:spPr/>
-        <p:txBody>
-          <a:bodyPr/>
-          <a:lstStyle/>
-          <a:p>
-            <a:r>
-              <a:rPr lang="en-US" dirty="0"/>
-              <a:t>Repeat Steps For Rest of Columns</a:t>
-            </a:r>
-          </a:p>
-        </p:txBody>
-      </p:sp>
-      <p:sp>
-        <p:nvSpPr>
-          <p:cNvPr id="3" name="Text Placeholder 2">
-            <a:extLst>
-              <a:ext uri="{FF2B5EF4-FFF2-40B4-BE49-F238E27FC236}">
-                <a16:creationId xmlns:a16="http://schemas.microsoft.com/office/drawing/2014/main" id="{06231B4B-0C3E-E64F-81F9-377FD0B72ED3}"/>
-              </a:ext>
-            </a:extLst>
-          </p:cNvPr>
-          <p:cNvSpPr>
-            <a:spLocks noGrp="1"/>
-          </p:cNvSpPr>
-          <p:nvPr>
-            <p:ph type="body" idx="1"/>
-          </p:nvPr>
-        </p:nvSpPr>
-        <p:spPr/>
-        <p:txBody>
-          <a:bodyPr/>
-          <a:lstStyle/>
-          <a:p>
-            <a:r>
-              <a:rPr lang="en-US" dirty="0"/>
-              <a:t>Mode_DSC, Carrier_Type, Carrier, Service_Level, Dest_Port, Dest_Port_City, Dest_Port_State_Name, Dest_Port_State, Dest_Port_Longitude, Dest_Port_Latitude, Orig_Port, Orig_Port_City, Orig_Port_State_Name, Orig_Port_State, Orig_Port_Longitude, Orig_Port_Latitude</a:t>
-            </a:r>
+      <p:pic>
+        <p:nvPicPr>
+          <p:cNvPr id="2" name="Picture 1">
+            <a:extLst>
+              <a:ext uri="{FF2B5EF4-FFF2-40B4-BE49-F238E27FC236}">
+                <a16:creationId xmlns:a16="http://schemas.microsoft.com/office/drawing/2014/main" id="{69AC4D3D-7F30-3941-9C33-A7A9B37F796E}"/>
+              </a:ext>
+            </a:extLst>
+          </p:cNvPr>
+          <p:cNvPicPr>
+            <a:picLocks noChangeAspect="1"/>
+          </p:cNvPicPr>
+          <p:nvPr/>
+        </p:nvPicPr>
+        <p:blipFill>
+          <a:blip r:embed="rId2"/>
+          <a:stretch>
+            <a:fillRect/>
+          </a:stretch>
+        </p:blipFill>
+        <p:spPr>
+          <a:xfrm>
+            <a:off x="953820" y="1145719"/>
+            <a:ext cx="4734711" cy="4566562"/>
+          </a:xfrm>
+          <a:prstGeom prst="rect">
+            <a:avLst/>
+          </a:prstGeom>
+        </p:spPr>
+      </p:pic>
+      <p:sp>
+        <p:nvSpPr>
+          <p:cNvPr id="3" name="Oval 2">
+            <a:extLst>
+              <a:ext uri="{FF2B5EF4-FFF2-40B4-BE49-F238E27FC236}">
+                <a16:creationId xmlns:a16="http://schemas.microsoft.com/office/drawing/2014/main" id="{950E5AD7-304A-CF4C-803E-EBF9867CFF12}"/>
+              </a:ext>
+            </a:extLst>
+          </p:cNvPr>
+          <p:cNvSpPr/>
+          <p:nvPr/>
+        </p:nvSpPr>
+        <p:spPr>
+          <a:xfrm>
+            <a:off x="3448032" y="5380521"/>
+            <a:ext cx="729332" cy="253817"/>
+          </a:xfrm>
+          <a:prstGeom prst="ellipse">
+            <a:avLst/>
+          </a:prstGeom>
+          <a:noFill/>
+          <a:ln w="38100">
+            <a:solidFill>
+              <a:srgbClr val="FF0000"/>
+            </a:solidFill>
+          </a:ln>
+        </p:spPr>
+        <p:style>
+          <a:lnRef idx="2">
+            <a:schemeClr val="accent1">
+              <a:shade val="50000"/>
+            </a:schemeClr>
+          </a:lnRef>
+          <a:fillRef idx="1">
+            <a:schemeClr val="accent1"/>
+          </a:fillRef>
+          <a:effectRef idx="0">
+            <a:schemeClr val="accent1"/>
+          </a:effectRef>
+          <a:fontRef idx="minor">
+            <a:schemeClr val="lt1"/>
+          </a:fontRef>
+        </p:style>
+        <p:txBody>
+          <a:bodyPr rtlCol="0" anchor="ctr"/>
+          <a:lstStyle/>
+          <a:p>
+            <a:pPr algn="ctr"/>
+            <a:endParaRPr lang="en-US"/>
+          </a:p>
+        </p:txBody>
+      </p:sp>
+      <p:sp>
+        <p:nvSpPr>
+          <p:cNvPr id="4" name="Right Arrow 3">
+            <a:extLst>
+              <a:ext uri="{FF2B5EF4-FFF2-40B4-BE49-F238E27FC236}">
+                <a16:creationId xmlns:a16="http://schemas.microsoft.com/office/drawing/2014/main" id="{051DFBB2-3210-1D47-AA01-9A5B20F7683A}"/>
+              </a:ext>
+            </a:extLst>
+          </p:cNvPr>
+          <p:cNvSpPr/>
+          <p:nvPr/>
+        </p:nvSpPr>
+        <p:spPr>
+          <a:xfrm>
+            <a:off x="5974777" y="3230881"/>
+            <a:ext cx="658639" cy="396237"/>
+          </a:xfrm>
+          <a:prstGeom prst="rightArrow">
+            <a:avLst>
+              <a:gd name="adj1" fmla="val 50000"/>
+              <a:gd name="adj2" fmla="val 51999"/>
+            </a:avLst>
+          </a:prstGeom>
+        </p:spPr>
+        <p:style>
+          <a:lnRef idx="2">
+            <a:schemeClr val="dk1">
+              <a:shade val="50000"/>
+            </a:schemeClr>
+          </a:lnRef>
+          <a:fillRef idx="1">
+            <a:schemeClr val="dk1"/>
+          </a:fillRef>
+          <a:effectRef idx="0">
+            <a:schemeClr val="dk1"/>
+          </a:effectRef>
+          <a:fontRef idx="minor">
+            <a:schemeClr val="lt1"/>
+          </a:fontRef>
+        </p:style>
+        <p:txBody>
+          <a:bodyPr rtlCol="0" anchor="ctr"/>
+          <a:lstStyle/>
+          <a:p>
+            <a:pPr algn="ctr"/>
+            <a:endParaRPr lang="en-US"/>
+          </a:p>
+        </p:txBody>
+      </p:sp>
+      <p:pic>
+        <p:nvPicPr>
+          <p:cNvPr id="5" name="Picture 4">
+            <a:extLst>
+              <a:ext uri="{FF2B5EF4-FFF2-40B4-BE49-F238E27FC236}">
+                <a16:creationId xmlns:a16="http://schemas.microsoft.com/office/drawing/2014/main" id="{0FF53644-0326-6B4D-BAD8-F8936138FB88}"/>
+              </a:ext>
+            </a:extLst>
+          </p:cNvPr>
+          <p:cNvPicPr>
+            <a:picLocks noChangeAspect="1"/>
+          </p:cNvPicPr>
+          <p:nvPr/>
+        </p:nvPicPr>
+        <p:blipFill>
+          <a:blip r:embed="rId3"/>
+          <a:stretch>
+            <a:fillRect/>
+          </a:stretch>
+        </p:blipFill>
+        <p:spPr>
+          <a:xfrm>
+            <a:off x="6919662" y="1145719"/>
+            <a:ext cx="3924825" cy="4566562"/>
+          </a:xfrm>
+          <a:prstGeom prst="rect">
+            <a:avLst/>
+          </a:prstGeom>
+        </p:spPr>
+      </p:pic>
+      <p:sp>
+        <p:nvSpPr>
+          <p:cNvPr id="6" name="Oval 5">
+            <a:extLst>
+              <a:ext uri="{FF2B5EF4-FFF2-40B4-BE49-F238E27FC236}">
+                <a16:creationId xmlns:a16="http://schemas.microsoft.com/office/drawing/2014/main" id="{6E8D46F0-A94E-BE49-9B9C-11F6A00F47EA}"/>
+              </a:ext>
+            </a:extLst>
+          </p:cNvPr>
+          <p:cNvSpPr/>
+          <p:nvPr/>
+        </p:nvSpPr>
+        <p:spPr>
+          <a:xfrm>
+            <a:off x="8517408" y="5126704"/>
+            <a:ext cx="729332" cy="253817"/>
+          </a:xfrm>
+          <a:prstGeom prst="ellipse">
+            <a:avLst/>
+          </a:prstGeom>
+          <a:noFill/>
+          <a:ln w="38100">
+            <a:solidFill>
+              <a:srgbClr val="FF0000"/>
+            </a:solidFill>
+          </a:ln>
+        </p:spPr>
+        <p:style>
+          <a:lnRef idx="2">
+            <a:schemeClr val="accent1">
+              <a:shade val="50000"/>
+            </a:schemeClr>
+          </a:lnRef>
+          <a:fillRef idx="1">
+            <a:schemeClr val="accent1"/>
+          </a:fillRef>
+          <a:effectRef idx="0">
+            <a:schemeClr val="accent1"/>
+          </a:effectRef>
+          <a:fontRef idx="minor">
+            <a:schemeClr val="lt1"/>
+          </a:fontRef>
+        </p:style>
+        <p:txBody>
+          <a:bodyPr rtlCol="0" anchor="ctr"/>
+          <a:lstStyle/>
+          <a:p>
+            <a:pPr algn="ctr"/>
+            <a:endParaRPr lang="en-US"/>
           </a:p>
         </p:txBody>
       </p:sp>
     </p:spTree>
     <p:extLst>
       <p:ext uri="{BB962C8B-B14F-4D97-AF65-F5344CB8AC3E}">
-        <p14:creationId xmlns:p14="http://schemas.microsoft.com/office/powerpoint/2010/main" val="1203815046"/>
+        <p14:creationId xmlns:p14="http://schemas.microsoft.com/office/powerpoint/2010/main" val="156690579"/>
       </p:ext>
     </p:extLst>
   </p:cSld>
@@ -5560,10 +5508,63 @@
           <a:chExt cx="0" cy="0"/>
         </a:xfrm>
       </p:grpSpPr>
+      <p:sp>
+        <p:nvSpPr>
+          <p:cNvPr id="2" name="Title 1">
+            <a:extLst>
+              <a:ext uri="{FF2B5EF4-FFF2-40B4-BE49-F238E27FC236}">
+                <a16:creationId xmlns:a16="http://schemas.microsoft.com/office/drawing/2014/main" id="{AF65F47A-6BEB-2C47-81B9-1DDDECF6ECB2}"/>
+              </a:ext>
+            </a:extLst>
+          </p:cNvPr>
+          <p:cNvSpPr>
+            <a:spLocks noGrp="1"/>
+          </p:cNvSpPr>
+          <p:nvPr>
+            <p:ph type="title"/>
+          </p:nvPr>
+        </p:nvSpPr>
+        <p:spPr/>
+        <p:txBody>
+          <a:bodyPr/>
+          <a:lstStyle/>
+          <a:p>
+            <a:r>
+              <a:rPr lang="en-US" dirty="0"/>
+              <a:t>Import Metadata Into Repository</a:t>
+            </a:r>
+          </a:p>
+        </p:txBody>
+      </p:sp>
+      <p:sp>
+        <p:nvSpPr>
+          <p:cNvPr id="3" name="Text Placeholder 2">
+            <a:extLst>
+              <a:ext uri="{FF2B5EF4-FFF2-40B4-BE49-F238E27FC236}">
+                <a16:creationId xmlns:a16="http://schemas.microsoft.com/office/drawing/2014/main" id="{EA072EC2-E187-5E49-B1A6-9E9A2B7CC1DD}"/>
+              </a:ext>
+            </a:extLst>
+          </p:cNvPr>
+          <p:cNvSpPr>
+            <a:spLocks noGrp="1"/>
+          </p:cNvSpPr>
+          <p:nvPr>
+            <p:ph type="body" idx="1"/>
+          </p:nvPr>
+        </p:nvSpPr>
+        <p:spPr/>
+        <p:txBody>
+          <a:bodyPr/>
+          <a:lstStyle/>
+          <a:p>
+            <a:endParaRPr lang="en-US"/>
+          </a:p>
+        </p:txBody>
+      </p:sp>
     </p:spTree>
     <p:extLst>
       <p:ext uri="{BB962C8B-B14F-4D97-AF65-F5344CB8AC3E}">
-        <p14:creationId xmlns:p14="http://schemas.microsoft.com/office/powerpoint/2010/main" val="2652134232"/>
+        <p14:creationId xmlns:p14="http://schemas.microsoft.com/office/powerpoint/2010/main" val="2978415275"/>
       </p:ext>
     </p:extLst>
   </p:cSld>
@@ -5595,7 +5596,7 @@
           <p:cNvPr id="2" name="Picture 1">
             <a:extLst>
               <a:ext uri="{FF2B5EF4-FFF2-40B4-BE49-F238E27FC236}">
-                <a16:creationId xmlns:a16="http://schemas.microsoft.com/office/drawing/2014/main" id="{69AC4D3D-7F30-3941-9C33-A7A9B37F796E}"/>
+                <a16:creationId xmlns:a16="http://schemas.microsoft.com/office/drawing/2014/main" id="{944679FF-F4A2-A64D-86D5-67A96ABA9430}"/>
               </a:ext>
             </a:extLst>
           </p:cNvPr>
@@ -5612,121 +5613,20 @@
         </p:blipFill>
         <p:spPr>
           <a:xfrm>
-            <a:off x="953820" y="1145719"/>
-            <a:ext cx="4734711" cy="4566562"/>
+            <a:off x="3585845" y="775168"/>
+            <a:ext cx="5375276" cy="5307663"/>
           </a:xfrm>
           <a:prstGeom prst="rect">
             <a:avLst/>
           </a:prstGeom>
         </p:spPr>
       </p:pic>
-      <p:sp>
-        <p:nvSpPr>
-          <p:cNvPr id="3" name="Oval 2">
-            <a:extLst>
-              <a:ext uri="{FF2B5EF4-FFF2-40B4-BE49-F238E27FC236}">
-                <a16:creationId xmlns:a16="http://schemas.microsoft.com/office/drawing/2014/main" id="{950E5AD7-304A-CF4C-803E-EBF9867CFF12}"/>
-              </a:ext>
-            </a:extLst>
-          </p:cNvPr>
-          <p:cNvSpPr/>
-          <p:nvPr/>
-        </p:nvSpPr>
-        <p:spPr>
-          <a:xfrm>
-            <a:off x="3448032" y="5380521"/>
-            <a:ext cx="729332" cy="253817"/>
-          </a:xfrm>
-          <a:prstGeom prst="ellipse">
-            <a:avLst/>
-          </a:prstGeom>
-          <a:noFill/>
-          <a:ln w="38100">
-            <a:solidFill>
-              <a:srgbClr val="FF0000"/>
-            </a:solidFill>
-          </a:ln>
-        </p:spPr>
-        <p:style>
-          <a:lnRef idx="2">
-            <a:schemeClr val="accent1">
-              <a:shade val="50000"/>
-            </a:schemeClr>
-          </a:lnRef>
-          <a:fillRef idx="1">
-            <a:schemeClr val="accent1"/>
-          </a:fillRef>
-          <a:effectRef idx="0">
-            <a:schemeClr val="accent1"/>
-          </a:effectRef>
-          <a:fontRef idx="minor">
-            <a:schemeClr val="lt1"/>
-          </a:fontRef>
-        </p:style>
-        <p:txBody>
-          <a:bodyPr rtlCol="0" anchor="ctr"/>
-          <a:lstStyle/>
-          <a:p>
-            <a:pPr algn="ctr"/>
-            <a:endParaRPr lang="en-US"/>
-          </a:p>
-        </p:txBody>
-      </p:sp>
-      <p:sp>
-        <p:nvSpPr>
-          <p:cNvPr id="4" name="Right Arrow 3">
-            <a:extLst>
-              <a:ext uri="{FF2B5EF4-FFF2-40B4-BE49-F238E27FC236}">
-                <a16:creationId xmlns:a16="http://schemas.microsoft.com/office/drawing/2014/main" id="{051DFBB2-3210-1D47-AA01-9A5B20F7683A}"/>
-              </a:ext>
-            </a:extLst>
-          </p:cNvPr>
-          <p:cNvSpPr/>
-          <p:nvPr/>
-        </p:nvSpPr>
-        <p:spPr>
-          <a:xfrm>
-            <a:off x="5974777" y="3230881"/>
-            <a:ext cx="658639" cy="396237"/>
-          </a:xfrm>
-          <a:prstGeom prst="rightArrow">
-            <a:avLst>
-              <a:gd name="adj1" fmla="val 50000"/>
-              <a:gd name="adj2" fmla="val 51999"/>
-            </a:avLst>
-          </a:prstGeom>
-        </p:spPr>
-        <p:style>
-          <a:lnRef idx="2">
-            <a:schemeClr val="dk1">
-              <a:shade val="50000"/>
-            </a:schemeClr>
-          </a:lnRef>
-          <a:fillRef idx="1">
-            <a:schemeClr val="dk1"/>
-          </a:fillRef>
-          <a:effectRef idx="0">
-            <a:schemeClr val="dk1"/>
-          </a:effectRef>
-          <a:fontRef idx="minor">
-            <a:schemeClr val="lt1"/>
-          </a:fontRef>
-        </p:style>
-        <p:txBody>
-          <a:bodyPr rtlCol="0" anchor="ctr"/>
-          <a:lstStyle/>
-          <a:p>
-            <a:pPr algn="ctr"/>
-            <a:endParaRPr lang="en-US"/>
-          </a:p>
-        </p:txBody>
-      </p:sp>
       <p:pic>
         <p:nvPicPr>
-          <p:cNvPr id="5" name="Picture 4">
-            <a:extLst>
-              <a:ext uri="{FF2B5EF4-FFF2-40B4-BE49-F238E27FC236}">
-                <a16:creationId xmlns:a16="http://schemas.microsoft.com/office/drawing/2014/main" id="{0FF53644-0326-6B4D-BAD8-F8936138FB88}"/>
+          <p:cNvPr id="3" name="Picture 2">
+            <a:extLst>
+              <a:ext uri="{FF2B5EF4-FFF2-40B4-BE49-F238E27FC236}">
+                <a16:creationId xmlns:a16="http://schemas.microsoft.com/office/drawing/2014/main" id="{1542F3DF-5FEB-C341-9ABD-CAD172EDDAEF}"/>
               </a:ext>
             </a:extLst>
           </p:cNvPr>
@@ -5743,70 +5643,84 @@
         </p:blipFill>
         <p:spPr>
           <a:xfrm>
-            <a:off x="6919662" y="1145719"/>
-            <a:ext cx="3924825" cy="4566562"/>
+            <a:off x="6209965" y="2485240"/>
+            <a:ext cx="1711625" cy="3099856"/>
           </a:xfrm>
           <a:prstGeom prst="rect">
             <a:avLst/>
           </a:prstGeom>
         </p:spPr>
       </p:pic>
-      <p:sp>
-        <p:nvSpPr>
-          <p:cNvPr id="6" name="Oval 5">
-            <a:extLst>
-              <a:ext uri="{FF2B5EF4-FFF2-40B4-BE49-F238E27FC236}">
-                <a16:creationId xmlns:a16="http://schemas.microsoft.com/office/drawing/2014/main" id="{6E8D46F0-A94E-BE49-9B9C-11F6A00F47EA}"/>
-              </a:ext>
-            </a:extLst>
-          </p:cNvPr>
-          <p:cNvSpPr/>
-          <p:nvPr/>
-        </p:nvSpPr>
-        <p:spPr>
-          <a:xfrm>
-            <a:off x="8517408" y="5126704"/>
-            <a:ext cx="729332" cy="253817"/>
-          </a:xfrm>
-          <a:prstGeom prst="ellipse">
-            <a:avLst/>
-          </a:prstGeom>
-          <a:noFill/>
-          <a:ln w="38100">
-            <a:solidFill>
-              <a:srgbClr val="FF0000"/>
-            </a:solidFill>
-          </a:ln>
-        </p:spPr>
-        <p:style>
-          <a:lnRef idx="2">
-            <a:schemeClr val="accent1">
-              <a:shade val="50000"/>
-            </a:schemeClr>
-          </a:lnRef>
-          <a:fillRef idx="1">
-            <a:schemeClr val="accent1"/>
-          </a:fillRef>
-          <a:effectRef idx="0">
-            <a:schemeClr val="accent1"/>
-          </a:effectRef>
-          <a:fontRef idx="minor">
-            <a:schemeClr val="lt1"/>
-          </a:fontRef>
-        </p:style>
-        <p:txBody>
-          <a:bodyPr rtlCol="0" anchor="ctr"/>
-          <a:lstStyle/>
-          <a:p>
-            <a:pPr algn="ctr"/>
-            <a:endParaRPr lang="en-US"/>
-          </a:p>
-        </p:txBody>
-      </p:sp>
+      <p:pic>
+        <p:nvPicPr>
+          <p:cNvPr id="4" name="Picture 3">
+            <a:extLst>
+              <a:ext uri="{FF2B5EF4-FFF2-40B4-BE49-F238E27FC236}">
+                <a16:creationId xmlns:a16="http://schemas.microsoft.com/office/drawing/2014/main" id="{B453786E-BFE4-E241-8E37-A9620CB17469}"/>
+              </a:ext>
+            </a:extLst>
+          </p:cNvPr>
+          <p:cNvPicPr>
+            <a:picLocks noChangeAspect="1"/>
+          </p:cNvPicPr>
+          <p:nvPr/>
+        </p:nvPicPr>
+        <p:blipFill>
+          <a:blip r:embed="rId4"/>
+          <a:stretch>
+            <a:fillRect/>
+          </a:stretch>
+        </p:blipFill>
+        <p:spPr>
+          <a:xfrm>
+            <a:off x="7921591" y="4593634"/>
+            <a:ext cx="1711626" cy="600181"/>
+          </a:xfrm>
+          <a:prstGeom prst="rect">
+            <a:avLst/>
+          </a:prstGeom>
+        </p:spPr>
+      </p:pic>
+      <p:pic>
+        <p:nvPicPr>
+          <p:cNvPr id="6" name="Graphic 5" descr="Cursor with solid fill">
+            <a:extLst>
+              <a:ext uri="{FF2B5EF4-FFF2-40B4-BE49-F238E27FC236}">
+                <a16:creationId xmlns:a16="http://schemas.microsoft.com/office/drawing/2014/main" id="{1043B087-DAA0-7244-92C3-B17FA08D11BD}"/>
+              </a:ext>
+            </a:extLst>
+          </p:cNvPr>
+          <p:cNvPicPr>
+            <a:picLocks noChangeAspect="1"/>
+          </p:cNvPicPr>
+          <p:nvPr/>
+        </p:nvPicPr>
+        <p:blipFill>
+          <a:blip r:embed="rId5">
+            <a:extLst>
+              <a:ext uri="{96DAC541-7B7A-43D3-8B79-37D633B846F1}">
+                <asvg:svgBlip xmlns:asvg="http://schemas.microsoft.com/office/drawing/2016/SVG/main" r:embed="rId6"/>
+              </a:ext>
+            </a:extLst>
+          </a:blip>
+          <a:stretch>
+            <a:fillRect/>
+          </a:stretch>
+        </p:blipFill>
+        <p:spPr>
+          <a:xfrm>
+            <a:off x="9248167" y="4593634"/>
+            <a:ext cx="465438" cy="465438"/>
+          </a:xfrm>
+          <a:prstGeom prst="rect">
+            <a:avLst/>
+          </a:prstGeom>
+        </p:spPr>
+      </p:pic>
     </p:spTree>
     <p:extLst>
       <p:ext uri="{BB962C8B-B14F-4D97-AF65-F5344CB8AC3E}">
-        <p14:creationId xmlns:p14="http://schemas.microsoft.com/office/powerpoint/2010/main" val="156690579"/>
+        <p14:creationId xmlns:p14="http://schemas.microsoft.com/office/powerpoint/2010/main" val="4263937032"/>
       </p:ext>
     </p:extLst>
   </p:cSld>
@@ -5838,7 +5752,7 @@
           <p:cNvPr id="2" name="Picture 1">
             <a:extLst>
               <a:ext uri="{FF2B5EF4-FFF2-40B4-BE49-F238E27FC236}">
-                <a16:creationId xmlns:a16="http://schemas.microsoft.com/office/drawing/2014/main" id="{944679FF-F4A2-A64D-86D5-67A96ABA9430}"/>
+                <a16:creationId xmlns:a16="http://schemas.microsoft.com/office/drawing/2014/main" id="{3F01A20A-4F41-E543-99EC-517DBCE18F0A}"/>
               </a:ext>
             </a:extLst>
           </p:cNvPr>
@@ -5855,8 +5769,8 @@
         </p:blipFill>
         <p:spPr>
           <a:xfrm>
-            <a:off x="3585845" y="775168"/>
-            <a:ext cx="5375276" cy="5307663"/>
+            <a:off x="649370" y="1504075"/>
+            <a:ext cx="3165583" cy="3181818"/>
           </a:xfrm>
           <a:prstGeom prst="rect">
             <a:avLst/>
@@ -5868,7 +5782,7 @@
           <p:cNvPr id="3" name="Picture 2">
             <a:extLst>
               <a:ext uri="{FF2B5EF4-FFF2-40B4-BE49-F238E27FC236}">
-                <a16:creationId xmlns:a16="http://schemas.microsoft.com/office/drawing/2014/main" id="{1542F3DF-5FEB-C341-9ABD-CAD172EDDAEF}"/>
+                <a16:creationId xmlns:a16="http://schemas.microsoft.com/office/drawing/2014/main" id="{4A84E3F7-F9AD-164A-A732-1F59C1D266C2}"/>
               </a:ext>
             </a:extLst>
           </p:cNvPr>
@@ -5885,20 +5799,72 @@
         </p:blipFill>
         <p:spPr>
           <a:xfrm>
-            <a:off x="6209965" y="2485240"/>
-            <a:ext cx="1711625" cy="3099856"/>
+            <a:off x="5819389" y="531941"/>
+            <a:ext cx="5314785" cy="707363"/>
           </a:xfrm>
           <a:prstGeom prst="rect">
             <a:avLst/>
           </a:prstGeom>
         </p:spPr>
       </p:pic>
+      <p:sp>
+        <p:nvSpPr>
+          <p:cNvPr id="4" name="Oval 3">
+            <a:extLst>
+              <a:ext uri="{FF2B5EF4-FFF2-40B4-BE49-F238E27FC236}">
+                <a16:creationId xmlns:a16="http://schemas.microsoft.com/office/drawing/2014/main" id="{B9011D01-D6DB-2148-9D02-7743F1CED4F1}"/>
+              </a:ext>
+            </a:extLst>
+          </p:cNvPr>
+          <p:cNvSpPr/>
+          <p:nvPr/>
+        </p:nvSpPr>
+        <p:spPr>
+          <a:xfrm>
+            <a:off x="8476781" y="956612"/>
+            <a:ext cx="339960" cy="253817"/>
+          </a:xfrm>
+          <a:prstGeom prst="ellipse">
+            <a:avLst/>
+          </a:prstGeom>
+          <a:noFill/>
+          <a:ln w="38100">
+            <a:solidFill>
+              <a:srgbClr val="FF0000"/>
+            </a:solidFill>
+          </a:ln>
+        </p:spPr>
+        <p:style>
+          <a:lnRef idx="2">
+            <a:schemeClr val="accent1">
+              <a:shade val="50000"/>
+            </a:schemeClr>
+          </a:lnRef>
+          <a:fillRef idx="1">
+            <a:schemeClr val="accent1"/>
+          </a:fillRef>
+          <a:effectRef idx="0">
+            <a:schemeClr val="accent1"/>
+          </a:effectRef>
+          <a:fontRef idx="minor">
+            <a:schemeClr val="lt1"/>
+          </a:fontRef>
+        </p:style>
+        <p:txBody>
+          <a:bodyPr rtlCol="0" anchor="ctr"/>
+          <a:lstStyle/>
+          <a:p>
+            <a:pPr algn="ctr"/>
+            <a:endParaRPr lang="en-US"/>
+          </a:p>
+        </p:txBody>
+      </p:sp>
       <p:pic>
         <p:nvPicPr>
-          <p:cNvPr id="4" name="Picture 3">
-            <a:extLst>
-              <a:ext uri="{FF2B5EF4-FFF2-40B4-BE49-F238E27FC236}">
-                <a16:creationId xmlns:a16="http://schemas.microsoft.com/office/drawing/2014/main" id="{B453786E-BFE4-E241-8E37-A9620CB17469}"/>
+          <p:cNvPr id="5" name="Graphic 4" descr="Cursor with solid fill">
+            <a:extLst>
+              <a:ext uri="{FF2B5EF4-FFF2-40B4-BE49-F238E27FC236}">
+                <a16:creationId xmlns:a16="http://schemas.microsoft.com/office/drawing/2014/main" id="{0452E742-AEF0-1C45-8980-626D35681FCF}"/>
               </a:ext>
             </a:extLst>
           </p:cNvPr>
@@ -5908,40 +5874,10 @@
           <p:nvPr/>
         </p:nvPicPr>
         <p:blipFill>
-          <a:blip r:embed="rId4"/>
-          <a:stretch>
-            <a:fillRect/>
-          </a:stretch>
-        </p:blipFill>
-        <p:spPr>
-          <a:xfrm>
-            <a:off x="7921591" y="4593634"/>
-            <a:ext cx="1711626" cy="600181"/>
-          </a:xfrm>
-          <a:prstGeom prst="rect">
-            <a:avLst/>
-          </a:prstGeom>
-        </p:spPr>
-      </p:pic>
-      <p:pic>
-        <p:nvPicPr>
-          <p:cNvPr id="6" name="Graphic 5" descr="Cursor with solid fill">
-            <a:extLst>
-              <a:ext uri="{FF2B5EF4-FFF2-40B4-BE49-F238E27FC236}">
-                <a16:creationId xmlns:a16="http://schemas.microsoft.com/office/drawing/2014/main" id="{1043B087-DAA0-7244-92C3-B17FA08D11BD}"/>
-              </a:ext>
-            </a:extLst>
-          </p:cNvPr>
-          <p:cNvPicPr>
-            <a:picLocks noChangeAspect="1"/>
-          </p:cNvPicPr>
-          <p:nvPr/>
-        </p:nvPicPr>
-        <p:blipFill>
-          <a:blip r:embed="rId5">
+          <a:blip r:embed="rId4">
             <a:extLst>
               <a:ext uri="{96DAC541-7B7A-43D3-8B79-37D633B846F1}">
-                <asvg:svgBlip xmlns:asvg="http://schemas.microsoft.com/office/drawing/2016/SVG/main" r:embed="rId6"/>
+                <asvg:svgBlip xmlns:asvg="http://schemas.microsoft.com/office/drawing/2016/SVG/main" r:embed="rId5"/>
               </a:ext>
             </a:extLst>
           </a:blip>
@@ -5951,8 +5887,169 @@
         </p:blipFill>
         <p:spPr>
           <a:xfrm>
-            <a:off x="9248167" y="4593634"/>
+            <a:off x="8646761" y="1169662"/>
             <a:ext cx="465438" cy="465438"/>
+          </a:xfrm>
+          <a:prstGeom prst="rect">
+            <a:avLst/>
+          </a:prstGeom>
+        </p:spPr>
+      </p:pic>
+      <p:pic>
+        <p:nvPicPr>
+          <p:cNvPr id="6" name="Picture 5">
+            <a:extLst>
+              <a:ext uri="{FF2B5EF4-FFF2-40B4-BE49-F238E27FC236}">
+                <a16:creationId xmlns:a16="http://schemas.microsoft.com/office/drawing/2014/main" id="{B3BCB653-15F9-4047-8982-E596B6CF9648}"/>
+              </a:ext>
+            </a:extLst>
+          </p:cNvPr>
+          <p:cNvPicPr>
+            <a:picLocks noChangeAspect="1"/>
+          </p:cNvPicPr>
+          <p:nvPr/>
+        </p:nvPicPr>
+        <p:blipFill>
+          <a:blip r:embed="rId6"/>
+          <a:stretch>
+            <a:fillRect/>
+          </a:stretch>
+        </p:blipFill>
+        <p:spPr>
+          <a:xfrm>
+            <a:off x="4950156" y="1446239"/>
+            <a:ext cx="3611615" cy="3454885"/>
+          </a:xfrm>
+          <a:prstGeom prst="rect">
+            <a:avLst/>
+          </a:prstGeom>
+        </p:spPr>
+      </p:pic>
+      <p:sp>
+        <p:nvSpPr>
+          <p:cNvPr id="7" name="Oval 6">
+            <a:extLst>
+              <a:ext uri="{FF2B5EF4-FFF2-40B4-BE49-F238E27FC236}">
+                <a16:creationId xmlns:a16="http://schemas.microsoft.com/office/drawing/2014/main" id="{C61EE405-730E-F94F-9F48-E9F303BE33CE}"/>
+              </a:ext>
+            </a:extLst>
+          </p:cNvPr>
+          <p:cNvSpPr/>
+          <p:nvPr/>
+        </p:nvSpPr>
+        <p:spPr>
+          <a:xfrm>
+            <a:off x="6858083" y="4628057"/>
+            <a:ext cx="491839" cy="196065"/>
+          </a:xfrm>
+          <a:prstGeom prst="ellipse">
+            <a:avLst/>
+          </a:prstGeom>
+          <a:noFill/>
+          <a:ln w="38100">
+            <a:solidFill>
+              <a:srgbClr val="FF0000"/>
+            </a:solidFill>
+          </a:ln>
+        </p:spPr>
+        <p:style>
+          <a:lnRef idx="2">
+            <a:schemeClr val="accent1">
+              <a:shade val="50000"/>
+            </a:schemeClr>
+          </a:lnRef>
+          <a:fillRef idx="1">
+            <a:schemeClr val="accent1"/>
+          </a:fillRef>
+          <a:effectRef idx="0">
+            <a:schemeClr val="accent1"/>
+          </a:effectRef>
+          <a:fontRef idx="minor">
+            <a:schemeClr val="lt1"/>
+          </a:fontRef>
+        </p:style>
+        <p:txBody>
+          <a:bodyPr rtlCol="0" anchor="ctr"/>
+          <a:lstStyle/>
+          <a:p>
+            <a:pPr algn="ctr"/>
+            <a:endParaRPr lang="en-US"/>
+          </a:p>
+        </p:txBody>
+      </p:sp>
+      <p:sp>
+        <p:nvSpPr>
+          <p:cNvPr id="11" name="Right Arrow 10">
+            <a:extLst>
+              <a:ext uri="{FF2B5EF4-FFF2-40B4-BE49-F238E27FC236}">
+                <a16:creationId xmlns:a16="http://schemas.microsoft.com/office/drawing/2014/main" id="{F66190E0-2D2B-A24A-A580-23F4EECDD8E5}"/>
+              </a:ext>
+            </a:extLst>
+          </p:cNvPr>
+          <p:cNvSpPr/>
+          <p:nvPr/>
+        </p:nvSpPr>
+        <p:spPr>
+          <a:xfrm>
+            <a:off x="3973808" y="2975562"/>
+            <a:ext cx="658639" cy="396237"/>
+          </a:xfrm>
+          <a:prstGeom prst="rightArrow">
+            <a:avLst>
+              <a:gd name="adj1" fmla="val 50000"/>
+              <a:gd name="adj2" fmla="val 51999"/>
+            </a:avLst>
+          </a:prstGeom>
+        </p:spPr>
+        <p:style>
+          <a:lnRef idx="2">
+            <a:schemeClr val="dk1">
+              <a:shade val="50000"/>
+            </a:schemeClr>
+          </a:lnRef>
+          <a:fillRef idx="1">
+            <a:schemeClr val="dk1"/>
+          </a:fillRef>
+          <a:effectRef idx="0">
+            <a:schemeClr val="dk1"/>
+          </a:effectRef>
+          <a:fontRef idx="minor">
+            <a:schemeClr val="lt1"/>
+          </a:fontRef>
+        </p:style>
+        <p:txBody>
+          <a:bodyPr rtlCol="0" anchor="ctr"/>
+          <a:lstStyle/>
+          <a:p>
+            <a:pPr algn="ctr"/>
+            <a:endParaRPr lang="en-US"/>
+          </a:p>
+        </p:txBody>
+      </p:sp>
+      <p:pic>
+        <p:nvPicPr>
+          <p:cNvPr id="13" name="Picture 12">
+            <a:extLst>
+              <a:ext uri="{FF2B5EF4-FFF2-40B4-BE49-F238E27FC236}">
+                <a16:creationId xmlns:a16="http://schemas.microsoft.com/office/drawing/2014/main" id="{5185899F-58A6-E842-928B-1511119330F9}"/>
+              </a:ext>
+            </a:extLst>
+          </p:cNvPr>
+          <p:cNvPicPr>
+            <a:picLocks noChangeAspect="1"/>
+          </p:cNvPicPr>
+          <p:nvPr/>
+        </p:nvPicPr>
+        <p:blipFill>
+          <a:blip r:embed="rId7"/>
+          <a:stretch>
+            <a:fillRect/>
+          </a:stretch>
+        </p:blipFill>
+        <p:spPr>
+          <a:xfrm>
+            <a:off x="8970003" y="3094984"/>
+            <a:ext cx="2999389" cy="3139470"/>
           </a:xfrm>
           <a:prstGeom prst="rect">
             <a:avLst/>
@@ -5962,7 +6059,7 @@
     </p:spTree>
     <p:extLst>
       <p:ext uri="{BB962C8B-B14F-4D97-AF65-F5344CB8AC3E}">
-        <p14:creationId xmlns:p14="http://schemas.microsoft.com/office/powerpoint/2010/main" val="4263937032"/>
+        <p14:creationId xmlns:p14="http://schemas.microsoft.com/office/powerpoint/2010/main" val="932434476"/>
       </p:ext>
     </p:extLst>
   </p:cSld>
@@ -5989,319 +6086,63 @@
           <a:chExt cx="0" cy="0"/>
         </a:xfrm>
       </p:grpSpPr>
-      <p:pic>
-        <p:nvPicPr>
-          <p:cNvPr id="2" name="Picture 1">
-            <a:extLst>
-              <a:ext uri="{FF2B5EF4-FFF2-40B4-BE49-F238E27FC236}">
-                <a16:creationId xmlns:a16="http://schemas.microsoft.com/office/drawing/2014/main" id="{3F01A20A-4F41-E543-99EC-517DBCE18F0A}"/>
-              </a:ext>
-            </a:extLst>
-          </p:cNvPr>
-          <p:cNvPicPr>
-            <a:picLocks noChangeAspect="1"/>
-          </p:cNvPicPr>
-          <p:nvPr/>
-        </p:nvPicPr>
-        <p:blipFill>
-          <a:blip r:embed="rId2"/>
-          <a:stretch>
-            <a:fillRect/>
-          </a:stretch>
-        </p:blipFill>
-        <p:spPr>
-          <a:xfrm>
-            <a:off x="649370" y="1504075"/>
-            <a:ext cx="3165583" cy="3181818"/>
-          </a:xfrm>
-          <a:prstGeom prst="rect">
-            <a:avLst/>
-          </a:prstGeom>
-        </p:spPr>
-      </p:pic>
-      <p:pic>
-        <p:nvPicPr>
-          <p:cNvPr id="3" name="Picture 2">
-            <a:extLst>
-              <a:ext uri="{FF2B5EF4-FFF2-40B4-BE49-F238E27FC236}">
-                <a16:creationId xmlns:a16="http://schemas.microsoft.com/office/drawing/2014/main" id="{4A84E3F7-F9AD-164A-A732-1F59C1D266C2}"/>
-              </a:ext>
-            </a:extLst>
-          </p:cNvPr>
-          <p:cNvPicPr>
-            <a:picLocks noChangeAspect="1"/>
-          </p:cNvPicPr>
-          <p:nvPr/>
-        </p:nvPicPr>
-        <p:blipFill>
-          <a:blip r:embed="rId3"/>
-          <a:stretch>
-            <a:fillRect/>
-          </a:stretch>
-        </p:blipFill>
-        <p:spPr>
-          <a:xfrm>
-            <a:off x="5819389" y="531941"/>
-            <a:ext cx="5314785" cy="707363"/>
-          </a:xfrm>
-          <a:prstGeom prst="rect">
-            <a:avLst/>
-          </a:prstGeom>
-        </p:spPr>
-      </p:pic>
-      <p:sp>
-        <p:nvSpPr>
-          <p:cNvPr id="4" name="Oval 3">
-            <a:extLst>
-              <a:ext uri="{FF2B5EF4-FFF2-40B4-BE49-F238E27FC236}">
-                <a16:creationId xmlns:a16="http://schemas.microsoft.com/office/drawing/2014/main" id="{B9011D01-D6DB-2148-9D02-7743F1CED4F1}"/>
-              </a:ext>
-            </a:extLst>
-          </p:cNvPr>
-          <p:cNvSpPr/>
-          <p:nvPr/>
-        </p:nvSpPr>
-        <p:spPr>
-          <a:xfrm>
-            <a:off x="8476781" y="956612"/>
-            <a:ext cx="339960" cy="253817"/>
-          </a:xfrm>
-          <a:prstGeom prst="ellipse">
-            <a:avLst/>
-          </a:prstGeom>
-          <a:noFill/>
-          <a:ln w="38100">
-            <a:solidFill>
-              <a:srgbClr val="FF0000"/>
-            </a:solidFill>
-          </a:ln>
-        </p:spPr>
-        <p:style>
-          <a:lnRef idx="2">
-            <a:schemeClr val="accent1">
-              <a:shade val="50000"/>
-            </a:schemeClr>
-          </a:lnRef>
-          <a:fillRef idx="1">
-            <a:schemeClr val="accent1"/>
-          </a:fillRef>
-          <a:effectRef idx="0">
-            <a:schemeClr val="accent1"/>
-          </a:effectRef>
-          <a:fontRef idx="minor">
-            <a:schemeClr val="lt1"/>
-          </a:fontRef>
-        </p:style>
-        <p:txBody>
-          <a:bodyPr rtlCol="0" anchor="ctr"/>
-          <a:lstStyle/>
-          <a:p>
-            <a:pPr algn="ctr"/>
+      <p:sp>
+        <p:nvSpPr>
+          <p:cNvPr id="2" name="Title 1">
+            <a:extLst>
+              <a:ext uri="{FF2B5EF4-FFF2-40B4-BE49-F238E27FC236}">
+                <a16:creationId xmlns:a16="http://schemas.microsoft.com/office/drawing/2014/main" id="{7B93C5A9-B461-8249-971C-51CAA67084E3}"/>
+              </a:ext>
+            </a:extLst>
+          </p:cNvPr>
+          <p:cNvSpPr>
+            <a:spLocks noGrp="1"/>
+          </p:cNvSpPr>
+          <p:nvPr>
+            <p:ph type="title"/>
+          </p:nvPr>
+        </p:nvSpPr>
+        <p:spPr/>
+        <p:txBody>
+          <a:bodyPr/>
+          <a:lstStyle/>
+          <a:p>
+            <a:r>
+              <a:rPr lang="en-US" dirty="0"/>
+              <a:t>Repeat This Process To Create a Logical Dimension For OrderList and PlantConstraints</a:t>
+            </a:r>
+          </a:p>
+        </p:txBody>
+      </p:sp>
+      <p:sp>
+        <p:nvSpPr>
+          <p:cNvPr id="3" name="Text Placeholder 2">
+            <a:extLst>
+              <a:ext uri="{FF2B5EF4-FFF2-40B4-BE49-F238E27FC236}">
+                <a16:creationId xmlns:a16="http://schemas.microsoft.com/office/drawing/2014/main" id="{5AA4B24E-FA36-204B-9905-B8619ADEAF7E}"/>
+              </a:ext>
+            </a:extLst>
+          </p:cNvPr>
+          <p:cNvSpPr>
+            <a:spLocks noGrp="1"/>
+          </p:cNvSpPr>
+          <p:nvPr>
+            <p:ph type="body" idx="1"/>
+          </p:nvPr>
+        </p:nvSpPr>
+        <p:spPr/>
+        <p:txBody>
+          <a:bodyPr/>
+          <a:lstStyle/>
+          <a:p>
             <a:endParaRPr lang="en-US"/>
           </a:p>
         </p:txBody>
       </p:sp>
-      <p:pic>
-        <p:nvPicPr>
-          <p:cNvPr id="5" name="Graphic 4" descr="Cursor with solid fill">
-            <a:extLst>
-              <a:ext uri="{FF2B5EF4-FFF2-40B4-BE49-F238E27FC236}">
-                <a16:creationId xmlns:a16="http://schemas.microsoft.com/office/drawing/2014/main" id="{0452E742-AEF0-1C45-8980-626D35681FCF}"/>
-              </a:ext>
-            </a:extLst>
-          </p:cNvPr>
-          <p:cNvPicPr>
-            <a:picLocks noChangeAspect="1"/>
-          </p:cNvPicPr>
-          <p:nvPr/>
-        </p:nvPicPr>
-        <p:blipFill>
-          <a:blip r:embed="rId4">
-            <a:extLst>
-              <a:ext uri="{96DAC541-7B7A-43D3-8B79-37D633B846F1}">
-                <asvg:svgBlip xmlns:asvg="http://schemas.microsoft.com/office/drawing/2016/SVG/main" r:embed="rId5"/>
-              </a:ext>
-            </a:extLst>
-          </a:blip>
-          <a:stretch>
-            <a:fillRect/>
-          </a:stretch>
-        </p:blipFill>
-        <p:spPr>
-          <a:xfrm>
-            <a:off x="8646761" y="1169662"/>
-            <a:ext cx="465438" cy="465438"/>
-          </a:xfrm>
-          <a:prstGeom prst="rect">
-            <a:avLst/>
-          </a:prstGeom>
-        </p:spPr>
-      </p:pic>
-      <p:pic>
-        <p:nvPicPr>
-          <p:cNvPr id="6" name="Picture 5">
-            <a:extLst>
-              <a:ext uri="{FF2B5EF4-FFF2-40B4-BE49-F238E27FC236}">
-                <a16:creationId xmlns:a16="http://schemas.microsoft.com/office/drawing/2014/main" id="{B3BCB653-15F9-4047-8982-E596B6CF9648}"/>
-              </a:ext>
-            </a:extLst>
-          </p:cNvPr>
-          <p:cNvPicPr>
-            <a:picLocks noChangeAspect="1"/>
-          </p:cNvPicPr>
-          <p:nvPr/>
-        </p:nvPicPr>
-        <p:blipFill>
-          <a:blip r:embed="rId6"/>
-          <a:stretch>
-            <a:fillRect/>
-          </a:stretch>
-        </p:blipFill>
-        <p:spPr>
-          <a:xfrm>
-            <a:off x="4950156" y="1446239"/>
-            <a:ext cx="3611615" cy="3454885"/>
-          </a:xfrm>
-          <a:prstGeom prst="rect">
-            <a:avLst/>
-          </a:prstGeom>
-        </p:spPr>
-      </p:pic>
-      <p:sp>
-        <p:nvSpPr>
-          <p:cNvPr id="7" name="Oval 6">
-            <a:extLst>
-              <a:ext uri="{FF2B5EF4-FFF2-40B4-BE49-F238E27FC236}">
-                <a16:creationId xmlns:a16="http://schemas.microsoft.com/office/drawing/2014/main" id="{C61EE405-730E-F94F-9F48-E9F303BE33CE}"/>
-              </a:ext>
-            </a:extLst>
-          </p:cNvPr>
-          <p:cNvSpPr/>
-          <p:nvPr/>
-        </p:nvSpPr>
-        <p:spPr>
-          <a:xfrm>
-            <a:off x="6858083" y="4628057"/>
-            <a:ext cx="491839" cy="196065"/>
-          </a:xfrm>
-          <a:prstGeom prst="ellipse">
-            <a:avLst/>
-          </a:prstGeom>
-          <a:noFill/>
-          <a:ln w="38100">
-            <a:solidFill>
-              <a:srgbClr val="FF0000"/>
-            </a:solidFill>
-          </a:ln>
-        </p:spPr>
-        <p:style>
-          <a:lnRef idx="2">
-            <a:schemeClr val="accent1">
-              <a:shade val="50000"/>
-            </a:schemeClr>
-          </a:lnRef>
-          <a:fillRef idx="1">
-            <a:schemeClr val="accent1"/>
-          </a:fillRef>
-          <a:effectRef idx="0">
-            <a:schemeClr val="accent1"/>
-          </a:effectRef>
-          <a:fontRef idx="minor">
-            <a:schemeClr val="lt1"/>
-          </a:fontRef>
-        </p:style>
-        <p:txBody>
-          <a:bodyPr rtlCol="0" anchor="ctr"/>
-          <a:lstStyle/>
-          <a:p>
-            <a:pPr algn="ctr"/>
-            <a:endParaRPr lang="en-US"/>
-          </a:p>
-        </p:txBody>
-      </p:sp>
-      <p:sp>
-        <p:nvSpPr>
-          <p:cNvPr id="11" name="Right Arrow 10">
-            <a:extLst>
-              <a:ext uri="{FF2B5EF4-FFF2-40B4-BE49-F238E27FC236}">
-                <a16:creationId xmlns:a16="http://schemas.microsoft.com/office/drawing/2014/main" id="{F66190E0-2D2B-A24A-A580-23F4EECDD8E5}"/>
-              </a:ext>
-            </a:extLst>
-          </p:cNvPr>
-          <p:cNvSpPr/>
-          <p:nvPr/>
-        </p:nvSpPr>
-        <p:spPr>
-          <a:xfrm>
-            <a:off x="3973808" y="2975562"/>
-            <a:ext cx="658639" cy="396237"/>
-          </a:xfrm>
-          <a:prstGeom prst="rightArrow">
-            <a:avLst>
-              <a:gd name="adj1" fmla="val 50000"/>
-              <a:gd name="adj2" fmla="val 51999"/>
-            </a:avLst>
-          </a:prstGeom>
-        </p:spPr>
-        <p:style>
-          <a:lnRef idx="2">
-            <a:schemeClr val="dk1">
-              <a:shade val="50000"/>
-            </a:schemeClr>
-          </a:lnRef>
-          <a:fillRef idx="1">
-            <a:schemeClr val="dk1"/>
-          </a:fillRef>
-          <a:effectRef idx="0">
-            <a:schemeClr val="dk1"/>
-          </a:effectRef>
-          <a:fontRef idx="minor">
-            <a:schemeClr val="lt1"/>
-          </a:fontRef>
-        </p:style>
-        <p:txBody>
-          <a:bodyPr rtlCol="0" anchor="ctr"/>
-          <a:lstStyle/>
-          <a:p>
-            <a:pPr algn="ctr"/>
-            <a:endParaRPr lang="en-US"/>
-          </a:p>
-        </p:txBody>
-      </p:sp>
-      <p:pic>
-        <p:nvPicPr>
-          <p:cNvPr id="13" name="Picture 12">
-            <a:extLst>
-              <a:ext uri="{FF2B5EF4-FFF2-40B4-BE49-F238E27FC236}">
-                <a16:creationId xmlns:a16="http://schemas.microsoft.com/office/drawing/2014/main" id="{5185899F-58A6-E842-928B-1511119330F9}"/>
-              </a:ext>
-            </a:extLst>
-          </p:cNvPr>
-          <p:cNvPicPr>
-            <a:picLocks noChangeAspect="1"/>
-          </p:cNvPicPr>
-          <p:nvPr/>
-        </p:nvPicPr>
-        <p:blipFill>
-          <a:blip r:embed="rId7"/>
-          <a:stretch>
-            <a:fillRect/>
-          </a:stretch>
-        </p:blipFill>
-        <p:spPr>
-          <a:xfrm>
-            <a:off x="8970003" y="3094984"/>
-            <a:ext cx="2999389" cy="3139470"/>
-          </a:xfrm>
-          <a:prstGeom prst="rect">
-            <a:avLst/>
-          </a:prstGeom>
-        </p:spPr>
-      </p:pic>
     </p:spTree>
     <p:extLst>
       <p:ext uri="{BB962C8B-B14F-4D97-AF65-F5344CB8AC3E}">
-        <p14:creationId xmlns:p14="http://schemas.microsoft.com/office/powerpoint/2010/main" val="932434476"/>
+        <p14:creationId xmlns:p14="http://schemas.microsoft.com/office/powerpoint/2010/main" val="4238890938"/>
       </p:ext>
     </p:extLst>
   </p:cSld>
@@ -6328,55 +6169,380 @@
           <a:chExt cx="0" cy="0"/>
         </a:xfrm>
       </p:grpSpPr>
-      <p:sp>
-        <p:nvSpPr>
-          <p:cNvPr id="2" name="Title 1">
-            <a:extLst>
-              <a:ext uri="{FF2B5EF4-FFF2-40B4-BE49-F238E27FC236}">
-                <a16:creationId xmlns:a16="http://schemas.microsoft.com/office/drawing/2014/main" id="{7B93C5A9-B461-8249-971C-51CAA67084E3}"/>
-              </a:ext>
-            </a:extLst>
-          </p:cNvPr>
-          <p:cNvSpPr>
-            <a:spLocks noGrp="1"/>
-          </p:cNvSpPr>
-          <p:nvPr>
-            <p:ph type="title"/>
-          </p:nvPr>
-        </p:nvSpPr>
-        <p:spPr/>
-        <p:txBody>
-          <a:bodyPr/>
-          <a:lstStyle/>
-          <a:p>
+      <p:pic>
+        <p:nvPicPr>
+          <p:cNvPr id="2" name="Picture 1">
+            <a:extLst>
+              <a:ext uri="{FF2B5EF4-FFF2-40B4-BE49-F238E27FC236}">
+                <a16:creationId xmlns:a16="http://schemas.microsoft.com/office/drawing/2014/main" id="{077A0EBC-9BCD-3944-A8AD-2FACF7FAC1D0}"/>
+              </a:ext>
+            </a:extLst>
+          </p:cNvPr>
+          <p:cNvPicPr>
+            <a:picLocks noChangeAspect="1"/>
+          </p:cNvPicPr>
+          <p:nvPr/>
+        </p:nvPicPr>
+        <p:blipFill>
+          <a:blip r:embed="rId2"/>
+          <a:stretch>
+            <a:fillRect/>
+          </a:stretch>
+        </p:blipFill>
+        <p:spPr>
+          <a:xfrm>
+            <a:off x="1430070" y="1468029"/>
+            <a:ext cx="9331859" cy="4588164"/>
+          </a:xfrm>
+          <a:prstGeom prst="rect">
+            <a:avLst/>
+          </a:prstGeom>
+        </p:spPr>
+      </p:pic>
+      <p:sp>
+        <p:nvSpPr>
+          <p:cNvPr id="3" name="Oval 2">
+            <a:extLst>
+              <a:ext uri="{FF2B5EF4-FFF2-40B4-BE49-F238E27FC236}">
+                <a16:creationId xmlns:a16="http://schemas.microsoft.com/office/drawing/2014/main" id="{79A923D5-F0DA-454C-939D-75431BEA09DB}"/>
+              </a:ext>
+            </a:extLst>
+          </p:cNvPr>
+          <p:cNvSpPr/>
+          <p:nvPr/>
+        </p:nvSpPr>
+        <p:spPr>
+          <a:xfrm>
+            <a:off x="8350861" y="2710552"/>
+            <a:ext cx="1516708" cy="757231"/>
+          </a:xfrm>
+          <a:prstGeom prst="ellipse">
+            <a:avLst/>
+          </a:prstGeom>
+          <a:noFill/>
+          <a:ln w="38100">
+            <a:solidFill>
+              <a:srgbClr val="FF0000"/>
+            </a:solidFill>
+          </a:ln>
+        </p:spPr>
+        <p:style>
+          <a:lnRef idx="2">
+            <a:schemeClr val="accent1">
+              <a:shade val="50000"/>
+            </a:schemeClr>
+          </a:lnRef>
+          <a:fillRef idx="1">
+            <a:schemeClr val="accent1"/>
+          </a:fillRef>
+          <a:effectRef idx="0">
+            <a:schemeClr val="accent1"/>
+          </a:effectRef>
+          <a:fontRef idx="minor">
+            <a:schemeClr val="lt1"/>
+          </a:fontRef>
+        </p:style>
+        <p:txBody>
+          <a:bodyPr rtlCol="0" anchor="ctr"/>
+          <a:lstStyle/>
+          <a:p>
+            <a:pPr algn="ctr"/>
+            <a:endParaRPr lang="en-US"/>
+          </a:p>
+        </p:txBody>
+      </p:sp>
+      <p:sp>
+        <p:nvSpPr>
+          <p:cNvPr id="4" name="Oval 3">
+            <a:extLst>
+              <a:ext uri="{FF2B5EF4-FFF2-40B4-BE49-F238E27FC236}">
+                <a16:creationId xmlns:a16="http://schemas.microsoft.com/office/drawing/2014/main" id="{D2595D89-DDBF-534B-8E29-BBF42DEE6D51}"/>
+              </a:ext>
+            </a:extLst>
+          </p:cNvPr>
+          <p:cNvSpPr/>
+          <p:nvPr/>
+        </p:nvSpPr>
+        <p:spPr>
+          <a:xfrm>
+            <a:off x="7348998" y="3887345"/>
+            <a:ext cx="1516708" cy="818984"/>
+          </a:xfrm>
+          <a:prstGeom prst="ellipse">
+            <a:avLst/>
+          </a:prstGeom>
+          <a:noFill/>
+          <a:ln w="38100">
+            <a:solidFill>
+              <a:srgbClr val="FF0000"/>
+            </a:solidFill>
+          </a:ln>
+        </p:spPr>
+        <p:style>
+          <a:lnRef idx="2">
+            <a:schemeClr val="accent1">
+              <a:shade val="50000"/>
+            </a:schemeClr>
+          </a:lnRef>
+          <a:fillRef idx="1">
+            <a:schemeClr val="accent1"/>
+          </a:fillRef>
+          <a:effectRef idx="0">
+            <a:schemeClr val="accent1"/>
+          </a:effectRef>
+          <a:fontRef idx="minor">
+            <a:schemeClr val="lt1"/>
+          </a:fontRef>
+        </p:style>
+        <p:txBody>
+          <a:bodyPr rtlCol="0" anchor="ctr"/>
+          <a:lstStyle/>
+          <a:p>
+            <a:pPr algn="ctr"/>
+            <a:endParaRPr lang="en-US"/>
+          </a:p>
+        </p:txBody>
+      </p:sp>
+      <p:sp>
+        <p:nvSpPr>
+          <p:cNvPr id="5" name="Oval 4">
+            <a:extLst>
+              <a:ext uri="{FF2B5EF4-FFF2-40B4-BE49-F238E27FC236}">
+                <a16:creationId xmlns:a16="http://schemas.microsoft.com/office/drawing/2014/main" id="{CEE1D885-3C43-4B43-A8BA-5FF92207CBC2}"/>
+              </a:ext>
+            </a:extLst>
+          </p:cNvPr>
+          <p:cNvSpPr/>
+          <p:nvPr/>
+        </p:nvSpPr>
+        <p:spPr>
+          <a:xfrm>
+            <a:off x="5538193" y="3467783"/>
+            <a:ext cx="1516707" cy="757231"/>
+          </a:xfrm>
+          <a:prstGeom prst="ellipse">
+            <a:avLst/>
+          </a:prstGeom>
+          <a:noFill/>
+          <a:ln w="38100">
+            <a:solidFill>
+              <a:srgbClr val="FF0000"/>
+            </a:solidFill>
+          </a:ln>
+        </p:spPr>
+        <p:style>
+          <a:lnRef idx="2">
+            <a:schemeClr val="accent1">
+              <a:shade val="50000"/>
+            </a:schemeClr>
+          </a:lnRef>
+          <a:fillRef idx="1">
+            <a:schemeClr val="accent1"/>
+          </a:fillRef>
+          <a:effectRef idx="0">
+            <a:schemeClr val="accent1"/>
+          </a:effectRef>
+          <a:fontRef idx="minor">
+            <a:schemeClr val="lt1"/>
+          </a:fontRef>
+        </p:style>
+        <p:txBody>
+          <a:bodyPr rtlCol="0" anchor="ctr"/>
+          <a:lstStyle/>
+          <a:p>
+            <a:pPr algn="ctr"/>
+            <a:endParaRPr lang="en-US"/>
+          </a:p>
+        </p:txBody>
+      </p:sp>
+      <p:sp>
+        <p:nvSpPr>
+          <p:cNvPr id="6" name="Oval 5">
+            <a:extLst>
+              <a:ext uri="{FF2B5EF4-FFF2-40B4-BE49-F238E27FC236}">
+                <a16:creationId xmlns:a16="http://schemas.microsoft.com/office/drawing/2014/main" id="{88212993-2DEA-454C-A99B-915879D78CB0}"/>
+              </a:ext>
+            </a:extLst>
+          </p:cNvPr>
+          <p:cNvSpPr/>
+          <p:nvPr/>
+        </p:nvSpPr>
+        <p:spPr>
+          <a:xfrm>
+            <a:off x="8797460" y="4655833"/>
+            <a:ext cx="1516707" cy="757231"/>
+          </a:xfrm>
+          <a:prstGeom prst="ellipse">
+            <a:avLst/>
+          </a:prstGeom>
+          <a:noFill/>
+          <a:ln w="38100">
+            <a:solidFill>
+              <a:srgbClr val="FF0000"/>
+            </a:solidFill>
+          </a:ln>
+        </p:spPr>
+        <p:style>
+          <a:lnRef idx="2">
+            <a:schemeClr val="accent1">
+              <a:shade val="50000"/>
+            </a:schemeClr>
+          </a:lnRef>
+          <a:fillRef idx="1">
+            <a:schemeClr val="accent1"/>
+          </a:fillRef>
+          <a:effectRef idx="0">
+            <a:schemeClr val="accent1"/>
+          </a:effectRef>
+          <a:fontRef idx="minor">
+            <a:schemeClr val="lt1"/>
+          </a:fontRef>
+        </p:style>
+        <p:txBody>
+          <a:bodyPr rtlCol="0" anchor="ctr"/>
+          <a:lstStyle/>
+          <a:p>
+            <a:pPr algn="ctr"/>
+            <a:endParaRPr lang="en-US"/>
+          </a:p>
+        </p:txBody>
+      </p:sp>
+      <p:sp>
+        <p:nvSpPr>
+          <p:cNvPr id="7" name="TextBox 6">
+            <a:extLst>
+              <a:ext uri="{FF2B5EF4-FFF2-40B4-BE49-F238E27FC236}">
+                <a16:creationId xmlns:a16="http://schemas.microsoft.com/office/drawing/2014/main" id="{6BCA8592-3FEC-154C-896A-E04ED53DE285}"/>
+              </a:ext>
+            </a:extLst>
+          </p:cNvPr>
+          <p:cNvSpPr txBox="1"/>
+          <p:nvPr/>
+        </p:nvSpPr>
+        <p:spPr>
+          <a:xfrm>
+            <a:off x="1324975" y="396951"/>
+            <a:ext cx="9542047" cy="954107"/>
+          </a:xfrm>
+          <a:prstGeom prst="rect">
+            <a:avLst/>
+          </a:prstGeom>
+          <a:noFill/>
+        </p:spPr>
+        <p:txBody>
+          <a:bodyPr wrap="square" rtlCol="0">
+            <a:spAutoFit/>
+          </a:bodyPr>
+          <a:lstStyle/>
+          <a:p>
+            <a:pPr algn="ctr"/>
             <a:r>
-              <a:rPr lang="en-US" dirty="0"/>
-              <a:t>Repeat This Process To Create a Logical Dimension For OrderList and PlantConstraints</a:t>
+              <a:rPr lang="en-US" sz="2800" dirty="0"/>
+              <a:t>Join OrderList, PortCarrier, Dest_Port_Locations, Orig_Port_Locations, PlantProdCust, PlantLocations</a:t>
             </a:r>
           </a:p>
         </p:txBody>
       </p:sp>
       <p:sp>
         <p:nvSpPr>
-          <p:cNvPr id="3" name="Text Placeholder 2">
-            <a:extLst>
-              <a:ext uri="{FF2B5EF4-FFF2-40B4-BE49-F238E27FC236}">
-                <a16:creationId xmlns:a16="http://schemas.microsoft.com/office/drawing/2014/main" id="{5AA4B24E-FA36-204B-9905-B8619ADEAF7E}"/>
-              </a:ext>
-            </a:extLst>
-          </p:cNvPr>
-          <p:cNvSpPr>
-            <a:spLocks noGrp="1"/>
-          </p:cNvSpPr>
-          <p:nvPr>
-            <p:ph type="body" idx="1"/>
-          </p:nvPr>
-        </p:nvSpPr>
-        <p:spPr/>
-        <p:txBody>
-          <a:bodyPr/>
-          <a:lstStyle/>
-          <a:p>
+          <p:cNvPr id="8" name="Oval 7">
+            <a:extLst>
+              <a:ext uri="{FF2B5EF4-FFF2-40B4-BE49-F238E27FC236}">
+                <a16:creationId xmlns:a16="http://schemas.microsoft.com/office/drawing/2014/main" id="{83A84599-64B3-0C4A-94E9-977BC82F77C0}"/>
+              </a:ext>
+            </a:extLst>
+          </p:cNvPr>
+          <p:cNvSpPr/>
+          <p:nvPr/>
+        </p:nvSpPr>
+        <p:spPr>
+          <a:xfrm>
+            <a:off x="3841140" y="3010014"/>
+            <a:ext cx="1516707" cy="757231"/>
+          </a:xfrm>
+          <a:prstGeom prst="ellipse">
+            <a:avLst/>
+          </a:prstGeom>
+          <a:noFill/>
+          <a:ln w="38100">
+            <a:solidFill>
+              <a:srgbClr val="FF0000"/>
+            </a:solidFill>
+          </a:ln>
+        </p:spPr>
+        <p:style>
+          <a:lnRef idx="2">
+            <a:schemeClr val="accent1">
+              <a:shade val="50000"/>
+            </a:schemeClr>
+          </a:lnRef>
+          <a:fillRef idx="1">
+            <a:schemeClr val="accent1"/>
+          </a:fillRef>
+          <a:effectRef idx="0">
+            <a:schemeClr val="accent1"/>
+          </a:effectRef>
+          <a:fontRef idx="minor">
+            <a:schemeClr val="lt1"/>
+          </a:fontRef>
+        </p:style>
+        <p:txBody>
+          <a:bodyPr rtlCol="0" anchor="ctr"/>
+          <a:lstStyle/>
+          <a:p>
+            <a:pPr algn="ctr"/>
+            <a:endParaRPr lang="en-US"/>
+          </a:p>
+        </p:txBody>
+      </p:sp>
+      <p:sp>
+        <p:nvSpPr>
+          <p:cNvPr id="9" name="Oval 8">
+            <a:extLst>
+              <a:ext uri="{FF2B5EF4-FFF2-40B4-BE49-F238E27FC236}">
+                <a16:creationId xmlns:a16="http://schemas.microsoft.com/office/drawing/2014/main" id="{1A698E47-E28B-DD4F-9A8A-4ACD25B60F12}"/>
+              </a:ext>
+            </a:extLst>
+          </p:cNvPr>
+          <p:cNvSpPr/>
+          <p:nvPr/>
+        </p:nvSpPr>
+        <p:spPr>
+          <a:xfrm>
+            <a:off x="3007236" y="1650169"/>
+            <a:ext cx="1516708" cy="757231"/>
+          </a:xfrm>
+          <a:prstGeom prst="ellipse">
+            <a:avLst/>
+          </a:prstGeom>
+          <a:noFill/>
+          <a:ln w="38100">
+            <a:solidFill>
+              <a:srgbClr val="FF0000"/>
+            </a:solidFill>
+          </a:ln>
+        </p:spPr>
+        <p:style>
+          <a:lnRef idx="2">
+            <a:schemeClr val="accent1">
+              <a:shade val="50000"/>
+            </a:schemeClr>
+          </a:lnRef>
+          <a:fillRef idx="1">
+            <a:schemeClr val="accent1"/>
+          </a:fillRef>
+          <a:effectRef idx="0">
+            <a:schemeClr val="accent1"/>
+          </a:effectRef>
+          <a:fontRef idx="minor">
+            <a:schemeClr val="lt1"/>
+          </a:fontRef>
+        </p:style>
+        <p:txBody>
+          <a:bodyPr rtlCol="0" anchor="ctr"/>
+          <a:lstStyle/>
+          <a:p>
+            <a:pPr algn="ctr"/>
             <a:endParaRPr lang="en-US"/>
           </a:p>
         </p:txBody>
@@ -6384,7 +6550,7 @@
     </p:spTree>
     <p:extLst>
       <p:ext uri="{BB962C8B-B14F-4D97-AF65-F5344CB8AC3E}">
-        <p14:creationId xmlns:p14="http://schemas.microsoft.com/office/powerpoint/2010/main" val="4238890938"/>
+        <p14:creationId xmlns:p14="http://schemas.microsoft.com/office/powerpoint/2010/main" val="2461611899"/>
       </p:ext>
     </p:extLst>
   </p:cSld>
@@ -6443,10 +6609,10 @@
       </p:pic>
       <p:sp>
         <p:nvSpPr>
-          <p:cNvPr id="3" name="Oval 2">
-            <a:extLst>
-              <a:ext uri="{FF2B5EF4-FFF2-40B4-BE49-F238E27FC236}">
-                <a16:creationId xmlns:a16="http://schemas.microsoft.com/office/drawing/2014/main" id="{79A923D5-F0DA-454C-939D-75431BEA09DB}"/>
+          <p:cNvPr id="4" name="Oval 3">
+            <a:extLst>
+              <a:ext uri="{FF2B5EF4-FFF2-40B4-BE49-F238E27FC236}">
+                <a16:creationId xmlns:a16="http://schemas.microsoft.com/office/drawing/2014/main" id="{D2595D89-DDBF-534B-8E29-BBF42DEE6D51}"/>
               </a:ext>
             </a:extLst>
           </p:cNvPr>
@@ -6455,8 +6621,8 @@
         </p:nvSpPr>
         <p:spPr>
           <a:xfrm>
-            <a:off x="8350861" y="2710552"/>
-            <a:ext cx="1516708" cy="757231"/>
+            <a:off x="1877833" y="5207831"/>
+            <a:ext cx="1516708" cy="818984"/>
           </a:xfrm>
           <a:prstGeom prst="ellipse">
             <a:avLst/>
@@ -6495,10 +6661,10 @@
       </p:sp>
       <p:sp>
         <p:nvSpPr>
-          <p:cNvPr id="4" name="Oval 3">
-            <a:extLst>
-              <a:ext uri="{FF2B5EF4-FFF2-40B4-BE49-F238E27FC236}">
-                <a16:creationId xmlns:a16="http://schemas.microsoft.com/office/drawing/2014/main" id="{D2595D89-DDBF-534B-8E29-BBF42DEE6D51}"/>
+          <p:cNvPr id="5" name="Oval 4">
+            <a:extLst>
+              <a:ext uri="{FF2B5EF4-FFF2-40B4-BE49-F238E27FC236}">
+                <a16:creationId xmlns:a16="http://schemas.microsoft.com/office/drawing/2014/main" id="{CEE1D885-3C43-4B43-A8BA-5FF92207CBC2}"/>
               </a:ext>
             </a:extLst>
           </p:cNvPr>
@@ -6507,8 +6673,8 @@
         </p:nvSpPr>
         <p:spPr>
           <a:xfrm>
-            <a:off x="7348998" y="3887345"/>
-            <a:ext cx="1516708" cy="818984"/>
+            <a:off x="3326296" y="4551999"/>
+            <a:ext cx="1516707" cy="757231"/>
           </a:xfrm>
           <a:prstGeom prst="ellipse">
             <a:avLst/>
@@ -6547,10 +6713,46 @@
       </p:sp>
       <p:sp>
         <p:nvSpPr>
-          <p:cNvPr id="5" name="Oval 4">
-            <a:extLst>
-              <a:ext uri="{FF2B5EF4-FFF2-40B4-BE49-F238E27FC236}">
-                <a16:creationId xmlns:a16="http://schemas.microsoft.com/office/drawing/2014/main" id="{CEE1D885-3C43-4B43-A8BA-5FF92207CBC2}"/>
+          <p:cNvPr id="7" name="TextBox 6">
+            <a:extLst>
+              <a:ext uri="{FF2B5EF4-FFF2-40B4-BE49-F238E27FC236}">
+                <a16:creationId xmlns:a16="http://schemas.microsoft.com/office/drawing/2014/main" id="{6BCA8592-3FEC-154C-896A-E04ED53DE285}"/>
+              </a:ext>
+            </a:extLst>
+          </p:cNvPr>
+          <p:cNvSpPr txBox="1"/>
+          <p:nvPr/>
+        </p:nvSpPr>
+        <p:spPr>
+          <a:xfrm>
+            <a:off x="752322" y="814042"/>
+            <a:ext cx="10687353" cy="523220"/>
+          </a:xfrm>
+          <a:prstGeom prst="rect">
+            <a:avLst/>
+          </a:prstGeom>
+          <a:noFill/>
+        </p:spPr>
+        <p:txBody>
+          <a:bodyPr wrap="square" rtlCol="0">
+            <a:spAutoFit/>
+          </a:bodyPr>
+          <a:lstStyle/>
+          <a:p>
+            <a:pPr algn="ctr"/>
+            <a:r>
+              <a:rPr lang="en-US" sz="2800" dirty="0"/>
+              <a:t>Join PlantConstraints, Port_Locations, PlantProdCust, Plant_Locations</a:t>
+            </a:r>
+          </a:p>
+        </p:txBody>
+      </p:sp>
+      <p:sp>
+        <p:nvSpPr>
+          <p:cNvPr id="8" name="Oval 7">
+            <a:extLst>
+              <a:ext uri="{FF2B5EF4-FFF2-40B4-BE49-F238E27FC236}">
+                <a16:creationId xmlns:a16="http://schemas.microsoft.com/office/drawing/2014/main" id="{83A84599-64B3-0C4A-94E9-977BC82F77C0}"/>
               </a:ext>
             </a:extLst>
           </p:cNvPr>
@@ -6559,7 +6761,7 @@
         </p:nvSpPr>
         <p:spPr>
           <a:xfrm>
-            <a:off x="5538193" y="3467783"/>
+            <a:off x="3841140" y="3010014"/>
             <a:ext cx="1516707" cy="757231"/>
           </a:xfrm>
           <a:prstGeom prst="ellipse">
@@ -6599,10 +6801,10 @@
       </p:sp>
       <p:sp>
         <p:nvSpPr>
-          <p:cNvPr id="6" name="Oval 5">
-            <a:extLst>
-              <a:ext uri="{FF2B5EF4-FFF2-40B4-BE49-F238E27FC236}">
-                <a16:creationId xmlns:a16="http://schemas.microsoft.com/office/drawing/2014/main" id="{88212993-2DEA-454C-A99B-915879D78CB0}"/>
+          <p:cNvPr id="9" name="Oval 8">
+            <a:extLst>
+              <a:ext uri="{FF2B5EF4-FFF2-40B4-BE49-F238E27FC236}">
+                <a16:creationId xmlns:a16="http://schemas.microsoft.com/office/drawing/2014/main" id="{1A698E47-E28B-DD4F-9A8A-4ACD25B60F12}"/>
               </a:ext>
             </a:extLst>
           </p:cNvPr>
@@ -6611,8 +6813,8 @@
         </p:nvSpPr>
         <p:spPr>
           <a:xfrm>
-            <a:off x="8797460" y="4655833"/>
-            <a:ext cx="1516707" cy="757231"/>
+            <a:off x="3007236" y="1650169"/>
+            <a:ext cx="1516708" cy="757231"/>
           </a:xfrm>
           <a:prstGeom prst="ellipse">
             <a:avLst/>
@@ -6649,150 +6851,10 @@
           </a:p>
         </p:txBody>
       </p:sp>
-      <p:sp>
-        <p:nvSpPr>
-          <p:cNvPr id="7" name="TextBox 6">
-            <a:extLst>
-              <a:ext uri="{FF2B5EF4-FFF2-40B4-BE49-F238E27FC236}">
-                <a16:creationId xmlns:a16="http://schemas.microsoft.com/office/drawing/2014/main" id="{6BCA8592-3FEC-154C-896A-E04ED53DE285}"/>
-              </a:ext>
-            </a:extLst>
-          </p:cNvPr>
-          <p:cNvSpPr txBox="1"/>
-          <p:nvPr/>
-        </p:nvSpPr>
-        <p:spPr>
-          <a:xfrm>
-            <a:off x="1324975" y="396951"/>
-            <a:ext cx="9542047" cy="954107"/>
-          </a:xfrm>
-          <a:prstGeom prst="rect">
-            <a:avLst/>
-          </a:prstGeom>
-          <a:noFill/>
-        </p:spPr>
-        <p:txBody>
-          <a:bodyPr wrap="square" rtlCol="0">
-            <a:spAutoFit/>
-          </a:bodyPr>
-          <a:lstStyle/>
-          <a:p>
-            <a:pPr algn="ctr"/>
-            <a:r>
-              <a:rPr lang="en-US" sz="2800" dirty="0"/>
-              <a:t>Join OrderList, PortCarrier, Dest_Port_Locations, Orig_Port_Locations, PlantProdCust, PlantLocations</a:t>
-            </a:r>
-          </a:p>
-        </p:txBody>
-      </p:sp>
-      <p:sp>
-        <p:nvSpPr>
-          <p:cNvPr id="8" name="Oval 7">
-            <a:extLst>
-              <a:ext uri="{FF2B5EF4-FFF2-40B4-BE49-F238E27FC236}">
-                <a16:creationId xmlns:a16="http://schemas.microsoft.com/office/drawing/2014/main" id="{83A84599-64B3-0C4A-94E9-977BC82F77C0}"/>
-              </a:ext>
-            </a:extLst>
-          </p:cNvPr>
-          <p:cNvSpPr/>
-          <p:nvPr/>
-        </p:nvSpPr>
-        <p:spPr>
-          <a:xfrm>
-            <a:off x="3841140" y="3010014"/>
-            <a:ext cx="1516707" cy="757231"/>
-          </a:xfrm>
-          <a:prstGeom prst="ellipse">
-            <a:avLst/>
-          </a:prstGeom>
-          <a:noFill/>
-          <a:ln w="38100">
-            <a:solidFill>
-              <a:srgbClr val="FF0000"/>
-            </a:solidFill>
-          </a:ln>
-        </p:spPr>
-        <p:style>
-          <a:lnRef idx="2">
-            <a:schemeClr val="accent1">
-              <a:shade val="50000"/>
-            </a:schemeClr>
-          </a:lnRef>
-          <a:fillRef idx="1">
-            <a:schemeClr val="accent1"/>
-          </a:fillRef>
-          <a:effectRef idx="0">
-            <a:schemeClr val="accent1"/>
-          </a:effectRef>
-          <a:fontRef idx="minor">
-            <a:schemeClr val="lt1"/>
-          </a:fontRef>
-        </p:style>
-        <p:txBody>
-          <a:bodyPr rtlCol="0" anchor="ctr"/>
-          <a:lstStyle/>
-          <a:p>
-            <a:pPr algn="ctr"/>
-            <a:endParaRPr lang="en-US"/>
-          </a:p>
-        </p:txBody>
-      </p:sp>
-      <p:sp>
-        <p:nvSpPr>
-          <p:cNvPr id="9" name="Oval 8">
-            <a:extLst>
-              <a:ext uri="{FF2B5EF4-FFF2-40B4-BE49-F238E27FC236}">
-                <a16:creationId xmlns:a16="http://schemas.microsoft.com/office/drawing/2014/main" id="{1A698E47-E28B-DD4F-9A8A-4ACD25B60F12}"/>
-              </a:ext>
-            </a:extLst>
-          </p:cNvPr>
-          <p:cNvSpPr/>
-          <p:nvPr/>
-        </p:nvSpPr>
-        <p:spPr>
-          <a:xfrm>
-            <a:off x="3007236" y="1650169"/>
-            <a:ext cx="1516708" cy="757231"/>
-          </a:xfrm>
-          <a:prstGeom prst="ellipse">
-            <a:avLst/>
-          </a:prstGeom>
-          <a:noFill/>
-          <a:ln w="38100">
-            <a:solidFill>
-              <a:srgbClr val="FF0000"/>
-            </a:solidFill>
-          </a:ln>
-        </p:spPr>
-        <p:style>
-          <a:lnRef idx="2">
-            <a:schemeClr val="accent1">
-              <a:shade val="50000"/>
-            </a:schemeClr>
-          </a:lnRef>
-          <a:fillRef idx="1">
-            <a:schemeClr val="accent1"/>
-          </a:fillRef>
-          <a:effectRef idx="0">
-            <a:schemeClr val="accent1"/>
-          </a:effectRef>
-          <a:fontRef idx="minor">
-            <a:schemeClr val="lt1"/>
-          </a:fontRef>
-        </p:style>
-        <p:txBody>
-          <a:bodyPr rtlCol="0" anchor="ctr"/>
-          <a:lstStyle/>
-          <a:p>
-            <a:pPr algn="ctr"/>
-            <a:endParaRPr lang="en-US"/>
-          </a:p>
-        </p:txBody>
-      </p:sp>
     </p:spTree>
     <p:extLst>
       <p:ext uri="{BB962C8B-B14F-4D97-AF65-F5344CB8AC3E}">
-        <p14:creationId xmlns:p14="http://schemas.microsoft.com/office/powerpoint/2010/main" val="2461611899"/>
+        <p14:creationId xmlns:p14="http://schemas.microsoft.com/office/powerpoint/2010/main" val="1651035190"/>
       </p:ext>
     </p:extLst>
   </p:cSld>
@@ -6819,276 +6881,55 @@
           <a:chExt cx="0" cy="0"/>
         </a:xfrm>
       </p:grpSpPr>
-      <p:pic>
-        <p:nvPicPr>
-          <p:cNvPr id="2" name="Picture 1">
-            <a:extLst>
-              <a:ext uri="{FF2B5EF4-FFF2-40B4-BE49-F238E27FC236}">
-                <a16:creationId xmlns:a16="http://schemas.microsoft.com/office/drawing/2014/main" id="{077A0EBC-9BCD-3944-A8AD-2FACF7FAC1D0}"/>
-              </a:ext>
-            </a:extLst>
-          </p:cNvPr>
-          <p:cNvPicPr>
-            <a:picLocks noChangeAspect="1"/>
-          </p:cNvPicPr>
-          <p:nvPr/>
-        </p:nvPicPr>
-        <p:blipFill>
-          <a:blip r:embed="rId2"/>
-          <a:stretch>
-            <a:fillRect/>
-          </a:stretch>
-        </p:blipFill>
-        <p:spPr>
-          <a:xfrm>
-            <a:off x="1430070" y="1468029"/>
-            <a:ext cx="9331859" cy="4588164"/>
-          </a:xfrm>
-          <a:prstGeom prst="rect">
-            <a:avLst/>
-          </a:prstGeom>
-        </p:spPr>
-      </p:pic>
-      <p:sp>
-        <p:nvSpPr>
-          <p:cNvPr id="4" name="Oval 3">
-            <a:extLst>
-              <a:ext uri="{FF2B5EF4-FFF2-40B4-BE49-F238E27FC236}">
-                <a16:creationId xmlns:a16="http://schemas.microsoft.com/office/drawing/2014/main" id="{D2595D89-DDBF-534B-8E29-BBF42DEE6D51}"/>
-              </a:ext>
-            </a:extLst>
-          </p:cNvPr>
-          <p:cNvSpPr/>
-          <p:nvPr/>
-        </p:nvSpPr>
-        <p:spPr>
-          <a:xfrm>
-            <a:off x="1877833" y="5207831"/>
-            <a:ext cx="1516708" cy="818984"/>
-          </a:xfrm>
-          <a:prstGeom prst="ellipse">
-            <a:avLst/>
-          </a:prstGeom>
-          <a:noFill/>
-          <a:ln w="38100">
-            <a:solidFill>
-              <a:srgbClr val="FF0000"/>
-            </a:solidFill>
-          </a:ln>
-        </p:spPr>
-        <p:style>
-          <a:lnRef idx="2">
-            <a:schemeClr val="accent1">
-              <a:shade val="50000"/>
-            </a:schemeClr>
-          </a:lnRef>
-          <a:fillRef idx="1">
-            <a:schemeClr val="accent1"/>
-          </a:fillRef>
-          <a:effectRef idx="0">
-            <a:schemeClr val="accent1"/>
-          </a:effectRef>
-          <a:fontRef idx="minor">
-            <a:schemeClr val="lt1"/>
-          </a:fontRef>
-        </p:style>
-        <p:txBody>
-          <a:bodyPr rtlCol="0" anchor="ctr"/>
-          <a:lstStyle/>
-          <a:p>
-            <a:pPr algn="ctr"/>
-            <a:endParaRPr lang="en-US"/>
-          </a:p>
-        </p:txBody>
-      </p:sp>
-      <p:sp>
-        <p:nvSpPr>
-          <p:cNvPr id="5" name="Oval 4">
-            <a:extLst>
-              <a:ext uri="{FF2B5EF4-FFF2-40B4-BE49-F238E27FC236}">
-                <a16:creationId xmlns:a16="http://schemas.microsoft.com/office/drawing/2014/main" id="{CEE1D885-3C43-4B43-A8BA-5FF92207CBC2}"/>
-              </a:ext>
-            </a:extLst>
-          </p:cNvPr>
-          <p:cNvSpPr/>
-          <p:nvPr/>
-        </p:nvSpPr>
-        <p:spPr>
-          <a:xfrm>
-            <a:off x="3326296" y="4551999"/>
-            <a:ext cx="1516707" cy="757231"/>
-          </a:xfrm>
-          <a:prstGeom prst="ellipse">
-            <a:avLst/>
-          </a:prstGeom>
-          <a:noFill/>
-          <a:ln w="38100">
-            <a:solidFill>
-              <a:srgbClr val="FF0000"/>
-            </a:solidFill>
-          </a:ln>
-        </p:spPr>
-        <p:style>
-          <a:lnRef idx="2">
-            <a:schemeClr val="accent1">
-              <a:shade val="50000"/>
-            </a:schemeClr>
-          </a:lnRef>
-          <a:fillRef idx="1">
-            <a:schemeClr val="accent1"/>
-          </a:fillRef>
-          <a:effectRef idx="0">
-            <a:schemeClr val="accent1"/>
-          </a:effectRef>
-          <a:fontRef idx="minor">
-            <a:schemeClr val="lt1"/>
-          </a:fontRef>
-        </p:style>
-        <p:txBody>
-          <a:bodyPr rtlCol="0" anchor="ctr"/>
-          <a:lstStyle/>
-          <a:p>
-            <a:pPr algn="ctr"/>
-            <a:endParaRPr lang="en-US"/>
-          </a:p>
-        </p:txBody>
-      </p:sp>
-      <p:sp>
-        <p:nvSpPr>
-          <p:cNvPr id="7" name="TextBox 6">
-            <a:extLst>
-              <a:ext uri="{FF2B5EF4-FFF2-40B4-BE49-F238E27FC236}">
-                <a16:creationId xmlns:a16="http://schemas.microsoft.com/office/drawing/2014/main" id="{6BCA8592-3FEC-154C-896A-E04ED53DE285}"/>
-              </a:ext>
-            </a:extLst>
-          </p:cNvPr>
-          <p:cNvSpPr txBox="1"/>
-          <p:nvPr/>
-        </p:nvSpPr>
-        <p:spPr>
-          <a:xfrm>
-            <a:off x="752322" y="814042"/>
-            <a:ext cx="10687353" cy="523220"/>
-          </a:xfrm>
-          <a:prstGeom prst="rect">
-            <a:avLst/>
-          </a:prstGeom>
-          <a:noFill/>
-        </p:spPr>
-        <p:txBody>
-          <a:bodyPr wrap="square" rtlCol="0">
-            <a:spAutoFit/>
-          </a:bodyPr>
-          <a:lstStyle/>
-          <a:p>
-            <a:pPr algn="ctr"/>
+      <p:sp>
+        <p:nvSpPr>
+          <p:cNvPr id="2" name="Title 1">
+            <a:extLst>
+              <a:ext uri="{FF2B5EF4-FFF2-40B4-BE49-F238E27FC236}">
+                <a16:creationId xmlns:a16="http://schemas.microsoft.com/office/drawing/2014/main" id="{346615CB-E165-3844-B2A9-9D314A11BD05}"/>
+              </a:ext>
+            </a:extLst>
+          </p:cNvPr>
+          <p:cNvSpPr>
+            <a:spLocks noGrp="1"/>
+          </p:cNvSpPr>
+          <p:nvPr>
+            <p:ph type="title"/>
+          </p:nvPr>
+        </p:nvSpPr>
+        <p:spPr/>
+        <p:txBody>
+          <a:bodyPr/>
+          <a:lstStyle/>
+          <a:p>
             <a:r>
-              <a:rPr lang="en-US" sz="2800" dirty="0"/>
-              <a:t>Join PlantConstraints, Port_Locations, PlantProdCust, Plant_Locations</a:t>
+              <a:rPr lang="en-US" dirty="0"/>
+              <a:t>Final Mapping</a:t>
             </a:r>
           </a:p>
         </p:txBody>
       </p:sp>
       <p:sp>
         <p:nvSpPr>
-          <p:cNvPr id="8" name="Oval 7">
-            <a:extLst>
-              <a:ext uri="{FF2B5EF4-FFF2-40B4-BE49-F238E27FC236}">
-                <a16:creationId xmlns:a16="http://schemas.microsoft.com/office/drawing/2014/main" id="{83A84599-64B3-0C4A-94E9-977BC82F77C0}"/>
-              </a:ext>
-            </a:extLst>
-          </p:cNvPr>
-          <p:cNvSpPr/>
-          <p:nvPr/>
-        </p:nvSpPr>
-        <p:spPr>
-          <a:xfrm>
-            <a:off x="3841140" y="3010014"/>
-            <a:ext cx="1516707" cy="757231"/>
-          </a:xfrm>
-          <a:prstGeom prst="ellipse">
-            <a:avLst/>
-          </a:prstGeom>
-          <a:noFill/>
-          <a:ln w="38100">
-            <a:solidFill>
-              <a:srgbClr val="FF0000"/>
-            </a:solidFill>
-          </a:ln>
-        </p:spPr>
-        <p:style>
-          <a:lnRef idx="2">
-            <a:schemeClr val="accent1">
-              <a:shade val="50000"/>
-            </a:schemeClr>
-          </a:lnRef>
-          <a:fillRef idx="1">
-            <a:schemeClr val="accent1"/>
-          </a:fillRef>
-          <a:effectRef idx="0">
-            <a:schemeClr val="accent1"/>
-          </a:effectRef>
-          <a:fontRef idx="minor">
-            <a:schemeClr val="lt1"/>
-          </a:fontRef>
-        </p:style>
-        <p:txBody>
-          <a:bodyPr rtlCol="0" anchor="ctr"/>
-          <a:lstStyle/>
-          <a:p>
-            <a:pPr algn="ctr"/>
-            <a:endParaRPr lang="en-US"/>
-          </a:p>
-        </p:txBody>
-      </p:sp>
-      <p:sp>
-        <p:nvSpPr>
-          <p:cNvPr id="9" name="Oval 8">
-            <a:extLst>
-              <a:ext uri="{FF2B5EF4-FFF2-40B4-BE49-F238E27FC236}">
-                <a16:creationId xmlns:a16="http://schemas.microsoft.com/office/drawing/2014/main" id="{1A698E47-E28B-DD4F-9A8A-4ACD25B60F12}"/>
-              </a:ext>
-            </a:extLst>
-          </p:cNvPr>
-          <p:cNvSpPr/>
-          <p:nvPr/>
-        </p:nvSpPr>
-        <p:spPr>
-          <a:xfrm>
-            <a:off x="3007236" y="1650169"/>
-            <a:ext cx="1516708" cy="757231"/>
-          </a:xfrm>
-          <a:prstGeom prst="ellipse">
-            <a:avLst/>
-          </a:prstGeom>
-          <a:noFill/>
-          <a:ln w="38100">
-            <a:solidFill>
-              <a:srgbClr val="FF0000"/>
-            </a:solidFill>
-          </a:ln>
-        </p:spPr>
-        <p:style>
-          <a:lnRef idx="2">
-            <a:schemeClr val="accent1">
-              <a:shade val="50000"/>
-            </a:schemeClr>
-          </a:lnRef>
-          <a:fillRef idx="1">
-            <a:schemeClr val="accent1"/>
-          </a:fillRef>
-          <a:effectRef idx="0">
-            <a:schemeClr val="accent1"/>
-          </a:effectRef>
-          <a:fontRef idx="minor">
-            <a:schemeClr val="lt1"/>
-          </a:fontRef>
-        </p:style>
-        <p:txBody>
-          <a:bodyPr rtlCol="0" anchor="ctr"/>
-          <a:lstStyle/>
-          <a:p>
-            <a:pPr algn="ctr"/>
+          <p:cNvPr id="3" name="Text Placeholder 2">
+            <a:extLst>
+              <a:ext uri="{FF2B5EF4-FFF2-40B4-BE49-F238E27FC236}">
+                <a16:creationId xmlns:a16="http://schemas.microsoft.com/office/drawing/2014/main" id="{E531A0D6-5DE2-354B-9683-6126C1764563}"/>
+              </a:ext>
+            </a:extLst>
+          </p:cNvPr>
+          <p:cNvSpPr>
+            <a:spLocks noGrp="1"/>
+          </p:cNvSpPr>
+          <p:nvPr>
+            <p:ph type="body" idx="1"/>
+          </p:nvPr>
+        </p:nvSpPr>
+        <p:spPr/>
+        <p:txBody>
+          <a:bodyPr/>
+          <a:lstStyle/>
+          <a:p>
             <a:endParaRPr lang="en-US"/>
           </a:p>
         </p:txBody>
@@ -7096,7 +6937,7 @@
     </p:spTree>
     <p:extLst>
       <p:ext uri="{BB962C8B-B14F-4D97-AF65-F5344CB8AC3E}">
-        <p14:creationId xmlns:p14="http://schemas.microsoft.com/office/powerpoint/2010/main" val="1651035190"/>
+        <p14:creationId xmlns:p14="http://schemas.microsoft.com/office/powerpoint/2010/main" val="1250701616"/>
       </p:ext>
     </p:extLst>
   </p:cSld>
@@ -7123,63 +6964,40 @@
           <a:chExt cx="0" cy="0"/>
         </a:xfrm>
       </p:grpSpPr>
-      <p:sp>
-        <p:nvSpPr>
-          <p:cNvPr id="2" name="Title 1">
-            <a:extLst>
-              <a:ext uri="{FF2B5EF4-FFF2-40B4-BE49-F238E27FC236}">
-                <a16:creationId xmlns:a16="http://schemas.microsoft.com/office/drawing/2014/main" id="{346615CB-E165-3844-B2A9-9D314A11BD05}"/>
-              </a:ext>
-            </a:extLst>
-          </p:cNvPr>
-          <p:cNvSpPr>
-            <a:spLocks noGrp="1"/>
-          </p:cNvSpPr>
-          <p:nvPr>
-            <p:ph type="title"/>
-          </p:nvPr>
-        </p:nvSpPr>
-        <p:spPr/>
-        <p:txBody>
-          <a:bodyPr/>
-          <a:lstStyle/>
-          <a:p>
-            <a:r>
-              <a:rPr lang="en-US" dirty="0"/>
-              <a:t>Final Mapping</a:t>
-            </a:r>
-          </a:p>
-        </p:txBody>
-      </p:sp>
-      <p:sp>
-        <p:nvSpPr>
-          <p:cNvPr id="3" name="Text Placeholder 2">
-            <a:extLst>
-              <a:ext uri="{FF2B5EF4-FFF2-40B4-BE49-F238E27FC236}">
-                <a16:creationId xmlns:a16="http://schemas.microsoft.com/office/drawing/2014/main" id="{E531A0D6-5DE2-354B-9683-6126C1764563}"/>
-              </a:ext>
-            </a:extLst>
-          </p:cNvPr>
-          <p:cNvSpPr>
-            <a:spLocks noGrp="1"/>
-          </p:cNvSpPr>
-          <p:nvPr>
-            <p:ph type="body" idx="1"/>
-          </p:nvPr>
-        </p:nvSpPr>
-        <p:spPr/>
-        <p:txBody>
-          <a:bodyPr/>
-          <a:lstStyle/>
-          <a:p>
-            <a:endParaRPr lang="en-US"/>
-          </a:p>
-        </p:txBody>
-      </p:sp>
+      <p:pic>
+        <p:nvPicPr>
+          <p:cNvPr id="2" name="Picture 1">
+            <a:extLst>
+              <a:ext uri="{FF2B5EF4-FFF2-40B4-BE49-F238E27FC236}">
+                <a16:creationId xmlns:a16="http://schemas.microsoft.com/office/drawing/2014/main" id="{6D6C1ED1-0047-2847-B2DA-0F1049EBD392}"/>
+              </a:ext>
+            </a:extLst>
+          </p:cNvPr>
+          <p:cNvPicPr>
+            <a:picLocks noChangeAspect="1"/>
+          </p:cNvPicPr>
+          <p:nvPr/>
+        </p:nvPicPr>
+        <p:blipFill>
+          <a:blip r:embed="rId2"/>
+          <a:stretch>
+            <a:fillRect/>
+          </a:stretch>
+        </p:blipFill>
+        <p:spPr>
+          <a:xfrm>
+            <a:off x="2098775" y="815741"/>
+            <a:ext cx="8483973" cy="5226517"/>
+          </a:xfrm>
+          <a:prstGeom prst="rect">
+            <a:avLst/>
+          </a:prstGeom>
+        </p:spPr>
+      </p:pic>
     </p:spTree>
     <p:extLst>
       <p:ext uri="{BB962C8B-B14F-4D97-AF65-F5344CB8AC3E}">
-        <p14:creationId xmlns:p14="http://schemas.microsoft.com/office/powerpoint/2010/main" val="1250701616"/>
+        <p14:creationId xmlns:p14="http://schemas.microsoft.com/office/powerpoint/2010/main" val="4222267487"/>
       </p:ext>
     </p:extLst>
   </p:cSld>
@@ -7206,12 +7024,98 @@
           <a:chExt cx="0" cy="0"/>
         </a:xfrm>
       </p:grpSpPr>
+      <p:sp>
+        <p:nvSpPr>
+          <p:cNvPr id="2" name="Title 1">
+            <a:extLst>
+              <a:ext uri="{FF2B5EF4-FFF2-40B4-BE49-F238E27FC236}">
+                <a16:creationId xmlns:a16="http://schemas.microsoft.com/office/drawing/2014/main" id="{3E344C75-77EA-9844-AA01-768FCF94EFF2}"/>
+              </a:ext>
+            </a:extLst>
+          </p:cNvPr>
+          <p:cNvSpPr>
+            <a:spLocks noGrp="1"/>
+          </p:cNvSpPr>
+          <p:nvPr>
+            <p:ph type="title"/>
+          </p:nvPr>
+        </p:nvSpPr>
+        <p:spPr/>
+        <p:txBody>
+          <a:bodyPr/>
+          <a:lstStyle/>
+          <a:p>
+            <a:r>
+              <a:rPr lang="en-US" dirty="0"/>
+              <a:t>Added Date_ID and Customer_Name to Fact Table, Created New Dimensions</a:t>
+            </a:r>
+          </a:p>
+        </p:txBody>
+      </p:sp>
+      <p:sp>
+        <p:nvSpPr>
+          <p:cNvPr id="3" name="Text Placeholder 2">
+            <a:extLst>
+              <a:ext uri="{FF2B5EF4-FFF2-40B4-BE49-F238E27FC236}">
+                <a16:creationId xmlns:a16="http://schemas.microsoft.com/office/drawing/2014/main" id="{432A72E8-01A1-E64A-A3F1-D9D18E77E98C}"/>
+              </a:ext>
+            </a:extLst>
+          </p:cNvPr>
+          <p:cNvSpPr>
+            <a:spLocks noGrp="1"/>
+          </p:cNvSpPr>
+          <p:nvPr>
+            <p:ph type="body" idx="1"/>
+          </p:nvPr>
+        </p:nvSpPr>
+        <p:spPr/>
+        <p:txBody>
+          <a:bodyPr/>
+          <a:lstStyle/>
+          <a:p>
+            <a:r>
+              <a:rPr lang="en-US" dirty="0"/>
+              <a:t>First Imported Physical Tables, Then Created Logical Tables in BMM</a:t>
+            </a:r>
+          </a:p>
+        </p:txBody>
+      </p:sp>
+    </p:spTree>
+    <p:extLst>
+      <p:ext uri="{BB962C8B-B14F-4D97-AF65-F5344CB8AC3E}">
+        <p14:creationId xmlns:p14="http://schemas.microsoft.com/office/powerpoint/2010/main" val="336342091"/>
+      </p:ext>
+    </p:extLst>
+  </p:cSld>
+  <p:clrMapOvr>
+    <a:masterClrMapping/>
+  </p:clrMapOvr>
+</p:sld>
+</file>
+
+<file path=ppt/slides/slide28.xml><?xml version="1.0" encoding="utf-8"?>
+<p:sld xmlns:a="http://schemas.openxmlformats.org/drawingml/2006/main" xmlns:r="http://schemas.openxmlformats.org/officeDocument/2006/relationships" xmlns:p="http://schemas.openxmlformats.org/presentationml/2006/main">
+  <p:cSld>
+    <p:spTree>
+      <p:nvGrpSpPr>
+        <p:cNvPr id="1" name=""/>
+        <p:cNvGrpSpPr/>
+        <p:nvPr/>
+      </p:nvGrpSpPr>
+      <p:grpSpPr>
+        <a:xfrm>
+          <a:off x="0" y="0"/>
+          <a:ext cx="0" cy="0"/>
+          <a:chOff x="0" y="0"/>
+          <a:chExt cx="0" cy="0"/>
+        </a:xfrm>
+      </p:grpSpPr>
       <p:pic>
         <p:nvPicPr>
           <p:cNvPr id="2" name="Picture 1">
             <a:extLst>
               <a:ext uri="{FF2B5EF4-FFF2-40B4-BE49-F238E27FC236}">
-                <a16:creationId xmlns:a16="http://schemas.microsoft.com/office/drawing/2014/main" id="{6D6C1ED1-0047-2847-B2DA-0F1049EBD392}"/>
+                <a16:creationId xmlns:a16="http://schemas.microsoft.com/office/drawing/2014/main" id="{E641E6E3-5FD9-3446-8099-55005CA506F2}"/>
               </a:ext>
             </a:extLst>
           </p:cNvPr>
@@ -7228,18 +7132,205 @@
         </p:blipFill>
         <p:spPr>
           <a:xfrm>
-            <a:off x="2098775" y="815741"/>
-            <a:ext cx="8483973" cy="5226517"/>
+            <a:off x="2046556" y="403636"/>
+            <a:ext cx="8098887" cy="6050727"/>
           </a:xfrm>
           <a:prstGeom prst="rect">
             <a:avLst/>
           </a:prstGeom>
         </p:spPr>
       </p:pic>
+      <p:sp>
+        <p:nvSpPr>
+          <p:cNvPr id="3" name="Oval 2">
+            <a:extLst>
+              <a:ext uri="{FF2B5EF4-FFF2-40B4-BE49-F238E27FC236}">
+                <a16:creationId xmlns:a16="http://schemas.microsoft.com/office/drawing/2014/main" id="{2DD850B4-1C7C-2B40-99C3-E22C0DA83A79}"/>
+              </a:ext>
+            </a:extLst>
+          </p:cNvPr>
+          <p:cNvSpPr/>
+          <p:nvPr/>
+        </p:nvSpPr>
+        <p:spPr>
+          <a:xfrm>
+            <a:off x="2282024" y="3291841"/>
+            <a:ext cx="2274074" cy="1407380"/>
+          </a:xfrm>
+          <a:prstGeom prst="ellipse">
+            <a:avLst/>
+          </a:prstGeom>
+          <a:noFill/>
+          <a:ln w="38100">
+            <a:solidFill>
+              <a:srgbClr val="FF0000"/>
+            </a:solidFill>
+          </a:ln>
+        </p:spPr>
+        <p:style>
+          <a:lnRef idx="2">
+            <a:schemeClr val="accent1">
+              <a:shade val="50000"/>
+            </a:schemeClr>
+          </a:lnRef>
+          <a:fillRef idx="1">
+            <a:schemeClr val="accent1"/>
+          </a:fillRef>
+          <a:effectRef idx="0">
+            <a:schemeClr val="accent1"/>
+          </a:effectRef>
+          <a:fontRef idx="minor">
+            <a:schemeClr val="lt1"/>
+          </a:fontRef>
+        </p:style>
+        <p:txBody>
+          <a:bodyPr rtlCol="0" anchor="ctr"/>
+          <a:lstStyle/>
+          <a:p>
+            <a:pPr algn="ctr"/>
+            <a:endParaRPr lang="en-US"/>
+          </a:p>
+        </p:txBody>
+      </p:sp>
+      <p:sp>
+        <p:nvSpPr>
+          <p:cNvPr id="4" name="Oval 3">
+            <a:extLst>
+              <a:ext uri="{FF2B5EF4-FFF2-40B4-BE49-F238E27FC236}">
+                <a16:creationId xmlns:a16="http://schemas.microsoft.com/office/drawing/2014/main" id="{092EDD7A-FA38-924D-AD14-8F281C1FAEB5}"/>
+              </a:ext>
+            </a:extLst>
+          </p:cNvPr>
+          <p:cNvSpPr/>
+          <p:nvPr/>
+        </p:nvSpPr>
+        <p:spPr>
+          <a:xfrm>
+            <a:off x="3189798" y="403636"/>
+            <a:ext cx="2274074" cy="1270883"/>
+          </a:xfrm>
+          <a:prstGeom prst="ellipse">
+            <a:avLst/>
+          </a:prstGeom>
+          <a:noFill/>
+          <a:ln w="38100">
+            <a:solidFill>
+              <a:srgbClr val="FF0000"/>
+            </a:solidFill>
+          </a:ln>
+        </p:spPr>
+        <p:style>
+          <a:lnRef idx="2">
+            <a:schemeClr val="accent1">
+              <a:shade val="50000"/>
+            </a:schemeClr>
+          </a:lnRef>
+          <a:fillRef idx="1">
+            <a:schemeClr val="accent1"/>
+          </a:fillRef>
+          <a:effectRef idx="0">
+            <a:schemeClr val="accent1"/>
+          </a:effectRef>
+          <a:fontRef idx="minor">
+            <a:schemeClr val="lt1"/>
+          </a:fontRef>
+        </p:style>
+        <p:txBody>
+          <a:bodyPr rtlCol="0" anchor="ctr"/>
+          <a:lstStyle/>
+          <a:p>
+            <a:pPr algn="ctr"/>
+            <a:endParaRPr lang="en-US"/>
+          </a:p>
+        </p:txBody>
+      </p:sp>
     </p:spTree>
     <p:extLst>
       <p:ext uri="{BB962C8B-B14F-4D97-AF65-F5344CB8AC3E}">
-        <p14:creationId xmlns:p14="http://schemas.microsoft.com/office/powerpoint/2010/main" val="4222267487"/>
+        <p14:creationId xmlns:p14="http://schemas.microsoft.com/office/powerpoint/2010/main" val="3734659940"/>
+      </p:ext>
+    </p:extLst>
+  </p:cSld>
+  <p:clrMapOvr>
+    <a:masterClrMapping/>
+  </p:clrMapOvr>
+</p:sld>
+</file>
+
+<file path=ppt/slides/slide29.xml><?xml version="1.0" encoding="utf-8"?>
+<p:sld xmlns:a="http://schemas.openxmlformats.org/drawingml/2006/main" xmlns:r="http://schemas.openxmlformats.org/officeDocument/2006/relationships" xmlns:p="http://schemas.openxmlformats.org/presentationml/2006/main">
+  <p:cSld>
+    <p:spTree>
+      <p:nvGrpSpPr>
+        <p:cNvPr id="1" name=""/>
+        <p:cNvGrpSpPr/>
+        <p:nvPr/>
+      </p:nvGrpSpPr>
+      <p:grpSpPr>
+        <a:xfrm>
+          <a:off x="0" y="0"/>
+          <a:ext cx="0" cy="0"/>
+          <a:chOff x="0" y="0"/>
+          <a:chExt cx="0" cy="0"/>
+        </a:xfrm>
+      </p:grpSpPr>
+      <p:sp>
+        <p:nvSpPr>
+          <p:cNvPr id="2" name="Title 1">
+            <a:extLst>
+              <a:ext uri="{FF2B5EF4-FFF2-40B4-BE49-F238E27FC236}">
+                <a16:creationId xmlns:a16="http://schemas.microsoft.com/office/drawing/2014/main" id="{DD2FA648-5CB1-854F-925A-69EE6F7E4432}"/>
+              </a:ext>
+            </a:extLst>
+          </p:cNvPr>
+          <p:cNvSpPr>
+            <a:spLocks noGrp="1"/>
+          </p:cNvSpPr>
+          <p:nvPr>
+            <p:ph type="title"/>
+          </p:nvPr>
+        </p:nvSpPr>
+        <p:spPr/>
+        <p:txBody>
+          <a:bodyPr/>
+          <a:lstStyle/>
+          <a:p>
+            <a:r>
+              <a:rPr lang="en-US" dirty="0"/>
+              <a:t>Created 5 Hierarchies in BMM</a:t>
+            </a:r>
+          </a:p>
+        </p:txBody>
+      </p:sp>
+      <p:sp>
+        <p:nvSpPr>
+          <p:cNvPr id="3" name="Text Placeholder 2">
+            <a:extLst>
+              <a:ext uri="{FF2B5EF4-FFF2-40B4-BE49-F238E27FC236}">
+                <a16:creationId xmlns:a16="http://schemas.microsoft.com/office/drawing/2014/main" id="{B0A82662-E5B5-0140-9DDB-36C7F1949803}"/>
+              </a:ext>
+            </a:extLst>
+          </p:cNvPr>
+          <p:cNvSpPr>
+            <a:spLocks noGrp="1"/>
+          </p:cNvSpPr>
+          <p:nvPr>
+            <p:ph type="body" idx="1"/>
+          </p:nvPr>
+        </p:nvSpPr>
+        <p:spPr/>
+        <p:txBody>
+          <a:bodyPr/>
+          <a:lstStyle/>
+          <a:p>
+            <a:endParaRPr lang="en-US"/>
+          </a:p>
+        </p:txBody>
+      </p:sp>
+    </p:spTree>
+    <p:extLst>
+      <p:ext uri="{BB962C8B-B14F-4D97-AF65-F5344CB8AC3E}">
+        <p14:creationId xmlns:p14="http://schemas.microsoft.com/office/powerpoint/2010/main" val="1679533084"/>
       </p:ext>
     </p:extLst>
   </p:cSld>
@@ -7266,12 +7357,639 @@
           <a:chExt cx="0" cy="0"/>
         </a:xfrm>
       </p:grpSpPr>
+      <p:pic>
+        <p:nvPicPr>
+          <p:cNvPr id="4" name="Picture 3">
+            <a:extLst>
+              <a:ext uri="{FF2B5EF4-FFF2-40B4-BE49-F238E27FC236}">
+                <a16:creationId xmlns:a16="http://schemas.microsoft.com/office/drawing/2014/main" id="{B3B35A78-C5CF-B541-A4F1-1659923D7DAC}"/>
+              </a:ext>
+            </a:extLst>
+          </p:cNvPr>
+          <p:cNvPicPr>
+            <a:picLocks noChangeAspect="1"/>
+          </p:cNvPicPr>
+          <p:nvPr/>
+        </p:nvPicPr>
+        <p:blipFill>
+          <a:blip r:embed="rId2"/>
+          <a:stretch>
+            <a:fillRect/>
+          </a:stretch>
+        </p:blipFill>
+        <p:spPr>
+          <a:xfrm>
+            <a:off x="2185181" y="755673"/>
+            <a:ext cx="5837685" cy="3815344"/>
+          </a:xfrm>
+          <a:prstGeom prst="rect">
+            <a:avLst/>
+          </a:prstGeom>
+        </p:spPr>
+      </p:pic>
+      <p:pic>
+        <p:nvPicPr>
+          <p:cNvPr id="5" name="Picture 4">
+            <a:extLst>
+              <a:ext uri="{FF2B5EF4-FFF2-40B4-BE49-F238E27FC236}">
+                <a16:creationId xmlns:a16="http://schemas.microsoft.com/office/drawing/2014/main" id="{5028FF79-D5A3-B145-9710-E24F39DC05FC}"/>
+              </a:ext>
+            </a:extLst>
+          </p:cNvPr>
+          <p:cNvPicPr>
+            <a:picLocks noChangeAspect="1"/>
+          </p:cNvPicPr>
+          <p:nvPr/>
+        </p:nvPicPr>
+        <p:blipFill>
+          <a:blip r:embed="rId3"/>
+          <a:stretch>
+            <a:fillRect/>
+          </a:stretch>
+        </p:blipFill>
+        <p:spPr>
+          <a:xfrm>
+            <a:off x="4252520" y="2218714"/>
+            <a:ext cx="5862262" cy="3815344"/>
+          </a:xfrm>
+          <a:prstGeom prst="rect">
+            <a:avLst/>
+          </a:prstGeom>
+        </p:spPr>
+      </p:pic>
+    </p:spTree>
+    <p:extLst>
+      <p:ext uri="{BB962C8B-B14F-4D97-AF65-F5344CB8AC3E}">
+        <p14:creationId xmlns:p14="http://schemas.microsoft.com/office/powerpoint/2010/main" val="305064919"/>
+      </p:ext>
+    </p:extLst>
+  </p:cSld>
+  <p:clrMapOvr>
+    <a:masterClrMapping/>
+  </p:clrMapOvr>
+</p:sld>
+</file>
+
+<file path=ppt/slides/slide30.xml><?xml version="1.0" encoding="utf-8"?>
+<p:sld xmlns:a="http://schemas.openxmlformats.org/drawingml/2006/main" xmlns:r="http://schemas.openxmlformats.org/officeDocument/2006/relationships" xmlns:p="http://schemas.openxmlformats.org/presentationml/2006/main">
+  <p:cSld>
+    <p:spTree>
+      <p:nvGrpSpPr>
+        <p:cNvPr id="1" name=""/>
+        <p:cNvGrpSpPr/>
+        <p:nvPr/>
+      </p:nvGrpSpPr>
+      <p:grpSpPr>
+        <a:xfrm>
+          <a:off x="0" y="0"/>
+          <a:ext cx="0" cy="0"/>
+          <a:chOff x="0" y="0"/>
+          <a:chExt cx="0" cy="0"/>
+        </a:xfrm>
+      </p:grpSpPr>
+      <p:pic>
+        <p:nvPicPr>
+          <p:cNvPr id="4" name="Picture 3">
+            <a:extLst>
+              <a:ext uri="{FF2B5EF4-FFF2-40B4-BE49-F238E27FC236}">
+                <a16:creationId xmlns:a16="http://schemas.microsoft.com/office/drawing/2014/main" id="{F502BCEE-D1DE-1747-A12E-F09B936C904A}"/>
+              </a:ext>
+            </a:extLst>
+          </p:cNvPr>
+          <p:cNvPicPr>
+            <a:picLocks noChangeAspect="1"/>
+          </p:cNvPicPr>
+          <p:nvPr/>
+        </p:nvPicPr>
+        <p:blipFill rotWithShape="1">
+          <a:blip r:embed="rId2"/>
+          <a:srcRect l="-1141" t="259" r="1141" b="64175"/>
+          <a:stretch/>
+        </p:blipFill>
+        <p:spPr>
+          <a:xfrm>
+            <a:off x="1137630" y="1335945"/>
+            <a:ext cx="3148123" cy="4742700"/>
+          </a:xfrm>
+          <a:prstGeom prst="rect">
+            <a:avLst/>
+          </a:prstGeom>
+          <a:ln w="38100">
+            <a:solidFill>
+              <a:schemeClr val="tx1"/>
+            </a:solidFill>
+          </a:ln>
+        </p:spPr>
+      </p:pic>
+      <p:pic>
+        <p:nvPicPr>
+          <p:cNvPr id="7" name="Picture 6">
+            <a:extLst>
+              <a:ext uri="{FF2B5EF4-FFF2-40B4-BE49-F238E27FC236}">
+                <a16:creationId xmlns:a16="http://schemas.microsoft.com/office/drawing/2014/main" id="{59081BAF-EF2F-7B44-A12D-90FC1EA85ED9}"/>
+              </a:ext>
+            </a:extLst>
+          </p:cNvPr>
+          <p:cNvPicPr>
+            <a:picLocks noChangeAspect="1"/>
+          </p:cNvPicPr>
+          <p:nvPr/>
+        </p:nvPicPr>
+        <p:blipFill rotWithShape="1">
+          <a:blip r:embed="rId2"/>
+          <a:srcRect t="35825" b="31852"/>
+          <a:stretch/>
+        </p:blipFill>
+        <p:spPr>
+          <a:xfrm>
+            <a:off x="4601342" y="1552148"/>
+            <a:ext cx="3148123" cy="4310296"/>
+          </a:xfrm>
+          <a:prstGeom prst="rect">
+            <a:avLst/>
+          </a:prstGeom>
+          <a:ln w="38100">
+            <a:solidFill>
+              <a:schemeClr val="tx1"/>
+            </a:solidFill>
+          </a:ln>
+        </p:spPr>
+      </p:pic>
+      <p:pic>
+        <p:nvPicPr>
+          <p:cNvPr id="8" name="Picture 7">
+            <a:extLst>
+              <a:ext uri="{FF2B5EF4-FFF2-40B4-BE49-F238E27FC236}">
+                <a16:creationId xmlns:a16="http://schemas.microsoft.com/office/drawing/2014/main" id="{DFB3F554-0404-DA4C-9F82-70535F001B39}"/>
+              </a:ext>
+            </a:extLst>
+          </p:cNvPr>
+          <p:cNvPicPr>
+            <a:picLocks noChangeAspect="1"/>
+          </p:cNvPicPr>
+          <p:nvPr/>
+        </p:nvPicPr>
+        <p:blipFill rotWithShape="1">
+          <a:blip r:embed="rId2"/>
+          <a:srcRect t="68148"/>
+          <a:stretch/>
+        </p:blipFill>
+        <p:spPr>
+          <a:xfrm>
+            <a:off x="8065054" y="1552148"/>
+            <a:ext cx="3194714" cy="4310295"/>
+          </a:xfrm>
+          <a:prstGeom prst="rect">
+            <a:avLst/>
+          </a:prstGeom>
+          <a:ln w="38100">
+            <a:solidFill>
+              <a:schemeClr val="tx1"/>
+            </a:solidFill>
+          </a:ln>
+        </p:spPr>
+      </p:pic>
+      <p:sp>
+        <p:nvSpPr>
+          <p:cNvPr id="9" name="TextBox 8">
+            <a:extLst>
+              <a:ext uri="{FF2B5EF4-FFF2-40B4-BE49-F238E27FC236}">
+                <a16:creationId xmlns:a16="http://schemas.microsoft.com/office/drawing/2014/main" id="{88F3E0DF-6169-EE42-A918-4729D3E8F838}"/>
+              </a:ext>
+            </a:extLst>
+          </p:cNvPr>
+          <p:cNvSpPr txBox="1"/>
+          <p:nvPr/>
+        </p:nvSpPr>
+        <p:spPr>
+          <a:xfrm>
+            <a:off x="4933053" y="575703"/>
+            <a:ext cx="2325893" cy="523220"/>
+          </a:xfrm>
+          <a:prstGeom prst="rect">
+            <a:avLst/>
+          </a:prstGeom>
+          <a:noFill/>
+        </p:spPr>
+        <p:txBody>
+          <a:bodyPr wrap="none" rtlCol="0">
+            <a:spAutoFit/>
+          </a:bodyPr>
+          <a:lstStyle/>
+          <a:p>
+            <a:r>
+              <a:rPr lang="en-US" sz="2800" dirty="0"/>
+              <a:t>Order List Dim</a:t>
+            </a:r>
+          </a:p>
+        </p:txBody>
+      </p:sp>
+    </p:spTree>
+    <p:extLst>
+      <p:ext uri="{BB962C8B-B14F-4D97-AF65-F5344CB8AC3E}">
+        <p14:creationId xmlns:p14="http://schemas.microsoft.com/office/powerpoint/2010/main" val="3528982682"/>
+      </p:ext>
+    </p:extLst>
+  </p:cSld>
+  <p:clrMapOvr>
+    <a:masterClrMapping/>
+  </p:clrMapOvr>
+</p:sld>
+</file>
+
+<file path=ppt/slides/slide31.xml><?xml version="1.0" encoding="utf-8"?>
+<p:sld xmlns:a="http://schemas.openxmlformats.org/drawingml/2006/main" xmlns:r="http://schemas.openxmlformats.org/officeDocument/2006/relationships" xmlns:p="http://schemas.openxmlformats.org/presentationml/2006/main">
+  <p:cSld>
+    <p:spTree>
+      <p:nvGrpSpPr>
+        <p:cNvPr id="1" name=""/>
+        <p:cNvGrpSpPr/>
+        <p:nvPr/>
+      </p:nvGrpSpPr>
+      <p:grpSpPr>
+        <a:xfrm>
+          <a:off x="0" y="0"/>
+          <a:ext cx="0" cy="0"/>
+          <a:chOff x="0" y="0"/>
+          <a:chExt cx="0" cy="0"/>
+        </a:xfrm>
+      </p:grpSpPr>
+      <p:pic>
+        <p:nvPicPr>
+          <p:cNvPr id="5" name="Picture 4">
+            <a:extLst>
+              <a:ext uri="{FF2B5EF4-FFF2-40B4-BE49-F238E27FC236}">
+                <a16:creationId xmlns:a16="http://schemas.microsoft.com/office/drawing/2014/main" id="{C7F10011-B7D4-CE44-B948-96C82595A3F9}"/>
+              </a:ext>
+            </a:extLst>
+          </p:cNvPr>
+          <p:cNvPicPr>
+            <a:picLocks noChangeAspect="1"/>
+          </p:cNvPicPr>
+          <p:nvPr/>
+        </p:nvPicPr>
+        <p:blipFill rotWithShape="1">
+          <a:blip r:embed="rId2"/>
+          <a:srcRect t="360" b="44328"/>
+          <a:stretch/>
+        </p:blipFill>
+        <p:spPr>
+          <a:xfrm>
+            <a:off x="3116911" y="1806175"/>
+            <a:ext cx="3297141" cy="3581718"/>
+          </a:xfrm>
+          <a:prstGeom prst="rect">
+            <a:avLst/>
+          </a:prstGeom>
+          <a:ln w="38100">
+            <a:solidFill>
+              <a:schemeClr val="tx1"/>
+            </a:solidFill>
+          </a:ln>
+        </p:spPr>
+      </p:pic>
+      <p:pic>
+        <p:nvPicPr>
+          <p:cNvPr id="7" name="Picture 6">
+            <a:extLst>
+              <a:ext uri="{FF2B5EF4-FFF2-40B4-BE49-F238E27FC236}">
+                <a16:creationId xmlns:a16="http://schemas.microsoft.com/office/drawing/2014/main" id="{8F2D3B65-71CF-674F-BD9E-17F5676076AF}"/>
+              </a:ext>
+            </a:extLst>
+          </p:cNvPr>
+          <p:cNvPicPr>
+            <a:picLocks noChangeAspect="1"/>
+          </p:cNvPicPr>
+          <p:nvPr/>
+        </p:nvPicPr>
+        <p:blipFill rotWithShape="1">
+          <a:blip r:embed="rId2"/>
+          <a:srcRect t="55792" b="406"/>
+          <a:stretch/>
+        </p:blipFill>
+        <p:spPr>
+          <a:xfrm>
+            <a:off x="6769527" y="2162755"/>
+            <a:ext cx="3216556" cy="2767054"/>
+          </a:xfrm>
+          <a:prstGeom prst="rect">
+            <a:avLst/>
+          </a:prstGeom>
+          <a:ln w="38100">
+            <a:solidFill>
+              <a:schemeClr val="tx1"/>
+            </a:solidFill>
+          </a:ln>
+        </p:spPr>
+      </p:pic>
+      <p:sp>
+        <p:nvSpPr>
+          <p:cNvPr id="8" name="TextBox 7">
+            <a:extLst>
+              <a:ext uri="{FF2B5EF4-FFF2-40B4-BE49-F238E27FC236}">
+                <a16:creationId xmlns:a16="http://schemas.microsoft.com/office/drawing/2014/main" id="{580C5478-1110-9841-BDBE-3C19D1BAA657}"/>
+              </a:ext>
+            </a:extLst>
+          </p:cNvPr>
+          <p:cNvSpPr txBox="1"/>
+          <p:nvPr/>
+        </p:nvSpPr>
+        <p:spPr>
+          <a:xfrm>
+            <a:off x="4908505" y="1074107"/>
+            <a:ext cx="2756652" cy="523220"/>
+          </a:xfrm>
+          <a:prstGeom prst="rect">
+            <a:avLst/>
+          </a:prstGeom>
+          <a:noFill/>
+        </p:spPr>
+        <p:txBody>
+          <a:bodyPr wrap="none" rtlCol="0">
+            <a:spAutoFit/>
+          </a:bodyPr>
+          <a:lstStyle/>
+          <a:p>
+            <a:r>
+              <a:rPr lang="en-US" sz="2800" dirty="0"/>
+              <a:t>Freight Rates Dim</a:t>
+            </a:r>
+          </a:p>
+        </p:txBody>
+      </p:sp>
+    </p:spTree>
+    <p:extLst>
+      <p:ext uri="{BB962C8B-B14F-4D97-AF65-F5344CB8AC3E}">
+        <p14:creationId xmlns:p14="http://schemas.microsoft.com/office/powerpoint/2010/main" val="1826103253"/>
+      </p:ext>
+    </p:extLst>
+  </p:cSld>
+  <p:clrMapOvr>
+    <a:masterClrMapping/>
+  </p:clrMapOvr>
+</p:sld>
+</file>
+
+<file path=ppt/slides/slide32.xml><?xml version="1.0" encoding="utf-8"?>
+<p:sld xmlns:a="http://schemas.openxmlformats.org/drawingml/2006/main" xmlns:r="http://schemas.openxmlformats.org/officeDocument/2006/relationships" xmlns:p="http://schemas.openxmlformats.org/presentationml/2006/main">
+  <p:cSld>
+    <p:spTree>
+      <p:nvGrpSpPr>
+        <p:cNvPr id="1" name=""/>
+        <p:cNvGrpSpPr/>
+        <p:nvPr/>
+      </p:nvGrpSpPr>
+      <p:grpSpPr>
+        <a:xfrm>
+          <a:off x="0" y="0"/>
+          <a:ext cx="0" cy="0"/>
+          <a:chOff x="0" y="0"/>
+          <a:chExt cx="0" cy="0"/>
+        </a:xfrm>
+      </p:grpSpPr>
+      <p:pic>
+        <p:nvPicPr>
+          <p:cNvPr id="3" name="Picture 2">
+            <a:extLst>
+              <a:ext uri="{FF2B5EF4-FFF2-40B4-BE49-F238E27FC236}">
+                <a16:creationId xmlns:a16="http://schemas.microsoft.com/office/drawing/2014/main" id="{9431271C-EE77-3248-9B93-BF5E4436CE50}"/>
+              </a:ext>
+            </a:extLst>
+          </p:cNvPr>
+          <p:cNvPicPr>
+            <a:picLocks noChangeAspect="1"/>
+          </p:cNvPicPr>
+          <p:nvPr/>
+        </p:nvPicPr>
+        <p:blipFill rotWithShape="1">
+          <a:blip r:embed="rId2"/>
+          <a:srcRect r="-32823" b="3101"/>
+          <a:stretch/>
+        </p:blipFill>
+        <p:spPr>
+          <a:xfrm>
+            <a:off x="6554975" y="1344121"/>
+            <a:ext cx="2877809" cy="842290"/>
+          </a:xfrm>
+          <a:prstGeom prst="rect">
+            <a:avLst/>
+          </a:prstGeom>
+          <a:ln w="38100">
+            <a:solidFill>
+              <a:schemeClr val="tx1"/>
+            </a:solidFill>
+          </a:ln>
+        </p:spPr>
+      </p:pic>
+      <p:pic>
+        <p:nvPicPr>
+          <p:cNvPr id="6" name="Picture 5">
+            <a:extLst>
+              <a:ext uri="{FF2B5EF4-FFF2-40B4-BE49-F238E27FC236}">
+                <a16:creationId xmlns:a16="http://schemas.microsoft.com/office/drawing/2014/main" id="{3489CD50-4676-0641-A40D-C66F8D44DC7C}"/>
+              </a:ext>
+            </a:extLst>
+          </p:cNvPr>
+          <p:cNvPicPr>
+            <a:picLocks noChangeAspect="1"/>
+          </p:cNvPicPr>
+          <p:nvPr/>
+        </p:nvPicPr>
+        <p:blipFill rotWithShape="1">
+          <a:blip r:embed="rId3"/>
+          <a:srcRect l="7910" t="1061" b="1100"/>
+          <a:stretch/>
+        </p:blipFill>
+        <p:spPr>
+          <a:xfrm>
+            <a:off x="6554975" y="2911839"/>
+            <a:ext cx="3047788" cy="2916870"/>
+          </a:xfrm>
+          <a:prstGeom prst="rect">
+            <a:avLst/>
+          </a:prstGeom>
+          <a:ln w="38100">
+            <a:solidFill>
+              <a:schemeClr val="tx1"/>
+            </a:solidFill>
+          </a:ln>
+        </p:spPr>
+      </p:pic>
+      <p:pic>
+        <p:nvPicPr>
+          <p:cNvPr id="8" name="Picture 7">
+            <a:extLst>
+              <a:ext uri="{FF2B5EF4-FFF2-40B4-BE49-F238E27FC236}">
+                <a16:creationId xmlns:a16="http://schemas.microsoft.com/office/drawing/2014/main" id="{EAA15862-3189-E34F-B28B-AD1F40C7778E}"/>
+              </a:ext>
+            </a:extLst>
+          </p:cNvPr>
+          <p:cNvPicPr>
+            <a:picLocks noChangeAspect="1"/>
+          </p:cNvPicPr>
+          <p:nvPr/>
+        </p:nvPicPr>
+        <p:blipFill rotWithShape="1">
+          <a:blip r:embed="rId4"/>
+          <a:srcRect t="349"/>
+          <a:stretch/>
+        </p:blipFill>
+        <p:spPr>
+          <a:xfrm>
+            <a:off x="3265586" y="1146650"/>
+            <a:ext cx="2945774" cy="4896745"/>
+          </a:xfrm>
+          <a:prstGeom prst="rect">
+            <a:avLst/>
+          </a:prstGeom>
+          <a:ln w="38100">
+            <a:solidFill>
+              <a:schemeClr val="tx1"/>
+            </a:solidFill>
+          </a:ln>
+        </p:spPr>
+      </p:pic>
+      <p:sp>
+        <p:nvSpPr>
+          <p:cNvPr id="11" name="TextBox 10">
+            <a:extLst>
+              <a:ext uri="{FF2B5EF4-FFF2-40B4-BE49-F238E27FC236}">
+                <a16:creationId xmlns:a16="http://schemas.microsoft.com/office/drawing/2014/main" id="{2B9C3548-3DB8-844E-8478-1185F051E4E0}"/>
+              </a:ext>
+            </a:extLst>
+          </p:cNvPr>
+          <p:cNvSpPr txBox="1"/>
+          <p:nvPr/>
+        </p:nvSpPr>
+        <p:spPr>
+          <a:xfrm>
+            <a:off x="3517213" y="703287"/>
+            <a:ext cx="2433615" cy="400110"/>
+          </a:xfrm>
+          <a:prstGeom prst="rect">
+            <a:avLst/>
+          </a:prstGeom>
+          <a:noFill/>
+        </p:spPr>
+        <p:txBody>
+          <a:bodyPr wrap="none" rtlCol="0">
+            <a:spAutoFit/>
+          </a:bodyPr>
+          <a:lstStyle/>
+          <a:p>
+            <a:r>
+              <a:rPr lang="en-US" sz="2000" dirty="0"/>
+              <a:t>Plant Constraints Dim</a:t>
+            </a:r>
+          </a:p>
+        </p:txBody>
+      </p:sp>
+      <p:sp>
+        <p:nvSpPr>
+          <p:cNvPr id="12" name="TextBox 11">
+            <a:extLst>
+              <a:ext uri="{FF2B5EF4-FFF2-40B4-BE49-F238E27FC236}">
+                <a16:creationId xmlns:a16="http://schemas.microsoft.com/office/drawing/2014/main" id="{3E3C5465-8484-8C48-9743-7E7A82770D6D}"/>
+              </a:ext>
+            </a:extLst>
+          </p:cNvPr>
+          <p:cNvSpPr txBox="1"/>
+          <p:nvPr/>
+        </p:nvSpPr>
+        <p:spPr>
+          <a:xfrm>
+            <a:off x="7360449" y="2452135"/>
+            <a:ext cx="1255152" cy="400110"/>
+          </a:xfrm>
+          <a:prstGeom prst="rect">
+            <a:avLst/>
+          </a:prstGeom>
+          <a:noFill/>
+        </p:spPr>
+        <p:txBody>
+          <a:bodyPr wrap="none" rtlCol="0">
+            <a:spAutoFit/>
+          </a:bodyPr>
+          <a:lstStyle/>
+          <a:p>
+            <a:r>
+              <a:rPr lang="en-US" sz="2000" dirty="0"/>
+              <a:t>Dates Dim</a:t>
+            </a:r>
+          </a:p>
+        </p:txBody>
+      </p:sp>
+      <p:sp>
+        <p:nvSpPr>
+          <p:cNvPr id="13" name="TextBox 12">
+            <a:extLst>
+              <a:ext uri="{FF2B5EF4-FFF2-40B4-BE49-F238E27FC236}">
+                <a16:creationId xmlns:a16="http://schemas.microsoft.com/office/drawing/2014/main" id="{DCAD0DB1-8AE5-0448-BB60-467BAA8B4A16}"/>
+              </a:ext>
+            </a:extLst>
+          </p:cNvPr>
+          <p:cNvSpPr txBox="1"/>
+          <p:nvPr/>
+        </p:nvSpPr>
+        <p:spPr>
+          <a:xfrm>
+            <a:off x="7108123" y="888711"/>
+            <a:ext cx="1771511" cy="400110"/>
+          </a:xfrm>
+          <a:prstGeom prst="rect">
+            <a:avLst/>
+          </a:prstGeom>
+          <a:noFill/>
+        </p:spPr>
+        <p:txBody>
+          <a:bodyPr wrap="none" rtlCol="0">
+            <a:spAutoFit/>
+          </a:bodyPr>
+          <a:lstStyle/>
+          <a:p>
+            <a:r>
+              <a:rPr lang="en-US" sz="2000" dirty="0"/>
+              <a:t>Customers Dim</a:t>
+            </a:r>
+          </a:p>
+        </p:txBody>
+      </p:sp>
+    </p:spTree>
+    <p:extLst>
+      <p:ext uri="{BB962C8B-B14F-4D97-AF65-F5344CB8AC3E}">
+        <p14:creationId xmlns:p14="http://schemas.microsoft.com/office/powerpoint/2010/main" val="203468779"/>
+      </p:ext>
+    </p:extLst>
+  </p:cSld>
+  <p:clrMapOvr>
+    <a:masterClrMapping/>
+  </p:clrMapOvr>
+</p:sld>
+</file>
+
+<file path=ppt/slides/slide33.xml><?xml version="1.0" encoding="utf-8"?>
+<p:sld xmlns:a="http://schemas.openxmlformats.org/drawingml/2006/main" xmlns:r="http://schemas.openxmlformats.org/officeDocument/2006/relationships" xmlns:p="http://schemas.openxmlformats.org/presentationml/2006/main">
+  <p:cSld>
+    <p:spTree>
+      <p:nvGrpSpPr>
+        <p:cNvPr id="1" name=""/>
+        <p:cNvGrpSpPr/>
+        <p:nvPr/>
+      </p:nvGrpSpPr>
+      <p:grpSpPr>
+        <a:xfrm>
+          <a:off x="0" y="0"/>
+          <a:ext cx="0" cy="0"/>
+          <a:chOff x="0" y="0"/>
+          <a:chExt cx="0" cy="0"/>
+        </a:xfrm>
+      </p:grpSpPr>
       <p:sp>
         <p:nvSpPr>
           <p:cNvPr id="2" name="Title 1">
             <a:extLst>
               <a:ext uri="{FF2B5EF4-FFF2-40B4-BE49-F238E27FC236}">
-                <a16:creationId xmlns:a16="http://schemas.microsoft.com/office/drawing/2014/main" id="{AF65F47A-6BEB-2C47-81B9-1DDDECF6ECB2}"/>
+                <a16:creationId xmlns:a16="http://schemas.microsoft.com/office/drawing/2014/main" id="{CAC586AB-CBDA-3548-86AC-FDCA1D76B520}"/>
               </a:ext>
             </a:extLst>
           </p:cNvPr>
@@ -7289,7 +8007,7 @@
           <a:p>
             <a:r>
               <a:rPr lang="en-US" dirty="0"/>
-              <a:t>Import Metadata Into Repository</a:t>
+              <a:t>Aggregate Facts as Averages</a:t>
             </a:r>
           </a:p>
         </p:txBody>
@@ -7299,7 +8017,7 @@
           <p:cNvPr id="3" name="Text Placeholder 2">
             <a:extLst>
               <a:ext uri="{FF2B5EF4-FFF2-40B4-BE49-F238E27FC236}">
-                <a16:creationId xmlns:a16="http://schemas.microsoft.com/office/drawing/2014/main" id="{EA072EC2-E187-5E49-B1A6-9E9A2B7CC1DD}"/>
+                <a16:creationId xmlns:a16="http://schemas.microsoft.com/office/drawing/2014/main" id="{61E42987-5B44-E44D-910B-F45B0687972D}"/>
               </a:ext>
             </a:extLst>
           </p:cNvPr>
@@ -7322,7 +8040,254 @@
     </p:spTree>
     <p:extLst>
       <p:ext uri="{BB962C8B-B14F-4D97-AF65-F5344CB8AC3E}">
-        <p14:creationId xmlns:p14="http://schemas.microsoft.com/office/powerpoint/2010/main" val="2978415275"/>
+        <p14:creationId xmlns:p14="http://schemas.microsoft.com/office/powerpoint/2010/main" val="2032483739"/>
+      </p:ext>
+    </p:extLst>
+  </p:cSld>
+  <p:clrMapOvr>
+    <a:masterClrMapping/>
+  </p:clrMapOvr>
+</p:sld>
+</file>
+
+<file path=ppt/slides/slide34.xml><?xml version="1.0" encoding="utf-8"?>
+<p:sld xmlns:a="http://schemas.openxmlformats.org/drawingml/2006/main" xmlns:r="http://schemas.openxmlformats.org/officeDocument/2006/relationships" xmlns:p="http://schemas.openxmlformats.org/presentationml/2006/main">
+  <p:cSld>
+    <p:spTree>
+      <p:nvGrpSpPr>
+        <p:cNvPr id="1" name=""/>
+        <p:cNvGrpSpPr/>
+        <p:nvPr/>
+      </p:nvGrpSpPr>
+      <p:grpSpPr>
+        <a:xfrm>
+          <a:off x="0" y="0"/>
+          <a:ext cx="0" cy="0"/>
+          <a:chOff x="0" y="0"/>
+          <a:chExt cx="0" cy="0"/>
+        </a:xfrm>
+      </p:grpSpPr>
+      <p:pic>
+        <p:nvPicPr>
+          <p:cNvPr id="3" name="Picture 2">
+            <a:extLst>
+              <a:ext uri="{FF2B5EF4-FFF2-40B4-BE49-F238E27FC236}">
+                <a16:creationId xmlns:a16="http://schemas.microsoft.com/office/drawing/2014/main" id="{09BFF323-426C-B144-BCB3-77531882A4DA}"/>
+              </a:ext>
+            </a:extLst>
+          </p:cNvPr>
+          <p:cNvPicPr>
+            <a:picLocks noChangeAspect="1"/>
+          </p:cNvPicPr>
+          <p:nvPr/>
+        </p:nvPicPr>
+        <p:blipFill rotWithShape="1">
+          <a:blip r:embed="rId2"/>
+          <a:srcRect l="1043" t="1190" b="638"/>
+          <a:stretch/>
+        </p:blipFill>
+        <p:spPr>
+          <a:xfrm>
+            <a:off x="4878588" y="1560442"/>
+            <a:ext cx="2609752" cy="4228817"/>
+          </a:xfrm>
+          <a:prstGeom prst="rect">
+            <a:avLst/>
+          </a:prstGeom>
+          <a:ln w="38100">
+            <a:solidFill>
+              <a:schemeClr val="tx1"/>
+            </a:solidFill>
+          </a:ln>
+        </p:spPr>
+      </p:pic>
+      <p:sp>
+        <p:nvSpPr>
+          <p:cNvPr id="4" name="TextBox 3">
+            <a:extLst>
+              <a:ext uri="{FF2B5EF4-FFF2-40B4-BE49-F238E27FC236}">
+                <a16:creationId xmlns:a16="http://schemas.microsoft.com/office/drawing/2014/main" id="{2C6F0C7F-3125-EC40-9E18-2888921856A2}"/>
+              </a:ext>
+            </a:extLst>
+          </p:cNvPr>
+          <p:cNvSpPr txBox="1"/>
+          <p:nvPr/>
+        </p:nvSpPr>
+        <p:spPr>
+          <a:xfrm>
+            <a:off x="5201529" y="1060790"/>
+            <a:ext cx="1963871" cy="400110"/>
+          </a:xfrm>
+          <a:prstGeom prst="rect">
+            <a:avLst/>
+          </a:prstGeom>
+          <a:noFill/>
+        </p:spPr>
+        <p:txBody>
+          <a:bodyPr wrap="none" rtlCol="0">
+            <a:spAutoFit/>
+          </a:bodyPr>
+          <a:lstStyle/>
+          <a:p>
+            <a:r>
+              <a:rPr lang="en-US" sz="2000" dirty="0"/>
+              <a:t>Facts Aggregated</a:t>
+            </a:r>
+          </a:p>
+        </p:txBody>
+      </p:sp>
+    </p:spTree>
+    <p:extLst>
+      <p:ext uri="{BB962C8B-B14F-4D97-AF65-F5344CB8AC3E}">
+        <p14:creationId xmlns:p14="http://schemas.microsoft.com/office/powerpoint/2010/main" val="3672266579"/>
+      </p:ext>
+    </p:extLst>
+  </p:cSld>
+  <p:clrMapOvr>
+    <a:masterClrMapping/>
+  </p:clrMapOvr>
+</p:sld>
+</file>
+
+<file path=ppt/slides/slide35.xml><?xml version="1.0" encoding="utf-8"?>
+<p:sld xmlns:a="http://schemas.openxmlformats.org/drawingml/2006/main" xmlns:r="http://schemas.openxmlformats.org/officeDocument/2006/relationships" xmlns:p="http://schemas.openxmlformats.org/presentationml/2006/main">
+  <p:cSld>
+    <p:spTree>
+      <p:nvGrpSpPr>
+        <p:cNvPr id="1" name=""/>
+        <p:cNvGrpSpPr/>
+        <p:nvPr/>
+      </p:nvGrpSpPr>
+      <p:grpSpPr>
+        <a:xfrm>
+          <a:off x="0" y="0"/>
+          <a:ext cx="0" cy="0"/>
+          <a:chOff x="0" y="0"/>
+          <a:chExt cx="0" cy="0"/>
+        </a:xfrm>
+      </p:grpSpPr>
+      <p:sp>
+        <p:nvSpPr>
+          <p:cNvPr id="2" name="Title 1">
+            <a:extLst>
+              <a:ext uri="{FF2B5EF4-FFF2-40B4-BE49-F238E27FC236}">
+                <a16:creationId xmlns:a16="http://schemas.microsoft.com/office/drawing/2014/main" id="{D4FCAD4A-CCF1-6441-9791-31C4811ECA71}"/>
+              </a:ext>
+            </a:extLst>
+          </p:cNvPr>
+          <p:cNvSpPr>
+            <a:spLocks noGrp="1"/>
+          </p:cNvSpPr>
+          <p:nvPr>
+            <p:ph type="title"/>
+          </p:nvPr>
+        </p:nvSpPr>
+        <p:spPr/>
+        <p:txBody>
+          <a:bodyPr/>
+          <a:lstStyle/>
+          <a:p>
+            <a:r>
+              <a:rPr lang="en-US" dirty="0"/>
+              <a:t>Final RPD</a:t>
+            </a:r>
+          </a:p>
+        </p:txBody>
+      </p:sp>
+      <p:sp>
+        <p:nvSpPr>
+          <p:cNvPr id="3" name="Text Placeholder 2">
+            <a:extLst>
+              <a:ext uri="{FF2B5EF4-FFF2-40B4-BE49-F238E27FC236}">
+                <a16:creationId xmlns:a16="http://schemas.microsoft.com/office/drawing/2014/main" id="{CD487C4C-A956-104C-AA49-ABE29C36B3D5}"/>
+              </a:ext>
+            </a:extLst>
+          </p:cNvPr>
+          <p:cNvSpPr>
+            <a:spLocks noGrp="1"/>
+          </p:cNvSpPr>
+          <p:nvPr>
+            <p:ph type="body" idx="1"/>
+          </p:nvPr>
+        </p:nvSpPr>
+        <p:spPr/>
+        <p:txBody>
+          <a:bodyPr/>
+          <a:lstStyle/>
+          <a:p>
+            <a:endParaRPr lang="en-US"/>
+          </a:p>
+        </p:txBody>
+      </p:sp>
+    </p:spTree>
+    <p:extLst>
+      <p:ext uri="{BB962C8B-B14F-4D97-AF65-F5344CB8AC3E}">
+        <p14:creationId xmlns:p14="http://schemas.microsoft.com/office/powerpoint/2010/main" val="3287140161"/>
+      </p:ext>
+    </p:extLst>
+  </p:cSld>
+  <p:clrMapOvr>
+    <a:masterClrMapping/>
+  </p:clrMapOvr>
+</p:sld>
+</file>
+
+<file path=ppt/slides/slide36.xml><?xml version="1.0" encoding="utf-8"?>
+<p:sld xmlns:a="http://schemas.openxmlformats.org/drawingml/2006/main" xmlns:r="http://schemas.openxmlformats.org/officeDocument/2006/relationships" xmlns:p="http://schemas.openxmlformats.org/presentationml/2006/main">
+  <p:cSld>
+    <p:spTree>
+      <p:nvGrpSpPr>
+        <p:cNvPr id="1" name=""/>
+        <p:cNvGrpSpPr/>
+        <p:nvPr/>
+      </p:nvGrpSpPr>
+      <p:grpSpPr>
+        <a:xfrm>
+          <a:off x="0" y="0"/>
+          <a:ext cx="0" cy="0"/>
+          <a:chOff x="0" y="0"/>
+          <a:chExt cx="0" cy="0"/>
+        </a:xfrm>
+      </p:grpSpPr>
+      <p:pic>
+        <p:nvPicPr>
+          <p:cNvPr id="2" name="Picture 1">
+            <a:extLst>
+              <a:ext uri="{FF2B5EF4-FFF2-40B4-BE49-F238E27FC236}">
+                <a16:creationId xmlns:a16="http://schemas.microsoft.com/office/drawing/2014/main" id="{EFBACAC4-210B-0046-A8F9-0F86133310D4}"/>
+              </a:ext>
+            </a:extLst>
+          </p:cNvPr>
+          <p:cNvPicPr>
+            <a:picLocks noChangeAspect="1"/>
+          </p:cNvPicPr>
+          <p:nvPr/>
+        </p:nvPicPr>
+        <p:blipFill>
+          <a:blip r:embed="rId2"/>
+          <a:stretch>
+            <a:fillRect/>
+          </a:stretch>
+        </p:blipFill>
+        <p:spPr>
+          <a:xfrm>
+            <a:off x="732845" y="520928"/>
+            <a:ext cx="10726310" cy="5816143"/>
+          </a:xfrm>
+          <a:prstGeom prst="rect">
+            <a:avLst/>
+          </a:prstGeom>
+          <a:ln w="38100">
+            <a:solidFill>
+              <a:schemeClr val="tx1"/>
+            </a:solidFill>
+          </a:ln>
+        </p:spPr>
+      </p:pic>
+    </p:spTree>
+    <p:extLst>
+      <p:ext uri="{BB962C8B-B14F-4D97-AF65-F5344CB8AC3E}">
+        <p14:creationId xmlns:p14="http://schemas.microsoft.com/office/powerpoint/2010/main" val="3508336778"/>
       </p:ext>
     </p:extLst>
   </p:cSld>
@@ -7354,7 +8319,7 @@
           <p:cNvPr id="4" name="Picture 3">
             <a:extLst>
               <a:ext uri="{FF2B5EF4-FFF2-40B4-BE49-F238E27FC236}">
-                <a16:creationId xmlns:a16="http://schemas.microsoft.com/office/drawing/2014/main" id="{B3B35A78-C5CF-B541-A4F1-1659923D7DAC}"/>
+                <a16:creationId xmlns:a16="http://schemas.microsoft.com/office/drawing/2014/main" id="{F3005AD7-8A64-1C48-9FB8-DE9F7E688E78}"/>
               </a:ext>
             </a:extLst>
           </p:cNvPr>
@@ -7371,38 +8336,8 @@
         </p:blipFill>
         <p:spPr>
           <a:xfrm>
-            <a:off x="2185181" y="755673"/>
-            <a:ext cx="5837685" cy="3815344"/>
-          </a:xfrm>
-          <a:prstGeom prst="rect">
-            <a:avLst/>
-          </a:prstGeom>
-        </p:spPr>
-      </p:pic>
-      <p:pic>
-        <p:nvPicPr>
-          <p:cNvPr id="5" name="Picture 4">
-            <a:extLst>
-              <a:ext uri="{FF2B5EF4-FFF2-40B4-BE49-F238E27FC236}">
-                <a16:creationId xmlns:a16="http://schemas.microsoft.com/office/drawing/2014/main" id="{5028FF79-D5A3-B145-9710-E24F39DC05FC}"/>
-              </a:ext>
-            </a:extLst>
-          </p:cNvPr>
-          <p:cNvPicPr>
-            <a:picLocks noChangeAspect="1"/>
-          </p:cNvPicPr>
-          <p:nvPr/>
-        </p:nvPicPr>
-        <p:blipFill>
-          <a:blip r:embed="rId3"/>
-          <a:stretch>
-            <a:fillRect/>
-          </a:stretch>
-        </p:blipFill>
-        <p:spPr>
-          <a:xfrm>
-            <a:off x="4252520" y="2218714"/>
-            <a:ext cx="5862262" cy="3815344"/>
+            <a:off x="1581436" y="742976"/>
+            <a:ext cx="9029128" cy="5560842"/>
           </a:xfrm>
           <a:prstGeom prst="rect">
             <a:avLst/>
@@ -7412,7 +8347,7 @@
     </p:spTree>
     <p:extLst>
       <p:ext uri="{BB962C8B-B14F-4D97-AF65-F5344CB8AC3E}">
-        <p14:creationId xmlns:p14="http://schemas.microsoft.com/office/powerpoint/2010/main" val="305064919"/>
+        <p14:creationId xmlns:p14="http://schemas.microsoft.com/office/powerpoint/2010/main" val="2296739114"/>
       </p:ext>
     </p:extLst>
   </p:cSld>
@@ -7439,40 +8374,63 @@
           <a:chExt cx="0" cy="0"/>
         </a:xfrm>
       </p:grpSpPr>
-      <p:pic>
-        <p:nvPicPr>
-          <p:cNvPr id="4" name="Picture 3">
-            <a:extLst>
-              <a:ext uri="{FF2B5EF4-FFF2-40B4-BE49-F238E27FC236}">
-                <a16:creationId xmlns:a16="http://schemas.microsoft.com/office/drawing/2014/main" id="{F3005AD7-8A64-1C48-9FB8-DE9F7E688E78}"/>
-              </a:ext>
-            </a:extLst>
-          </p:cNvPr>
-          <p:cNvPicPr>
-            <a:picLocks noChangeAspect="1"/>
-          </p:cNvPicPr>
-          <p:nvPr/>
-        </p:nvPicPr>
-        <p:blipFill>
-          <a:blip r:embed="rId2"/>
-          <a:stretch>
-            <a:fillRect/>
-          </a:stretch>
-        </p:blipFill>
-        <p:spPr>
-          <a:xfrm>
-            <a:off x="1581436" y="742976"/>
-            <a:ext cx="9029128" cy="5560842"/>
-          </a:xfrm>
-          <a:prstGeom prst="rect">
-            <a:avLst/>
-          </a:prstGeom>
-        </p:spPr>
-      </p:pic>
+      <p:sp>
+        <p:nvSpPr>
+          <p:cNvPr id="2" name="Title 1">
+            <a:extLst>
+              <a:ext uri="{FF2B5EF4-FFF2-40B4-BE49-F238E27FC236}">
+                <a16:creationId xmlns:a16="http://schemas.microsoft.com/office/drawing/2014/main" id="{CB215B4D-6D0F-BC46-89F2-835ECA5F71E7}"/>
+              </a:ext>
+            </a:extLst>
+          </p:cNvPr>
+          <p:cNvSpPr>
+            <a:spLocks noGrp="1"/>
+          </p:cNvSpPr>
+          <p:nvPr>
+            <p:ph type="title"/>
+          </p:nvPr>
+        </p:nvSpPr>
+        <p:spPr/>
+        <p:txBody>
+          <a:bodyPr/>
+          <a:lstStyle/>
+          <a:p>
+            <a:r>
+              <a:rPr lang="en-US" dirty="0"/>
+              <a:t>Create Business Model and Mapping Layer</a:t>
+            </a:r>
+          </a:p>
+        </p:txBody>
+      </p:sp>
+      <p:sp>
+        <p:nvSpPr>
+          <p:cNvPr id="3" name="Text Placeholder 2">
+            <a:extLst>
+              <a:ext uri="{FF2B5EF4-FFF2-40B4-BE49-F238E27FC236}">
+                <a16:creationId xmlns:a16="http://schemas.microsoft.com/office/drawing/2014/main" id="{2ADF2CA0-39D0-014B-909A-86FC66EEEE3C}"/>
+              </a:ext>
+            </a:extLst>
+          </p:cNvPr>
+          <p:cNvSpPr>
+            <a:spLocks noGrp="1"/>
+          </p:cNvSpPr>
+          <p:nvPr>
+            <p:ph type="body" idx="1"/>
+          </p:nvPr>
+        </p:nvSpPr>
+        <p:spPr/>
+        <p:txBody>
+          <a:bodyPr/>
+          <a:lstStyle/>
+          <a:p>
+            <a:endParaRPr lang="en-US" dirty="0"/>
+          </a:p>
+        </p:txBody>
+      </p:sp>
     </p:spTree>
     <p:extLst>
       <p:ext uri="{BB962C8B-B14F-4D97-AF65-F5344CB8AC3E}">
-        <p14:creationId xmlns:p14="http://schemas.microsoft.com/office/powerpoint/2010/main" val="2296739114"/>
+        <p14:creationId xmlns:p14="http://schemas.microsoft.com/office/powerpoint/2010/main" val="381664903"/>
       </p:ext>
     </p:extLst>
   </p:cSld>
@@ -7499,63 +8457,149 @@
           <a:chExt cx="0" cy="0"/>
         </a:xfrm>
       </p:grpSpPr>
-      <p:sp>
-        <p:nvSpPr>
-          <p:cNvPr id="2" name="Title 1">
-            <a:extLst>
-              <a:ext uri="{FF2B5EF4-FFF2-40B4-BE49-F238E27FC236}">
-                <a16:creationId xmlns:a16="http://schemas.microsoft.com/office/drawing/2014/main" id="{CB215B4D-6D0F-BC46-89F2-835ECA5F71E7}"/>
-              </a:ext>
-            </a:extLst>
-          </p:cNvPr>
-          <p:cNvSpPr>
-            <a:spLocks noGrp="1"/>
-          </p:cNvSpPr>
-          <p:nvPr>
-            <p:ph type="title"/>
-          </p:nvPr>
-        </p:nvSpPr>
-        <p:spPr/>
-        <p:txBody>
-          <a:bodyPr/>
-          <a:lstStyle/>
-          <a:p>
-            <a:r>
-              <a:rPr lang="en-US" dirty="0"/>
-              <a:t>Create Business Model and Mapping Layer</a:t>
-            </a:r>
-          </a:p>
-        </p:txBody>
-      </p:sp>
-      <p:sp>
-        <p:nvSpPr>
-          <p:cNvPr id="3" name="Text Placeholder 2">
-            <a:extLst>
-              <a:ext uri="{FF2B5EF4-FFF2-40B4-BE49-F238E27FC236}">
-                <a16:creationId xmlns:a16="http://schemas.microsoft.com/office/drawing/2014/main" id="{2ADF2CA0-39D0-014B-909A-86FC66EEEE3C}"/>
-              </a:ext>
-            </a:extLst>
-          </p:cNvPr>
-          <p:cNvSpPr>
-            <a:spLocks noGrp="1"/>
-          </p:cNvSpPr>
-          <p:nvPr>
-            <p:ph type="body" idx="1"/>
-          </p:nvPr>
-        </p:nvSpPr>
-        <p:spPr/>
-        <p:txBody>
-          <a:bodyPr/>
-          <a:lstStyle/>
-          <a:p>
-            <a:endParaRPr lang="en-US" dirty="0"/>
+      <p:pic>
+        <p:nvPicPr>
+          <p:cNvPr id="5" name="Picture 4">
+            <a:extLst>
+              <a:ext uri="{FF2B5EF4-FFF2-40B4-BE49-F238E27FC236}">
+                <a16:creationId xmlns:a16="http://schemas.microsoft.com/office/drawing/2014/main" id="{1C4E56EA-0AA9-F446-989A-585921420E26}"/>
+              </a:ext>
+            </a:extLst>
+          </p:cNvPr>
+          <p:cNvPicPr>
+            <a:picLocks noChangeAspect="1"/>
+          </p:cNvPicPr>
+          <p:nvPr/>
+        </p:nvPicPr>
+        <p:blipFill>
+          <a:blip r:embed="rId2"/>
+          <a:stretch>
+            <a:fillRect/>
+          </a:stretch>
+        </p:blipFill>
+        <p:spPr>
+          <a:xfrm>
+            <a:off x="1216116" y="908992"/>
+            <a:ext cx="3178732" cy="5047673"/>
+          </a:xfrm>
+          <a:prstGeom prst="rect">
+            <a:avLst/>
+          </a:prstGeom>
+        </p:spPr>
+      </p:pic>
+      <p:pic>
+        <p:nvPicPr>
+          <p:cNvPr id="10" name="Picture 9">
+            <a:extLst>
+              <a:ext uri="{FF2B5EF4-FFF2-40B4-BE49-F238E27FC236}">
+                <a16:creationId xmlns:a16="http://schemas.microsoft.com/office/drawing/2014/main" id="{B3DF5CA3-F3F9-AC43-AF58-85A7D812DE3F}"/>
+              </a:ext>
+            </a:extLst>
+          </p:cNvPr>
+          <p:cNvPicPr>
+            <a:picLocks noChangeAspect="1"/>
+          </p:cNvPicPr>
+          <p:nvPr/>
+        </p:nvPicPr>
+        <p:blipFill>
+          <a:blip r:embed="rId3"/>
+          <a:stretch>
+            <a:fillRect/>
+          </a:stretch>
+        </p:blipFill>
+        <p:spPr>
+          <a:xfrm>
+            <a:off x="3715859" y="1345910"/>
+            <a:ext cx="3118728" cy="3575127"/>
+          </a:xfrm>
+          <a:prstGeom prst="rect">
+            <a:avLst/>
+          </a:prstGeom>
+        </p:spPr>
+      </p:pic>
+      <p:pic>
+        <p:nvPicPr>
+          <p:cNvPr id="11" name="Picture 10">
+            <a:extLst>
+              <a:ext uri="{FF2B5EF4-FFF2-40B4-BE49-F238E27FC236}">
+                <a16:creationId xmlns:a16="http://schemas.microsoft.com/office/drawing/2014/main" id="{B69352D3-557C-4D49-B3BE-FD150F3A1675}"/>
+              </a:ext>
+            </a:extLst>
+          </p:cNvPr>
+          <p:cNvPicPr>
+            <a:picLocks noChangeAspect="1"/>
+          </p:cNvPicPr>
+          <p:nvPr/>
+        </p:nvPicPr>
+        <p:blipFill>
+          <a:blip r:embed="rId4"/>
+          <a:stretch>
+            <a:fillRect/>
+          </a:stretch>
+        </p:blipFill>
+        <p:spPr>
+          <a:xfrm>
+            <a:off x="8040668" y="908992"/>
+            <a:ext cx="3178733" cy="5040015"/>
+          </a:xfrm>
+          <a:prstGeom prst="rect">
+            <a:avLst/>
+          </a:prstGeom>
+        </p:spPr>
+      </p:pic>
+      <p:sp>
+        <p:nvSpPr>
+          <p:cNvPr id="12" name="Right Arrow 11">
+            <a:extLst>
+              <a:ext uri="{FF2B5EF4-FFF2-40B4-BE49-F238E27FC236}">
+                <a16:creationId xmlns:a16="http://schemas.microsoft.com/office/drawing/2014/main" id="{7EB34AF1-9F00-2049-AA36-A15A7E519314}"/>
+              </a:ext>
+            </a:extLst>
+          </p:cNvPr>
+          <p:cNvSpPr/>
+          <p:nvPr/>
+        </p:nvSpPr>
+        <p:spPr>
+          <a:xfrm>
+            <a:off x="7108308" y="3032762"/>
+            <a:ext cx="658639" cy="396237"/>
+          </a:xfrm>
+          <a:prstGeom prst="rightArrow">
+            <a:avLst>
+              <a:gd name="adj1" fmla="val 50000"/>
+              <a:gd name="adj2" fmla="val 51999"/>
+            </a:avLst>
+          </a:prstGeom>
+        </p:spPr>
+        <p:style>
+          <a:lnRef idx="2">
+            <a:schemeClr val="dk1">
+              <a:shade val="50000"/>
+            </a:schemeClr>
+          </a:lnRef>
+          <a:fillRef idx="1">
+            <a:schemeClr val="dk1"/>
+          </a:fillRef>
+          <a:effectRef idx="0">
+            <a:schemeClr val="dk1"/>
+          </a:effectRef>
+          <a:fontRef idx="minor">
+            <a:schemeClr val="lt1"/>
+          </a:fontRef>
+        </p:style>
+        <p:txBody>
+          <a:bodyPr rtlCol="0" anchor="ctr"/>
+          <a:lstStyle/>
+          <a:p>
+            <a:pPr algn="ctr"/>
+            <a:endParaRPr lang="en-US"/>
           </a:p>
         </p:txBody>
       </p:sp>
     </p:spTree>
     <p:extLst>
       <p:ext uri="{BB962C8B-B14F-4D97-AF65-F5344CB8AC3E}">
-        <p14:creationId xmlns:p14="http://schemas.microsoft.com/office/powerpoint/2010/main" val="381664903"/>
+        <p14:creationId xmlns:p14="http://schemas.microsoft.com/office/powerpoint/2010/main" val="3163829013"/>
       </p:ext>
     </p:extLst>
   </p:cSld>
@@ -7584,10 +8628,10 @@
       </p:grpSpPr>
       <p:pic>
         <p:nvPicPr>
-          <p:cNvPr id="5" name="Picture 4">
-            <a:extLst>
-              <a:ext uri="{FF2B5EF4-FFF2-40B4-BE49-F238E27FC236}">
-                <a16:creationId xmlns:a16="http://schemas.microsoft.com/office/drawing/2014/main" id="{1C4E56EA-0AA9-F446-989A-585921420E26}"/>
+          <p:cNvPr id="3" name="Picture 2">
+            <a:extLst>
+              <a:ext uri="{FF2B5EF4-FFF2-40B4-BE49-F238E27FC236}">
+                <a16:creationId xmlns:a16="http://schemas.microsoft.com/office/drawing/2014/main" id="{799E4324-0BF3-C747-B0F9-342535C29274}"/>
               </a:ext>
             </a:extLst>
           </p:cNvPr>
@@ -7604,80 +8648,20 @@
         </p:blipFill>
         <p:spPr>
           <a:xfrm>
-            <a:off x="1216116" y="908992"/>
-            <a:ext cx="3178732" cy="5047673"/>
+            <a:off x="2808467" y="769197"/>
+            <a:ext cx="6575065" cy="5319606"/>
           </a:xfrm>
           <a:prstGeom prst="rect">
             <a:avLst/>
           </a:prstGeom>
         </p:spPr>
       </p:pic>
-      <p:pic>
-        <p:nvPicPr>
-          <p:cNvPr id="10" name="Picture 9">
-            <a:extLst>
-              <a:ext uri="{FF2B5EF4-FFF2-40B4-BE49-F238E27FC236}">
-                <a16:creationId xmlns:a16="http://schemas.microsoft.com/office/drawing/2014/main" id="{B3DF5CA3-F3F9-AC43-AF58-85A7D812DE3F}"/>
-              </a:ext>
-            </a:extLst>
-          </p:cNvPr>
-          <p:cNvPicPr>
-            <a:picLocks noChangeAspect="1"/>
-          </p:cNvPicPr>
-          <p:nvPr/>
-        </p:nvPicPr>
-        <p:blipFill>
-          <a:blip r:embed="rId3"/>
-          <a:stretch>
-            <a:fillRect/>
-          </a:stretch>
-        </p:blipFill>
-        <p:spPr>
-          <a:xfrm>
-            <a:off x="3715859" y="1345910"/>
-            <a:ext cx="3118728" cy="3575127"/>
-          </a:xfrm>
-          <a:prstGeom prst="rect">
-            <a:avLst/>
-          </a:prstGeom>
-        </p:spPr>
-      </p:pic>
-      <p:pic>
-        <p:nvPicPr>
-          <p:cNvPr id="11" name="Picture 10">
-            <a:extLst>
-              <a:ext uri="{FF2B5EF4-FFF2-40B4-BE49-F238E27FC236}">
-                <a16:creationId xmlns:a16="http://schemas.microsoft.com/office/drawing/2014/main" id="{B69352D3-557C-4D49-B3BE-FD150F3A1675}"/>
-              </a:ext>
-            </a:extLst>
-          </p:cNvPr>
-          <p:cNvPicPr>
-            <a:picLocks noChangeAspect="1"/>
-          </p:cNvPicPr>
-          <p:nvPr/>
-        </p:nvPicPr>
-        <p:blipFill>
-          <a:blip r:embed="rId4"/>
-          <a:stretch>
-            <a:fillRect/>
-          </a:stretch>
-        </p:blipFill>
-        <p:spPr>
-          <a:xfrm>
-            <a:off x="8040668" y="908992"/>
-            <a:ext cx="3178733" cy="5040015"/>
-          </a:xfrm>
-          <a:prstGeom prst="rect">
-            <a:avLst/>
-          </a:prstGeom>
-        </p:spPr>
-      </p:pic>
-      <p:sp>
-        <p:nvSpPr>
-          <p:cNvPr id="12" name="Right Arrow 11">
-            <a:extLst>
-              <a:ext uri="{FF2B5EF4-FFF2-40B4-BE49-F238E27FC236}">
-                <a16:creationId xmlns:a16="http://schemas.microsoft.com/office/drawing/2014/main" id="{7EB34AF1-9F00-2049-AA36-A15A7E519314}"/>
+      <p:sp>
+        <p:nvSpPr>
+          <p:cNvPr id="4" name="Oval 3">
+            <a:extLst>
+              <a:ext uri="{FF2B5EF4-FFF2-40B4-BE49-F238E27FC236}">
+                <a16:creationId xmlns:a16="http://schemas.microsoft.com/office/drawing/2014/main" id="{5700A0BD-A328-B244-BBEB-F08138978D17}"/>
               </a:ext>
             </a:extLst>
           </p:cNvPr>
@@ -7686,14 +8670,63 @@
         </p:nvSpPr>
         <p:spPr>
           <a:xfrm>
-            <a:off x="7108308" y="3032762"/>
-            <a:ext cx="658639" cy="396237"/>
+            <a:off x="6718851" y="1470991"/>
+            <a:ext cx="620203" cy="206734"/>
+          </a:xfrm>
+          <a:prstGeom prst="ellipse">
+            <a:avLst/>
+          </a:prstGeom>
+          <a:noFill/>
+          <a:ln w="38100">
+            <a:solidFill>
+              <a:srgbClr val="FF0000"/>
+            </a:solidFill>
+          </a:ln>
+        </p:spPr>
+        <p:style>
+          <a:lnRef idx="2">
+            <a:schemeClr val="accent1">
+              <a:shade val="50000"/>
+            </a:schemeClr>
+          </a:lnRef>
+          <a:fillRef idx="1">
+            <a:schemeClr val="accent1"/>
+          </a:fillRef>
+          <a:effectRef idx="0">
+            <a:schemeClr val="accent1"/>
+          </a:effectRef>
+          <a:fontRef idx="minor">
+            <a:schemeClr val="lt1"/>
+          </a:fontRef>
+        </p:style>
+        <p:txBody>
+          <a:bodyPr rtlCol="0" anchor="ctr"/>
+          <a:lstStyle/>
+          <a:p>
+            <a:pPr algn="ctr"/>
+            <a:endParaRPr lang="en-US"/>
+          </a:p>
+        </p:txBody>
+      </p:sp>
+      <p:sp>
+        <p:nvSpPr>
+          <p:cNvPr id="16" name="Right Arrow 15">
+            <a:extLst>
+              <a:ext uri="{FF2B5EF4-FFF2-40B4-BE49-F238E27FC236}">
+                <a16:creationId xmlns:a16="http://schemas.microsoft.com/office/drawing/2014/main" id="{E7ED57A7-984A-A540-8B5C-F86B2204F5F7}"/>
+              </a:ext>
+            </a:extLst>
+          </p:cNvPr>
+          <p:cNvSpPr/>
+          <p:nvPr/>
+        </p:nvSpPr>
+        <p:spPr>
+          <a:xfrm flipH="1">
+            <a:off x="5783075" y="1398353"/>
+            <a:ext cx="538389" cy="352007"/>
           </a:xfrm>
           <a:prstGeom prst="rightArrow">
-            <a:avLst>
-              <a:gd name="adj1" fmla="val 50000"/>
-              <a:gd name="adj2" fmla="val 51999"/>
-            </a:avLst>
+            <a:avLst/>
           </a:prstGeom>
         </p:spPr>
         <p:style>
@@ -7721,10 +8754,45 @@
           </a:p>
         </p:txBody>
       </p:sp>
+      <p:sp>
+        <p:nvSpPr>
+          <p:cNvPr id="17" name="TextBox 16">
+            <a:extLst>
+              <a:ext uri="{FF2B5EF4-FFF2-40B4-BE49-F238E27FC236}">
+                <a16:creationId xmlns:a16="http://schemas.microsoft.com/office/drawing/2014/main" id="{7E814F2F-F83F-6D4B-AE18-62D7EB6807A0}"/>
+              </a:ext>
+            </a:extLst>
+          </p:cNvPr>
+          <p:cNvSpPr txBox="1"/>
+          <p:nvPr/>
+        </p:nvSpPr>
+        <p:spPr>
+          <a:xfrm>
+            <a:off x="3996857" y="1251192"/>
+            <a:ext cx="1786218" cy="646331"/>
+          </a:xfrm>
+          <a:prstGeom prst="rect">
+            <a:avLst/>
+          </a:prstGeom>
+          <a:noFill/>
+        </p:spPr>
+        <p:txBody>
+          <a:bodyPr wrap="square" rtlCol="0">
+            <a:spAutoFit/>
+          </a:bodyPr>
+          <a:lstStyle/>
+          <a:p>
+            <a:r>
+              <a:rPr lang="en-US" dirty="0"/>
+              <a:t>Drag FactTable onto BMM Layer</a:t>
+            </a:r>
+          </a:p>
+        </p:txBody>
+      </p:sp>
     </p:spTree>
     <p:extLst>
       <p:ext uri="{BB962C8B-B14F-4D97-AF65-F5344CB8AC3E}">
-        <p14:creationId xmlns:p14="http://schemas.microsoft.com/office/powerpoint/2010/main" val="3163829013"/>
+        <p14:creationId xmlns:p14="http://schemas.microsoft.com/office/powerpoint/2010/main" val="3034854702"/>
       </p:ext>
     </p:extLst>
   </p:cSld>
@@ -7751,173 +8819,63 @@
           <a:chExt cx="0" cy="0"/>
         </a:xfrm>
       </p:grpSpPr>
-      <p:pic>
-        <p:nvPicPr>
-          <p:cNvPr id="3" name="Picture 2">
-            <a:extLst>
-              <a:ext uri="{FF2B5EF4-FFF2-40B4-BE49-F238E27FC236}">
-                <a16:creationId xmlns:a16="http://schemas.microsoft.com/office/drawing/2014/main" id="{799E4324-0BF3-C747-B0F9-342535C29274}"/>
-              </a:ext>
-            </a:extLst>
-          </p:cNvPr>
-          <p:cNvPicPr>
-            <a:picLocks noChangeAspect="1"/>
-          </p:cNvPicPr>
-          <p:nvPr/>
-        </p:nvPicPr>
-        <p:blipFill>
-          <a:blip r:embed="rId2"/>
-          <a:stretch>
-            <a:fillRect/>
-          </a:stretch>
-        </p:blipFill>
-        <p:spPr>
-          <a:xfrm>
-            <a:off x="2808467" y="769197"/>
-            <a:ext cx="6575065" cy="5319606"/>
-          </a:xfrm>
-          <a:prstGeom prst="rect">
-            <a:avLst/>
-          </a:prstGeom>
-        </p:spPr>
-      </p:pic>
-      <p:sp>
-        <p:nvSpPr>
-          <p:cNvPr id="4" name="Oval 3">
-            <a:extLst>
-              <a:ext uri="{FF2B5EF4-FFF2-40B4-BE49-F238E27FC236}">
-                <a16:creationId xmlns:a16="http://schemas.microsoft.com/office/drawing/2014/main" id="{5700A0BD-A328-B244-BBEB-F08138978D17}"/>
-              </a:ext>
-            </a:extLst>
-          </p:cNvPr>
-          <p:cNvSpPr/>
-          <p:nvPr/>
-        </p:nvSpPr>
-        <p:spPr>
-          <a:xfrm>
-            <a:off x="6718851" y="1470991"/>
-            <a:ext cx="620203" cy="206734"/>
-          </a:xfrm>
-          <a:prstGeom prst="ellipse">
-            <a:avLst/>
-          </a:prstGeom>
-          <a:noFill/>
-          <a:ln w="38100">
-            <a:solidFill>
-              <a:srgbClr val="FF0000"/>
-            </a:solidFill>
-          </a:ln>
-        </p:spPr>
-        <p:style>
-          <a:lnRef idx="2">
-            <a:schemeClr val="accent1">
-              <a:shade val="50000"/>
-            </a:schemeClr>
-          </a:lnRef>
-          <a:fillRef idx="1">
-            <a:schemeClr val="accent1"/>
-          </a:fillRef>
-          <a:effectRef idx="0">
-            <a:schemeClr val="accent1"/>
-          </a:effectRef>
-          <a:fontRef idx="minor">
-            <a:schemeClr val="lt1"/>
-          </a:fontRef>
-        </p:style>
-        <p:txBody>
-          <a:bodyPr rtlCol="0" anchor="ctr"/>
-          <a:lstStyle/>
-          <a:p>
-            <a:pPr algn="ctr"/>
-            <a:endParaRPr lang="en-US"/>
-          </a:p>
-        </p:txBody>
-      </p:sp>
-      <p:sp>
-        <p:nvSpPr>
-          <p:cNvPr id="16" name="Right Arrow 15">
-            <a:extLst>
-              <a:ext uri="{FF2B5EF4-FFF2-40B4-BE49-F238E27FC236}">
-                <a16:creationId xmlns:a16="http://schemas.microsoft.com/office/drawing/2014/main" id="{E7ED57A7-984A-A540-8B5C-F86B2204F5F7}"/>
-              </a:ext>
-            </a:extLst>
-          </p:cNvPr>
-          <p:cNvSpPr/>
-          <p:nvPr/>
-        </p:nvSpPr>
-        <p:spPr>
-          <a:xfrm flipH="1">
-            <a:off x="5783075" y="1398353"/>
-            <a:ext cx="538389" cy="352007"/>
-          </a:xfrm>
-          <a:prstGeom prst="rightArrow">
-            <a:avLst/>
-          </a:prstGeom>
-        </p:spPr>
-        <p:style>
-          <a:lnRef idx="2">
-            <a:schemeClr val="dk1">
-              <a:shade val="50000"/>
-            </a:schemeClr>
-          </a:lnRef>
-          <a:fillRef idx="1">
-            <a:schemeClr val="dk1"/>
-          </a:fillRef>
-          <a:effectRef idx="0">
-            <a:schemeClr val="dk1"/>
-          </a:effectRef>
-          <a:fontRef idx="minor">
-            <a:schemeClr val="lt1"/>
-          </a:fontRef>
-        </p:style>
-        <p:txBody>
-          <a:bodyPr rtlCol="0" anchor="ctr"/>
-          <a:lstStyle/>
-          <a:p>
-            <a:pPr algn="ctr"/>
-            <a:endParaRPr lang="en-US"/>
-          </a:p>
-        </p:txBody>
-      </p:sp>
-      <p:sp>
-        <p:nvSpPr>
-          <p:cNvPr id="17" name="TextBox 16">
-            <a:extLst>
-              <a:ext uri="{FF2B5EF4-FFF2-40B4-BE49-F238E27FC236}">
-                <a16:creationId xmlns:a16="http://schemas.microsoft.com/office/drawing/2014/main" id="{7E814F2F-F83F-6D4B-AE18-62D7EB6807A0}"/>
-              </a:ext>
-            </a:extLst>
-          </p:cNvPr>
-          <p:cNvSpPr txBox="1"/>
-          <p:nvPr/>
-        </p:nvSpPr>
-        <p:spPr>
-          <a:xfrm>
-            <a:off x="3996857" y="1251192"/>
-            <a:ext cx="1786218" cy="646331"/>
-          </a:xfrm>
-          <a:prstGeom prst="rect">
-            <a:avLst/>
-          </a:prstGeom>
-          <a:noFill/>
-        </p:spPr>
-        <p:txBody>
-          <a:bodyPr wrap="square" rtlCol="0">
-            <a:spAutoFit/>
-          </a:bodyPr>
+      <p:sp>
+        <p:nvSpPr>
+          <p:cNvPr id="2" name="Title 1">
+            <a:extLst>
+              <a:ext uri="{FF2B5EF4-FFF2-40B4-BE49-F238E27FC236}">
+                <a16:creationId xmlns:a16="http://schemas.microsoft.com/office/drawing/2014/main" id="{CB215B4D-6D0F-BC46-89F2-835ECA5F71E7}"/>
+              </a:ext>
+            </a:extLst>
+          </p:cNvPr>
+          <p:cNvSpPr>
+            <a:spLocks noGrp="1"/>
+          </p:cNvSpPr>
+          <p:nvPr>
+            <p:ph type="title"/>
+          </p:nvPr>
+        </p:nvSpPr>
+        <p:spPr/>
+        <p:txBody>
+          <a:bodyPr/>
           <a:lstStyle/>
           <a:p>
             <a:r>
               <a:rPr lang="en-US" dirty="0"/>
-              <a:t>Drag FactTable onto BMM Layer</a:t>
+              <a:t>Melting the Snowflake</a:t>
             </a:r>
+          </a:p>
+        </p:txBody>
+      </p:sp>
+      <p:sp>
+        <p:nvSpPr>
+          <p:cNvPr id="3" name="Text Placeholder 2">
+            <a:extLst>
+              <a:ext uri="{FF2B5EF4-FFF2-40B4-BE49-F238E27FC236}">
+                <a16:creationId xmlns:a16="http://schemas.microsoft.com/office/drawing/2014/main" id="{2ADF2CA0-39D0-014B-909A-86FC66EEEE3C}"/>
+              </a:ext>
+            </a:extLst>
+          </p:cNvPr>
+          <p:cNvSpPr>
+            <a:spLocks noGrp="1"/>
+          </p:cNvSpPr>
+          <p:nvPr>
+            <p:ph type="body" idx="1"/>
+          </p:nvPr>
+        </p:nvSpPr>
+        <p:spPr/>
+        <p:txBody>
+          <a:bodyPr/>
+          <a:lstStyle/>
+          <a:p>
+            <a:endParaRPr lang="en-US" dirty="0"/>
           </a:p>
         </p:txBody>
       </p:sp>
     </p:spTree>
     <p:extLst>
       <p:ext uri="{BB962C8B-B14F-4D97-AF65-F5344CB8AC3E}">
-        <p14:creationId xmlns:p14="http://schemas.microsoft.com/office/powerpoint/2010/main" val="3034854702"/>
+        <p14:creationId xmlns:p14="http://schemas.microsoft.com/office/powerpoint/2010/main" val="2699262766"/>
       </p:ext>
     </p:extLst>
   </p:cSld>
@@ -7944,63 +8902,284 @@
           <a:chExt cx="0" cy="0"/>
         </a:xfrm>
       </p:grpSpPr>
-      <p:sp>
-        <p:nvSpPr>
-          <p:cNvPr id="2" name="Title 1">
-            <a:extLst>
-              <a:ext uri="{FF2B5EF4-FFF2-40B4-BE49-F238E27FC236}">
-                <a16:creationId xmlns:a16="http://schemas.microsoft.com/office/drawing/2014/main" id="{CB215B4D-6D0F-BC46-89F2-835ECA5F71E7}"/>
-              </a:ext>
-            </a:extLst>
-          </p:cNvPr>
-          <p:cNvSpPr>
-            <a:spLocks noGrp="1"/>
-          </p:cNvSpPr>
-          <p:nvPr>
-            <p:ph type="title"/>
-          </p:nvPr>
-        </p:nvSpPr>
-        <p:spPr/>
-        <p:txBody>
-          <a:bodyPr/>
-          <a:lstStyle/>
-          <a:p>
+      <p:pic>
+        <p:nvPicPr>
+          <p:cNvPr id="2" name="Picture 1">
+            <a:extLst>
+              <a:ext uri="{FF2B5EF4-FFF2-40B4-BE49-F238E27FC236}">
+                <a16:creationId xmlns:a16="http://schemas.microsoft.com/office/drawing/2014/main" id="{077A0EBC-9BCD-3944-A8AD-2FACF7FAC1D0}"/>
+              </a:ext>
+            </a:extLst>
+          </p:cNvPr>
+          <p:cNvPicPr>
+            <a:picLocks noChangeAspect="1"/>
+          </p:cNvPicPr>
+          <p:nvPr/>
+        </p:nvPicPr>
+        <p:blipFill>
+          <a:blip r:embed="rId2"/>
+          <a:stretch>
+            <a:fillRect/>
+          </a:stretch>
+        </p:blipFill>
+        <p:spPr>
+          <a:xfrm>
+            <a:off x="1430070" y="1468029"/>
+            <a:ext cx="9331859" cy="4588164"/>
+          </a:xfrm>
+          <a:prstGeom prst="rect">
+            <a:avLst/>
+          </a:prstGeom>
+        </p:spPr>
+      </p:pic>
+      <p:sp>
+        <p:nvSpPr>
+          <p:cNvPr id="3" name="Oval 2">
+            <a:extLst>
+              <a:ext uri="{FF2B5EF4-FFF2-40B4-BE49-F238E27FC236}">
+                <a16:creationId xmlns:a16="http://schemas.microsoft.com/office/drawing/2014/main" id="{79A923D5-F0DA-454C-939D-75431BEA09DB}"/>
+              </a:ext>
+            </a:extLst>
+          </p:cNvPr>
+          <p:cNvSpPr/>
+          <p:nvPr/>
+        </p:nvSpPr>
+        <p:spPr>
+          <a:xfrm>
+            <a:off x="8350861" y="2710552"/>
+            <a:ext cx="1516708" cy="757231"/>
+          </a:xfrm>
+          <a:prstGeom prst="ellipse">
+            <a:avLst/>
+          </a:prstGeom>
+          <a:noFill/>
+          <a:ln w="38100">
+            <a:solidFill>
+              <a:srgbClr val="FF0000"/>
+            </a:solidFill>
+          </a:ln>
+        </p:spPr>
+        <p:style>
+          <a:lnRef idx="2">
+            <a:schemeClr val="accent1">
+              <a:shade val="50000"/>
+            </a:schemeClr>
+          </a:lnRef>
+          <a:fillRef idx="1">
+            <a:schemeClr val="accent1"/>
+          </a:fillRef>
+          <a:effectRef idx="0">
+            <a:schemeClr val="accent1"/>
+          </a:effectRef>
+          <a:fontRef idx="minor">
+            <a:schemeClr val="lt1"/>
+          </a:fontRef>
+        </p:style>
+        <p:txBody>
+          <a:bodyPr rtlCol="0" anchor="ctr"/>
+          <a:lstStyle/>
+          <a:p>
+            <a:pPr algn="ctr"/>
+            <a:endParaRPr lang="en-US"/>
+          </a:p>
+        </p:txBody>
+      </p:sp>
+      <p:sp>
+        <p:nvSpPr>
+          <p:cNvPr id="4" name="Oval 3">
+            <a:extLst>
+              <a:ext uri="{FF2B5EF4-FFF2-40B4-BE49-F238E27FC236}">
+                <a16:creationId xmlns:a16="http://schemas.microsoft.com/office/drawing/2014/main" id="{D2595D89-DDBF-534B-8E29-BBF42DEE6D51}"/>
+              </a:ext>
+            </a:extLst>
+          </p:cNvPr>
+          <p:cNvSpPr/>
+          <p:nvPr/>
+        </p:nvSpPr>
+        <p:spPr>
+          <a:xfrm>
+            <a:off x="7348998" y="3887345"/>
+            <a:ext cx="1516708" cy="818984"/>
+          </a:xfrm>
+          <a:prstGeom prst="ellipse">
+            <a:avLst/>
+          </a:prstGeom>
+          <a:noFill/>
+          <a:ln w="38100">
+            <a:solidFill>
+              <a:srgbClr val="FF0000"/>
+            </a:solidFill>
+          </a:ln>
+        </p:spPr>
+        <p:style>
+          <a:lnRef idx="2">
+            <a:schemeClr val="accent1">
+              <a:shade val="50000"/>
+            </a:schemeClr>
+          </a:lnRef>
+          <a:fillRef idx="1">
+            <a:schemeClr val="accent1"/>
+          </a:fillRef>
+          <a:effectRef idx="0">
+            <a:schemeClr val="accent1"/>
+          </a:effectRef>
+          <a:fontRef idx="minor">
+            <a:schemeClr val="lt1"/>
+          </a:fontRef>
+        </p:style>
+        <p:txBody>
+          <a:bodyPr rtlCol="0" anchor="ctr"/>
+          <a:lstStyle/>
+          <a:p>
+            <a:pPr algn="ctr"/>
+            <a:endParaRPr lang="en-US"/>
+          </a:p>
+        </p:txBody>
+      </p:sp>
+      <p:sp>
+        <p:nvSpPr>
+          <p:cNvPr id="5" name="Oval 4">
+            <a:extLst>
+              <a:ext uri="{FF2B5EF4-FFF2-40B4-BE49-F238E27FC236}">
+                <a16:creationId xmlns:a16="http://schemas.microsoft.com/office/drawing/2014/main" id="{CEE1D885-3C43-4B43-A8BA-5FF92207CBC2}"/>
+              </a:ext>
+            </a:extLst>
+          </p:cNvPr>
+          <p:cNvSpPr/>
+          <p:nvPr/>
+        </p:nvSpPr>
+        <p:spPr>
+          <a:xfrm>
+            <a:off x="6394841" y="5237209"/>
+            <a:ext cx="1516707" cy="757231"/>
+          </a:xfrm>
+          <a:prstGeom prst="ellipse">
+            <a:avLst/>
+          </a:prstGeom>
+          <a:noFill/>
+          <a:ln w="38100">
+            <a:solidFill>
+              <a:srgbClr val="FF0000"/>
+            </a:solidFill>
+          </a:ln>
+        </p:spPr>
+        <p:style>
+          <a:lnRef idx="2">
+            <a:schemeClr val="accent1">
+              <a:shade val="50000"/>
+            </a:schemeClr>
+          </a:lnRef>
+          <a:fillRef idx="1">
+            <a:schemeClr val="accent1"/>
+          </a:fillRef>
+          <a:effectRef idx="0">
+            <a:schemeClr val="accent1"/>
+          </a:effectRef>
+          <a:fontRef idx="minor">
+            <a:schemeClr val="lt1"/>
+          </a:fontRef>
+        </p:style>
+        <p:txBody>
+          <a:bodyPr rtlCol="0" anchor="ctr"/>
+          <a:lstStyle/>
+          <a:p>
+            <a:pPr algn="ctr"/>
+            <a:endParaRPr lang="en-US"/>
+          </a:p>
+        </p:txBody>
+      </p:sp>
+      <p:sp>
+        <p:nvSpPr>
+          <p:cNvPr id="6" name="Oval 5">
+            <a:extLst>
+              <a:ext uri="{FF2B5EF4-FFF2-40B4-BE49-F238E27FC236}">
+                <a16:creationId xmlns:a16="http://schemas.microsoft.com/office/drawing/2014/main" id="{88212993-2DEA-454C-A99B-915879D78CB0}"/>
+              </a:ext>
+            </a:extLst>
+          </p:cNvPr>
+          <p:cNvSpPr/>
+          <p:nvPr/>
+        </p:nvSpPr>
+        <p:spPr>
+          <a:xfrm>
+            <a:off x="8797460" y="4655833"/>
+            <a:ext cx="1516707" cy="757231"/>
+          </a:xfrm>
+          <a:prstGeom prst="ellipse">
+            <a:avLst/>
+          </a:prstGeom>
+          <a:noFill/>
+          <a:ln w="38100">
+            <a:solidFill>
+              <a:srgbClr val="FF0000"/>
+            </a:solidFill>
+          </a:ln>
+        </p:spPr>
+        <p:style>
+          <a:lnRef idx="2">
+            <a:schemeClr val="accent1">
+              <a:shade val="50000"/>
+            </a:schemeClr>
+          </a:lnRef>
+          <a:fillRef idx="1">
+            <a:schemeClr val="accent1"/>
+          </a:fillRef>
+          <a:effectRef idx="0">
+            <a:schemeClr val="accent1"/>
+          </a:effectRef>
+          <a:fontRef idx="minor">
+            <a:schemeClr val="lt1"/>
+          </a:fontRef>
+        </p:style>
+        <p:txBody>
+          <a:bodyPr rtlCol="0" anchor="ctr"/>
+          <a:lstStyle/>
+          <a:p>
+            <a:pPr algn="ctr"/>
+            <a:endParaRPr lang="en-US"/>
+          </a:p>
+        </p:txBody>
+      </p:sp>
+      <p:sp>
+        <p:nvSpPr>
+          <p:cNvPr id="7" name="TextBox 6">
+            <a:extLst>
+              <a:ext uri="{FF2B5EF4-FFF2-40B4-BE49-F238E27FC236}">
+                <a16:creationId xmlns:a16="http://schemas.microsoft.com/office/drawing/2014/main" id="{6BCA8592-3FEC-154C-896A-E04ED53DE285}"/>
+              </a:ext>
+            </a:extLst>
+          </p:cNvPr>
+          <p:cNvSpPr txBox="1"/>
+          <p:nvPr/>
+        </p:nvSpPr>
+        <p:spPr>
+          <a:xfrm>
+            <a:off x="1324975" y="396951"/>
+            <a:ext cx="9542047" cy="954107"/>
+          </a:xfrm>
+          <a:prstGeom prst="rect">
+            <a:avLst/>
+          </a:prstGeom>
+          <a:noFill/>
+        </p:spPr>
+        <p:txBody>
+          <a:bodyPr wrap="square" rtlCol="0">
+            <a:spAutoFit/>
+          </a:bodyPr>
+          <a:lstStyle/>
+          <a:p>
+            <a:pPr algn="ctr"/>
             <a:r>
-              <a:rPr lang="en-US" dirty="0"/>
-              <a:t>Melting the Snowflake</a:t>
+              <a:rPr lang="en-US" sz="2800" dirty="0"/>
+              <a:t>Join FreightRates, PortCarrier, Dest_Port_Locations, Orig_Port_Locations</a:t>
             </a:r>
-          </a:p>
-        </p:txBody>
-      </p:sp>
-      <p:sp>
-        <p:nvSpPr>
-          <p:cNvPr id="3" name="Text Placeholder 2">
-            <a:extLst>
-              <a:ext uri="{FF2B5EF4-FFF2-40B4-BE49-F238E27FC236}">
-                <a16:creationId xmlns:a16="http://schemas.microsoft.com/office/drawing/2014/main" id="{2ADF2CA0-39D0-014B-909A-86FC66EEEE3C}"/>
-              </a:ext>
-            </a:extLst>
-          </p:cNvPr>
-          <p:cNvSpPr>
-            <a:spLocks noGrp="1"/>
-          </p:cNvSpPr>
-          <p:nvPr>
-            <p:ph type="body" idx="1"/>
-          </p:nvPr>
-        </p:nvSpPr>
-        <p:spPr/>
-        <p:txBody>
-          <a:bodyPr/>
-          <a:lstStyle/>
-          <a:p>
-            <a:endParaRPr lang="en-US" dirty="0"/>
           </a:p>
         </p:txBody>
       </p:sp>
     </p:spTree>
     <p:extLst>
       <p:ext uri="{BB962C8B-B14F-4D97-AF65-F5344CB8AC3E}">
-        <p14:creationId xmlns:p14="http://schemas.microsoft.com/office/powerpoint/2010/main" val="2699262766"/>
+        <p14:creationId xmlns:p14="http://schemas.microsoft.com/office/powerpoint/2010/main" val="2673413034"/>
       </p:ext>
     </p:extLst>
   </p:cSld>
